--- a/文档/bboss会话共享介绍.pptx
+++ b/文档/bboss会话共享介绍.pptx
@@ -8,8 +8,8 @@
     <p:sldId id="257" r:id="rId2"/>
     <p:sldId id="258" r:id="rId3"/>
     <p:sldId id="274" r:id="rId4"/>
-    <p:sldId id="259" r:id="rId5"/>
-    <p:sldId id="260" r:id="rId6"/>
+    <p:sldId id="260" r:id="rId5"/>
+    <p:sldId id="259" r:id="rId6"/>
     <p:sldId id="273" r:id="rId7"/>
     <p:sldId id="261" r:id="rId8"/>
     <p:sldId id="262" r:id="rId9"/>
@@ -3807,7 +3807,7 @@
           <a:p>
             <a:fld id="{A78D7106-0BAD-4EBC-A55B-68DD531D39A9}" type="datetimeFigureOut">
               <a:rPr lang="zh-CN" altLang="en-US" smtClean="0"/>
-              <a:t>2016/3/1</a:t>
+              <a:t>2016-3-2</a:t>
             </a:fld>
             <a:endParaRPr lang="zh-CN" altLang="en-US"/>
           </a:p>
@@ -3977,7 +3977,7 @@
           <a:p>
             <a:fld id="{A78D7106-0BAD-4EBC-A55B-68DD531D39A9}" type="datetimeFigureOut">
               <a:rPr lang="zh-CN" altLang="en-US" smtClean="0"/>
-              <a:t>2016/3/1</a:t>
+              <a:t>2016-3-2</a:t>
             </a:fld>
             <a:endParaRPr lang="zh-CN" altLang="en-US"/>
           </a:p>
@@ -4157,7 +4157,7 @@
           <a:p>
             <a:fld id="{A78D7106-0BAD-4EBC-A55B-68DD531D39A9}" type="datetimeFigureOut">
               <a:rPr lang="zh-CN" altLang="en-US" smtClean="0"/>
-              <a:t>2016/3/1</a:t>
+              <a:t>2016-3-2</a:t>
             </a:fld>
             <a:endParaRPr lang="zh-CN" altLang="en-US"/>
           </a:p>
@@ -4252,7 +4252,7 @@
           <a:p>
             <a:fld id="{813283B1-1446-4F80-A9EB-F57E382195D1}" type="datetime1">
               <a:rPr lang="zh-CN" altLang="en-US" smtClean="0"/>
-              <a:t>2016/3/1</a:t>
+              <a:t>2016-3-2</a:t>
             </a:fld>
             <a:endParaRPr lang="zh-CN" altLang="en-US" dirty="0"/>
           </a:p>
@@ -4532,7 +4532,7 @@
           <a:p>
             <a:fld id="{27A6EF20-78E2-44F4-9691-E11D24E0EE72}" type="datetime1">
               <a:rPr lang="zh-CN" altLang="en-US" smtClean="0"/>
-              <a:t>2016/3/1</a:t>
+              <a:t>2016-3-2</a:t>
             </a:fld>
             <a:endParaRPr lang="zh-CN" altLang="en-US" dirty="0"/>
           </a:p>
@@ -4718,7 +4718,7 @@
           <a:p>
             <a:fld id="{A78D7106-0BAD-4EBC-A55B-68DD531D39A9}" type="datetimeFigureOut">
               <a:rPr lang="zh-CN" altLang="en-US" smtClean="0"/>
-              <a:t>2016/3/1</a:t>
+              <a:t>2016-3-2</a:t>
             </a:fld>
             <a:endParaRPr lang="zh-CN" altLang="en-US"/>
           </a:p>
@@ -4964,7 +4964,7 @@
           <a:p>
             <a:fld id="{A78D7106-0BAD-4EBC-A55B-68DD531D39A9}" type="datetimeFigureOut">
               <a:rPr lang="zh-CN" altLang="en-US" smtClean="0"/>
-              <a:t>2016/3/1</a:t>
+              <a:t>2016-3-2</a:t>
             </a:fld>
             <a:endParaRPr lang="zh-CN" altLang="en-US"/>
           </a:p>
@@ -5252,7 +5252,7 @@
           <a:p>
             <a:fld id="{A78D7106-0BAD-4EBC-A55B-68DD531D39A9}" type="datetimeFigureOut">
               <a:rPr lang="zh-CN" altLang="en-US" smtClean="0"/>
-              <a:t>2016/3/1</a:t>
+              <a:t>2016-3-2</a:t>
             </a:fld>
             <a:endParaRPr lang="zh-CN" altLang="en-US"/>
           </a:p>
@@ -5674,7 +5674,7 @@
           <a:p>
             <a:fld id="{A78D7106-0BAD-4EBC-A55B-68DD531D39A9}" type="datetimeFigureOut">
               <a:rPr lang="zh-CN" altLang="en-US" smtClean="0"/>
-              <a:t>2016/3/1</a:t>
+              <a:t>2016-3-2</a:t>
             </a:fld>
             <a:endParaRPr lang="zh-CN" altLang="en-US"/>
           </a:p>
@@ -5792,7 +5792,7 @@
           <a:p>
             <a:fld id="{A78D7106-0BAD-4EBC-A55B-68DD531D39A9}" type="datetimeFigureOut">
               <a:rPr lang="zh-CN" altLang="en-US" smtClean="0"/>
-              <a:t>2016/3/1</a:t>
+              <a:t>2016-3-2</a:t>
             </a:fld>
             <a:endParaRPr lang="zh-CN" altLang="en-US"/>
           </a:p>
@@ -5887,7 +5887,7 @@
           <a:p>
             <a:fld id="{A78D7106-0BAD-4EBC-A55B-68DD531D39A9}" type="datetimeFigureOut">
               <a:rPr lang="zh-CN" altLang="en-US" smtClean="0"/>
-              <a:t>2016/3/1</a:t>
+              <a:t>2016-3-2</a:t>
             </a:fld>
             <a:endParaRPr lang="zh-CN" altLang="en-US"/>
           </a:p>
@@ -6164,7 +6164,7 @@
           <a:p>
             <a:fld id="{A78D7106-0BAD-4EBC-A55B-68DD531D39A9}" type="datetimeFigureOut">
               <a:rPr lang="zh-CN" altLang="en-US" smtClean="0"/>
-              <a:t>2016/3/1</a:t>
+              <a:t>2016-3-2</a:t>
             </a:fld>
             <a:endParaRPr lang="zh-CN" altLang="en-US"/>
           </a:p>
@@ -6417,7 +6417,7 @@
           <a:p>
             <a:fld id="{A78D7106-0BAD-4EBC-A55B-68DD531D39A9}" type="datetimeFigureOut">
               <a:rPr lang="zh-CN" altLang="en-US" smtClean="0"/>
-              <a:t>2016/3/1</a:t>
+              <a:t>2016-3-2</a:t>
             </a:fld>
             <a:endParaRPr lang="zh-CN" altLang="en-US"/>
           </a:p>
@@ -6630,7 +6630,7 @@
           <a:p>
             <a:fld id="{A78D7106-0BAD-4EBC-A55B-68DD531D39A9}" type="datetimeFigureOut">
               <a:rPr lang="zh-CN" altLang="en-US" smtClean="0"/>
-              <a:t>2016/3/1</a:t>
+              <a:t>2016-3-2</a:t>
             </a:fld>
             <a:endParaRPr lang="zh-CN" altLang="en-US"/>
           </a:p>
@@ -7162,11 +7162,6 @@
               </a:rPr>
               <a:t>长沙</a:t>
             </a:r>
-            <a:endParaRPr lang="zh-CN" altLang="en-US" sz="1600" b="0" dirty="0">
-              <a:latin typeface="微软雅黑" pitchFamily="34" charset="-122"/>
-              <a:ea typeface="微软雅黑" pitchFamily="34" charset="-122"/>
-              <a:cs typeface="+mn-cs"/>
-            </a:endParaRPr>
           </a:p>
         </p:txBody>
       </p:sp>
@@ -17237,11 +17232,6 @@
               </a:rPr>
               <a:t>长沙</a:t>
             </a:r>
-            <a:endParaRPr lang="zh-CN" altLang="en-US" sz="1600" b="0" dirty="0">
-              <a:latin typeface="微软雅黑" pitchFamily="34" charset="-122"/>
-              <a:ea typeface="微软雅黑" pitchFamily="34" charset="-122"/>
-              <a:cs typeface="+mn-cs"/>
-            </a:endParaRPr>
           </a:p>
         </p:txBody>
       </p:sp>
@@ -17350,58 +17340,6 @@
               </a:rPr>
               <a:t>谢 谢！</a:t>
             </a:r>
-            <a:endParaRPr lang="zh-CN" altLang="en-US" sz="10200" b="1" dirty="0">
-              <a:ln w="17780" cmpd="sng">
-                <a:solidFill>
-                  <a:srgbClr val="FFFFFF"/>
-                </a:solidFill>
-                <a:prstDash val="solid"/>
-                <a:miter lim="800000"/>
-              </a:ln>
-              <a:gradFill rotWithShape="1">
-                <a:gsLst>
-                  <a:gs pos="0">
-                    <a:srgbClr val="000000">
-                      <a:tint val="92000"/>
-                      <a:shade val="100000"/>
-                      <a:satMod val="150000"/>
-                    </a:srgbClr>
-                  </a:gs>
-                  <a:gs pos="49000">
-                    <a:srgbClr val="000000">
-                      <a:tint val="89000"/>
-                      <a:shade val="90000"/>
-                      <a:satMod val="150000"/>
-                    </a:srgbClr>
-                  </a:gs>
-                  <a:gs pos="50000">
-                    <a:srgbClr val="000000">
-                      <a:tint val="100000"/>
-                      <a:shade val="75000"/>
-                      <a:satMod val="150000"/>
-                    </a:srgbClr>
-                  </a:gs>
-                  <a:gs pos="95000">
-                    <a:srgbClr val="000000">
-                      <a:shade val="47000"/>
-                      <a:satMod val="150000"/>
-                    </a:srgbClr>
-                  </a:gs>
-                  <a:gs pos="100000">
-                    <a:srgbClr val="000000">
-                      <a:shade val="39000"/>
-                      <a:satMod val="150000"/>
-                    </a:srgbClr>
-                  </a:gs>
-                </a:gsLst>
-                <a:lin ang="5400000"/>
-              </a:gradFill>
-              <a:effectLst>
-                <a:outerShdw blurRad="50800" algn="tl" rotWithShape="0">
-                  <a:srgbClr val="000000"/>
-                </a:outerShdw>
-              </a:effectLst>
-            </a:endParaRPr>
           </a:p>
         </p:txBody>
       </p:sp>
@@ -17754,16 +17692,16 @@
       </p:sp>
       <p:grpSp>
         <p:nvGrpSpPr>
-          <p:cNvPr id="105" name="组合 104"/>
+          <p:cNvPr id="2" name="组合 1"/>
           <p:cNvGrpSpPr/>
           <p:nvPr/>
         </p:nvGrpSpPr>
         <p:grpSpPr>
           <a:xfrm>
             <a:off x="1089678" y="1238417"/>
-            <a:ext cx="9824004" cy="6591451"/>
-            <a:chOff x="534812" y="-601219"/>
-            <a:chExt cx="12893754" cy="8108559"/>
+            <a:ext cx="9824004" cy="6709780"/>
+            <a:chOff x="1089678" y="1238417"/>
+            <a:chExt cx="9824004" cy="6709780"/>
           </a:xfrm>
         </p:grpSpPr>
         <p:cxnSp>
@@ -17774,8 +17712,8 @@
           </p:nvCxnSpPr>
           <p:spPr>
             <a:xfrm>
-              <a:off x="1055886" y="5571807"/>
-              <a:ext cx="1583388" cy="3"/>
+              <a:off x="1486694" y="6256472"/>
+              <a:ext cx="1206414" cy="2"/>
             </a:xfrm>
             <a:prstGeom prst="line">
               <a:avLst/>
@@ -17809,8 +17747,8 @@
           </p:nvCxnSpPr>
           <p:spPr>
             <a:xfrm flipV="1">
-              <a:off x="2836103" y="4563541"/>
-              <a:ext cx="954847" cy="1017100"/>
+              <a:off x="2843077" y="5436853"/>
+              <a:ext cx="727517" cy="826801"/>
             </a:xfrm>
             <a:prstGeom prst="line">
               <a:avLst/>
@@ -17844,8 +17782,8 @@
           </p:nvCxnSpPr>
           <p:spPr>
             <a:xfrm flipV="1">
-              <a:off x="4320295" y="3825036"/>
-              <a:ext cx="1702903" cy="587131"/>
+              <a:off x="3973912" y="4836522"/>
+              <a:ext cx="1297475" cy="477279"/>
             </a:xfrm>
             <a:prstGeom prst="line">
               <a:avLst/>
@@ -17879,8 +17817,8 @@
           </p:nvGrpSpPr>
           <p:grpSpPr>
             <a:xfrm>
-              <a:off x="11462436" y="150841"/>
-              <a:ext cx="983427" cy="892504"/>
+              <a:off x="9415649" y="1849767"/>
+              <a:ext cx="749292" cy="725517"/>
               <a:chOff x="8328250" y="2436308"/>
               <a:chExt cx="737666" cy="843680"/>
             </a:xfrm>
@@ -21834,8 +21772,8 @@
           </p:nvGrpSpPr>
           <p:grpSpPr>
             <a:xfrm>
-              <a:off x="2406512" y="5212613"/>
-              <a:ext cx="741571" cy="718390"/>
+              <a:off x="2515763" y="5964483"/>
+              <a:ext cx="565017" cy="583980"/>
               <a:chOff x="4540746" y="3005732"/>
               <a:chExt cx="679090" cy="679091"/>
             </a:xfrm>
@@ -22037,8 +21975,8 @@
           </p:nvSpPr>
           <p:spPr>
             <a:xfrm>
-              <a:off x="1731168" y="2813821"/>
-              <a:ext cx="3094752" cy="529294"/>
+              <a:off x="2001205" y="4014504"/>
+              <a:ext cx="2357952" cy="430263"/>
             </a:xfrm>
             <a:prstGeom prst="rect">
               <a:avLst/>
@@ -22079,8 +22017,8 @@
           </p:nvSpPr>
           <p:spPr bwMode="auto">
             <a:xfrm>
-              <a:off x="534812" y="5587973"/>
-              <a:ext cx="1871700" cy="548992"/>
+              <a:off x="1089678" y="6269614"/>
+              <a:ext cx="1426085" cy="446276"/>
             </a:xfrm>
             <a:prstGeom prst="rect">
               <a:avLst/>
@@ -22148,8 +22086,8 @@
           </p:nvSpPr>
           <p:spPr>
             <a:xfrm>
-              <a:off x="5209032" y="1760350"/>
-              <a:ext cx="3094752" cy="511130"/>
+              <a:off x="4651058" y="3158137"/>
+              <a:ext cx="2357952" cy="415498"/>
             </a:xfrm>
             <a:prstGeom prst="rect">
               <a:avLst/>
@@ -22190,8 +22128,8 @@
           </p:nvSpPr>
           <p:spPr bwMode="auto">
             <a:xfrm>
-              <a:off x="6817933" y="6522940"/>
-              <a:ext cx="2897178" cy="984400"/>
+              <a:off x="4582760" y="7501921"/>
+              <a:ext cx="4170403" cy="446276"/>
             </a:xfrm>
             <a:prstGeom prst="rect">
               <a:avLst/>
@@ -22219,7 +22157,17 @@
                   <a:latin typeface="微软雅黑" pitchFamily="34" charset="-122"/>
                   <a:ea typeface="微软雅黑" pitchFamily="34" charset="-122"/>
                 </a:rPr>
-                <a:t>集群环境</a:t>
+                <a:t>集群</a:t>
+              </a:r>
+              <a:r>
+                <a:rPr lang="zh-CN" altLang="en-US" sz="2300" b="1" dirty="0" smtClean="0">
+                  <a:solidFill>
+                    <a:schemeClr val="accent2"/>
+                  </a:solidFill>
+                  <a:latin typeface="微软雅黑" pitchFamily="34" charset="-122"/>
+                  <a:ea typeface="微软雅黑" pitchFamily="34" charset="-122"/>
+                </a:rPr>
+                <a:t>环境</a:t>
               </a:r>
               <a:r>
                 <a:rPr lang="en-US" altLang="zh-CN" sz="2300" b="1" dirty="0" smtClean="0">
@@ -22259,8 +22207,8 @@
           </p:nvSpPr>
           <p:spPr>
             <a:xfrm>
-              <a:off x="653586" y="4888440"/>
-              <a:ext cx="1634151" cy="572498"/>
+              <a:off x="1180174" y="5700963"/>
+              <a:ext cx="1245092" cy="465384"/>
             </a:xfrm>
             <a:prstGeom prst="roundRect">
               <a:avLst/>
@@ -22328,8 +22276,8 @@
           </p:nvGrpSpPr>
           <p:grpSpPr>
             <a:xfrm>
-              <a:off x="3712872" y="4034539"/>
-              <a:ext cx="741570" cy="718390"/>
+              <a:off x="3511104" y="5006827"/>
+              <a:ext cx="565017" cy="583980"/>
               <a:chOff x="4540747" y="3005732"/>
               <a:chExt cx="679089" cy="679091"/>
             </a:xfrm>
@@ -22531,8 +22479,8 @@
           </p:nvGrpSpPr>
           <p:grpSpPr>
             <a:xfrm>
-              <a:off x="6014837" y="3322119"/>
-              <a:ext cx="741571" cy="718390"/>
+              <a:off x="5265017" y="4427700"/>
+              <a:ext cx="565017" cy="583980"/>
               <a:chOff x="4540746" y="3005732"/>
               <a:chExt cx="679090" cy="679091"/>
             </a:xfrm>
@@ -22734,8 +22682,8 @@
           </p:nvSpPr>
           <p:spPr>
             <a:xfrm>
-              <a:off x="3148082" y="3413492"/>
-              <a:ext cx="2274170" cy="572498"/>
+              <a:off x="3080780" y="4501977"/>
+              <a:ext cx="1732735" cy="465384"/>
             </a:xfrm>
             <a:prstGeom prst="roundRect">
               <a:avLst/>
@@ -22793,8 +22741,8 @@
           </p:nvSpPr>
           <p:spPr>
             <a:xfrm>
-              <a:off x="5119393" y="2496605"/>
-              <a:ext cx="2274170" cy="842993"/>
+              <a:off x="4582760" y="3756639"/>
+              <a:ext cx="1732735" cy="685269"/>
             </a:xfrm>
             <a:prstGeom prst="roundRect">
               <a:avLst/>
@@ -22862,8 +22810,8 @@
           </p:nvCxnSpPr>
           <p:spPr>
             <a:xfrm flipV="1">
-              <a:off x="6718790" y="2486402"/>
-              <a:ext cx="1032600" cy="1090049"/>
+              <a:off x="5801372" y="3748345"/>
+              <a:ext cx="786758" cy="886101"/>
             </a:xfrm>
             <a:prstGeom prst="line">
               <a:avLst/>
@@ -22897,8 +22845,8 @@
           </p:nvGrpSpPr>
           <p:grpSpPr>
             <a:xfrm>
-              <a:off x="7696307" y="2041565"/>
-              <a:ext cx="741571" cy="718390"/>
+              <a:off x="6546161" y="3386737"/>
+              <a:ext cx="565017" cy="583980"/>
               <a:chOff x="4540746" y="3005732"/>
               <a:chExt cx="679090" cy="679091"/>
             </a:xfrm>
@@ -23100,8 +23048,8 @@
           </p:nvSpPr>
           <p:spPr>
             <a:xfrm>
-              <a:off x="6930007" y="1395600"/>
-              <a:ext cx="2274170" cy="572498"/>
+              <a:off x="5962302" y="2861632"/>
+              <a:ext cx="1732735" cy="465384"/>
             </a:xfrm>
             <a:prstGeom prst="roundRect">
               <a:avLst/>
@@ -23173,8 +23121,8 @@
           </p:nvCxnSpPr>
           <p:spPr>
             <a:xfrm flipV="1">
-              <a:off x="8366810" y="1241643"/>
-              <a:ext cx="1032600" cy="1090049"/>
+              <a:off x="7057031" y="2736480"/>
+              <a:ext cx="786758" cy="886101"/>
             </a:xfrm>
             <a:prstGeom prst="line">
               <a:avLst/>
@@ -23208,8 +23156,8 @@
           </p:nvGrpSpPr>
           <p:grpSpPr>
             <a:xfrm>
-              <a:off x="9344327" y="796806"/>
-              <a:ext cx="741571" cy="718390"/>
+              <a:off x="7801820" y="2374872"/>
+              <a:ext cx="565017" cy="583980"/>
               <a:chOff x="4540746" y="3005732"/>
               <a:chExt cx="679090" cy="679091"/>
             </a:xfrm>
@@ -23411,8 +23359,8 @@
           </p:nvSpPr>
           <p:spPr>
             <a:xfrm>
-              <a:off x="8117267" y="260252"/>
-              <a:ext cx="2801261" cy="572498"/>
+              <a:off x="6866899" y="1938707"/>
+              <a:ext cx="2134336" cy="465384"/>
             </a:xfrm>
             <a:prstGeom prst="roundRect">
               <a:avLst/>
@@ -23473,8 +23421,8 @@
           </p:nvCxnSpPr>
           <p:spPr>
             <a:xfrm flipV="1">
-              <a:off x="10087164" y="813343"/>
-              <a:ext cx="1375272" cy="368651"/>
+              <a:off x="8367802" y="2388315"/>
+              <a:ext cx="1047847" cy="299677"/>
             </a:xfrm>
             <a:prstGeom prst="line">
               <a:avLst/>
@@ -23508,8 +23456,8 @@
           </p:nvSpPr>
           <p:spPr>
             <a:xfrm>
-              <a:off x="11154396" y="-601219"/>
-              <a:ext cx="2274170" cy="572498"/>
+              <a:off x="9180947" y="1238417"/>
+              <a:ext cx="1732735" cy="465384"/>
             </a:xfrm>
             <a:prstGeom prst="roundRect">
               <a:avLst/>
@@ -24731,1655 +24679,6 @@
       </p:grpSpPr>
       <p:sp>
         <p:nvSpPr>
-          <p:cNvPr id="2" name="页脚占位符 1"/>
-          <p:cNvSpPr>
-            <a:spLocks noGrp="1"/>
-          </p:cNvSpPr>
-          <p:nvPr>
-            <p:ph type="ftr" sz="quarter" idx="11"/>
-          </p:nvPr>
-        </p:nvSpPr>
-        <p:spPr>
-          <a:xfrm>
-            <a:off x="122949" y="7670952"/>
-            <a:ext cx="3860297" cy="228048"/>
-          </a:xfrm>
-        </p:spPr>
-        <p:txBody>
-          <a:bodyPr/>
-          <a:lstStyle/>
-          <a:p>
-            <a:r>
-              <a:rPr lang="zh-CN" altLang="en-US" dirty="0" smtClean="0">
-                <a:latin typeface="微软雅黑" pitchFamily="34" charset="-122"/>
-                <a:ea typeface="微软雅黑" pitchFamily="34" charset="-122"/>
-              </a:rPr>
-              <a:t>信息化创造价值</a:t>
-            </a:r>
-            <a:endParaRPr lang="zh-CN" altLang="en-US" dirty="0">
-              <a:latin typeface="微软雅黑" pitchFamily="34" charset="-122"/>
-              <a:ea typeface="微软雅黑" pitchFamily="34" charset="-122"/>
-            </a:endParaRPr>
-          </a:p>
-        </p:txBody>
-      </p:sp>
-      <p:sp>
-        <p:nvSpPr>
-          <p:cNvPr id="3" name="灯片编号占位符 2"/>
-          <p:cNvSpPr>
-            <a:spLocks noGrp="1"/>
-          </p:cNvSpPr>
-          <p:nvPr>
-            <p:ph type="sldNum" sz="quarter" idx="12"/>
-          </p:nvPr>
-        </p:nvSpPr>
-        <p:spPr>
-          <a:xfrm>
-            <a:off x="10545624" y="7651078"/>
-            <a:ext cx="1439973" cy="271049"/>
-          </a:xfrm>
-        </p:spPr>
-        <p:txBody>
-          <a:bodyPr/>
-          <a:lstStyle/>
-          <a:p>
-            <a:fld id="{0C913308-F349-4B6D-A68A-DD1791B4A57B}" type="slidenum">
-              <a:rPr lang="zh-CN" altLang="en-US" smtClean="0">
-                <a:latin typeface="微软雅黑" pitchFamily="34" charset="-122"/>
-                <a:ea typeface="微软雅黑" pitchFamily="34" charset="-122"/>
-              </a:rPr>
-              <a:pPr/>
-              <a:t>4</a:t>
-            </a:fld>
-            <a:endParaRPr lang="zh-CN" altLang="en-US" dirty="0">
-              <a:latin typeface="微软雅黑" pitchFamily="34" charset="-122"/>
-              <a:ea typeface="微软雅黑" pitchFamily="34" charset="-122"/>
-            </a:endParaRPr>
-          </a:p>
-        </p:txBody>
-      </p:sp>
-      <p:sp>
-        <p:nvSpPr>
-          <p:cNvPr id="5" name="标题 4"/>
-          <p:cNvSpPr>
-            <a:spLocks noGrp="1"/>
-          </p:cNvSpPr>
-          <p:nvPr>
-            <p:ph type="title"/>
-          </p:nvPr>
-        </p:nvSpPr>
-        <p:spPr/>
-        <p:txBody>
-          <a:bodyPr/>
-          <a:lstStyle/>
-          <a:p>
-            <a:pPr eaLnBrk="0" hangingPunct="0">
-              <a:spcBef>
-                <a:spcPct val="25000"/>
-              </a:spcBef>
-            </a:pPr>
-            <a:r>
-              <a:rPr lang="zh-CN" altLang="en-US" dirty="0">
-                <a:solidFill>
-                  <a:srgbClr val="000066"/>
-                </a:solidFill>
-                <a:latin typeface="微软雅黑" pitchFamily="34" charset="-122"/>
-                <a:ea typeface="微软雅黑" pitchFamily="34" charset="-122"/>
-                <a:cs typeface="Arial Unicode MS" pitchFamily="34" charset="-122"/>
-              </a:rPr>
-              <a:t>会话共享概述</a:t>
-            </a:r>
-          </a:p>
-        </p:txBody>
-      </p:sp>
-      <p:sp>
-        <p:nvSpPr>
-          <p:cNvPr id="10" name="灯片编号占位符 2"/>
-          <p:cNvSpPr txBox="1">
-            <a:spLocks/>
-          </p:cNvSpPr>
-          <p:nvPr/>
-        </p:nvSpPr>
-        <p:spPr>
-          <a:xfrm>
-            <a:off x="5174577" y="7466412"/>
-            <a:ext cx="3081466" cy="424542"/>
-          </a:xfrm>
-          <a:prstGeom prst="rect">
-            <a:avLst/>
-          </a:prstGeom>
-        </p:spPr>
-        <p:txBody>
-          <a:bodyPr vert="horz" lIns="106061" tIns="53031" rIns="106061" bIns="53031" rtlCol="0" anchor="ctr"/>
-          <a:lstStyle>
-            <a:defPPr>
-              <a:defRPr lang="zh-CN"/>
-            </a:defPPr>
-            <a:lvl1pPr marL="0" algn="ctr" defTabSz="914400" rtl="0" eaLnBrk="1" latinLnBrk="0" hangingPunct="1">
-              <a:defRPr sz="1000" kern="1200">
-                <a:solidFill>
-                  <a:schemeClr val="tx1">
-                    <a:lumMod val="65000"/>
-                    <a:lumOff val="35000"/>
-                  </a:schemeClr>
-                </a:solidFill>
-                <a:latin typeface="微软雅黑" pitchFamily="34" charset="-122"/>
-                <a:ea typeface="微软雅黑" pitchFamily="34" charset="-122"/>
-                <a:cs typeface="+mn-cs"/>
-              </a:defRPr>
-            </a:lvl1pPr>
-            <a:lvl2pPr marL="457200" algn="l" defTabSz="914400" rtl="0" eaLnBrk="1" latinLnBrk="0" hangingPunct="1">
-              <a:defRPr sz="1800" kern="1200">
-                <a:solidFill>
-                  <a:schemeClr val="tx1"/>
-                </a:solidFill>
-                <a:latin typeface="+mn-lt"/>
-                <a:ea typeface="+mn-ea"/>
-                <a:cs typeface="+mn-cs"/>
-              </a:defRPr>
-            </a:lvl2pPr>
-            <a:lvl3pPr marL="914400" algn="l" defTabSz="914400" rtl="0" eaLnBrk="1" latinLnBrk="0" hangingPunct="1">
-              <a:defRPr sz="1800" kern="1200">
-                <a:solidFill>
-                  <a:schemeClr val="tx1"/>
-                </a:solidFill>
-                <a:latin typeface="+mn-lt"/>
-                <a:ea typeface="+mn-ea"/>
-                <a:cs typeface="+mn-cs"/>
-              </a:defRPr>
-            </a:lvl3pPr>
-            <a:lvl4pPr marL="1371600" algn="l" defTabSz="914400" rtl="0" eaLnBrk="1" latinLnBrk="0" hangingPunct="1">
-              <a:defRPr sz="1800" kern="1200">
-                <a:solidFill>
-                  <a:schemeClr val="tx1"/>
-                </a:solidFill>
-                <a:latin typeface="+mn-lt"/>
-                <a:ea typeface="+mn-ea"/>
-                <a:cs typeface="+mn-cs"/>
-              </a:defRPr>
-            </a:lvl4pPr>
-            <a:lvl5pPr marL="1828800" algn="l" defTabSz="914400" rtl="0" eaLnBrk="1" latinLnBrk="0" hangingPunct="1">
-              <a:defRPr sz="1800" kern="1200">
-                <a:solidFill>
-                  <a:schemeClr val="tx1"/>
-                </a:solidFill>
-                <a:latin typeface="+mn-lt"/>
-                <a:ea typeface="+mn-ea"/>
-                <a:cs typeface="+mn-cs"/>
-              </a:defRPr>
-            </a:lvl5pPr>
-            <a:lvl6pPr marL="2286000" algn="l" defTabSz="914400" rtl="0" eaLnBrk="1" latinLnBrk="0" hangingPunct="1">
-              <a:defRPr sz="1800" kern="1200">
-                <a:solidFill>
-                  <a:schemeClr val="tx1"/>
-                </a:solidFill>
-                <a:latin typeface="+mn-lt"/>
-                <a:ea typeface="+mn-ea"/>
-                <a:cs typeface="+mn-cs"/>
-              </a:defRPr>
-            </a:lvl6pPr>
-            <a:lvl7pPr marL="2743200" algn="l" defTabSz="914400" rtl="0" eaLnBrk="1" latinLnBrk="0" hangingPunct="1">
-              <a:defRPr sz="1800" kern="1200">
-                <a:solidFill>
-                  <a:schemeClr val="tx1"/>
-                </a:solidFill>
-                <a:latin typeface="+mn-lt"/>
-                <a:ea typeface="+mn-ea"/>
-                <a:cs typeface="+mn-cs"/>
-              </a:defRPr>
-            </a:lvl7pPr>
-            <a:lvl8pPr marL="3200400" algn="l" defTabSz="914400" rtl="0" eaLnBrk="1" latinLnBrk="0" hangingPunct="1">
-              <a:defRPr sz="1800" kern="1200">
-                <a:solidFill>
-                  <a:schemeClr val="tx1"/>
-                </a:solidFill>
-                <a:latin typeface="+mn-lt"/>
-                <a:ea typeface="+mn-ea"/>
-                <a:cs typeface="+mn-cs"/>
-              </a:defRPr>
-            </a:lvl8pPr>
-            <a:lvl9pPr marL="3657600" algn="l" defTabSz="914400" rtl="0" eaLnBrk="1" latinLnBrk="0" hangingPunct="1">
-              <a:defRPr sz="1800" kern="1200">
-                <a:solidFill>
-                  <a:schemeClr val="tx1"/>
-                </a:solidFill>
-                <a:latin typeface="+mn-lt"/>
-                <a:ea typeface="+mn-ea"/>
-                <a:cs typeface="+mn-cs"/>
-              </a:defRPr>
-            </a:lvl9pPr>
-          </a:lstStyle>
-          <a:p>
-            <a:pPr>
-              <a:defRPr/>
-            </a:pPr>
-            <a:fld id="{301FC112-2E99-46E8-A5F4-6769E899F8EF}" type="slidenum">
-              <a:rPr lang="zh-CN" altLang="en-US" smtClean="0"/>
-              <a:pPr>
-                <a:defRPr/>
-              </a:pPr>
-              <a:t>4</a:t>
-            </a:fld>
-            <a:endParaRPr lang="zh-CN" altLang="en-US" dirty="0"/>
-          </a:p>
-        </p:txBody>
-      </p:sp>
-      <p:sp>
-        <p:nvSpPr>
-          <p:cNvPr id="11" name="Rectangle 2"/>
-          <p:cNvSpPr>
-            <a:spLocks noChangeArrowheads="1"/>
-          </p:cNvSpPr>
-          <p:nvPr/>
-        </p:nvSpPr>
-        <p:spPr bwMode="auto">
-          <a:xfrm>
-            <a:off x="1803165" y="2"/>
-            <a:ext cx="11098356" cy="721723"/>
-          </a:xfrm>
-          <a:prstGeom prst="rect">
-            <a:avLst/>
-          </a:prstGeom>
-          <a:noFill/>
-          <a:ln>
-            <a:noFill/>
-          </a:ln>
-          <a:extLst>
-            <a:ext uri="{909E8E84-426E-40DD-AFC4-6F175D3DCCD1}">
-              <a14:hiddenFill xmlns:a14="http://schemas.microsoft.com/office/drawing/2010/main">
-                <a:solidFill>
-                  <a:srgbClr val="FFFFFF"/>
-                </a:solidFill>
-              </a14:hiddenFill>
-            </a:ext>
-            <a:ext uri="{91240B29-F687-4F45-9708-019B960494DF}">
-              <a14:hiddenLine xmlns:a14="http://schemas.microsoft.com/office/drawing/2010/main" w="9525">
-                <a:solidFill>
-                  <a:srgbClr val="000000"/>
-                </a:solidFill>
-                <a:miter lim="800000"/>
-                <a:headEnd/>
-                <a:tailEnd/>
-              </a14:hiddenLine>
-            </a:ext>
-          </a:extLst>
-        </p:spPr>
-        <p:txBody>
-          <a:bodyPr lIns="106061" tIns="53031" rIns="106061" bIns="53031" anchor="ctr"/>
-          <a:lstStyle/>
-          <a:p>
-            <a:pPr eaLnBrk="0" hangingPunct="0">
-              <a:spcBef>
-                <a:spcPct val="25000"/>
-              </a:spcBef>
-            </a:pPr>
-            <a:endParaRPr lang="zh-CN" altLang="en-US" sz="3200" b="1" dirty="0">
-              <a:solidFill>
-                <a:srgbClr val="000066"/>
-              </a:solidFill>
-              <a:latin typeface="微软雅黑" pitchFamily="34" charset="-122"/>
-              <a:ea typeface="微软雅黑" pitchFamily="34" charset="-122"/>
-              <a:cs typeface="Arial Unicode MS" pitchFamily="34" charset="-122"/>
-            </a:endParaRPr>
-          </a:p>
-        </p:txBody>
-      </p:sp>
-      <p:cxnSp>
-        <p:nvCxnSpPr>
-          <p:cNvPr id="12" name="直接连接符 70"/>
-          <p:cNvCxnSpPr>
-            <a:cxnSpLocks noChangeShapeType="1"/>
-          </p:cNvCxnSpPr>
-          <p:nvPr/>
-        </p:nvCxnSpPr>
-        <p:spPr bwMode="auto">
-          <a:xfrm>
-            <a:off x="1" y="1642795"/>
-            <a:ext cx="12190413" cy="0"/>
-          </a:xfrm>
-          <a:prstGeom prst="line">
-            <a:avLst/>
-          </a:prstGeom>
-          <a:noFill/>
-          <a:ln w="3175" algn="ctr">
-            <a:solidFill>
-              <a:schemeClr val="tx1"/>
-            </a:solidFill>
-            <a:prstDash val="lgDash"/>
-            <a:round/>
-            <a:headEnd/>
-            <a:tailEnd/>
-          </a:ln>
-          <a:extLst>
-            <a:ext uri="{909E8E84-426E-40DD-AFC4-6F175D3DCCD1}">
-              <a14:hiddenFill xmlns:a14="http://schemas.microsoft.com/office/drawing/2010/main">
-                <a:noFill/>
-              </a14:hiddenFill>
-            </a:ext>
-          </a:extLst>
-        </p:spPr>
-      </p:cxnSp>
-      <p:sp>
-        <p:nvSpPr>
-          <p:cNvPr id="13" name="圆角矩形 12"/>
-          <p:cNvSpPr/>
-          <p:nvPr/>
-        </p:nvSpPr>
-        <p:spPr bwMode="auto">
-          <a:xfrm>
-            <a:off x="76191" y="721723"/>
-            <a:ext cx="1056080" cy="1004135"/>
-          </a:xfrm>
-          <a:prstGeom prst="roundRect">
-            <a:avLst/>
-          </a:prstGeom>
-          <a:noFill/>
-          <a:ln w="22225">
-            <a:noFill/>
-          </a:ln>
-        </p:spPr>
-        <p:style>
-          <a:lnRef idx="2">
-            <a:schemeClr val="accent1">
-              <a:shade val="50000"/>
-            </a:schemeClr>
-          </a:lnRef>
-          <a:fillRef idx="1">
-            <a:schemeClr val="accent1"/>
-          </a:fillRef>
-          <a:effectRef idx="0">
-            <a:schemeClr val="accent1"/>
-          </a:effectRef>
-          <a:fontRef idx="minor">
-            <a:schemeClr val="lt1"/>
-          </a:fontRef>
-        </p:style>
-        <p:txBody>
-          <a:bodyPr lIns="106061" tIns="53031" rIns="106061" bIns="53031" anchor="ctr"/>
-          <a:lstStyle/>
-          <a:p>
-            <a:pPr algn="ctr" defTabSz="1484121">
-              <a:defRPr/>
-            </a:pPr>
-            <a:r>
-              <a:rPr lang="zh-CN" altLang="en-US" b="1" dirty="0">
-                <a:solidFill>
-                  <a:schemeClr val="tx1"/>
-                </a:solidFill>
-                <a:latin typeface="微软雅黑" pitchFamily="34" charset="-122"/>
-                <a:ea typeface="微软雅黑" pitchFamily="34" charset="-122"/>
-              </a:rPr>
-              <a:t>大纲</a:t>
-            </a:r>
-          </a:p>
-        </p:txBody>
-      </p:sp>
-      <p:sp>
-        <p:nvSpPr>
-          <p:cNvPr id="14" name="TextBox 14"/>
-          <p:cNvSpPr txBox="1">
-            <a:spLocks noChangeArrowheads="1"/>
-          </p:cNvSpPr>
-          <p:nvPr/>
-        </p:nvSpPr>
-        <p:spPr bwMode="auto">
-          <a:xfrm>
-            <a:off x="380952" y="1759084"/>
-            <a:ext cx="11428512" cy="4756256"/>
-          </a:xfrm>
-          <a:prstGeom prst="rect">
-            <a:avLst/>
-          </a:prstGeom>
-          <a:noFill/>
-          <a:ln>
-            <a:noFill/>
-          </a:ln>
-          <a:extLst>
-            <a:ext uri="{909E8E84-426E-40DD-AFC4-6F175D3DCCD1}">
-              <a14:hiddenFill xmlns:a14="http://schemas.microsoft.com/office/drawing/2010/main">
-                <a:solidFill>
-                  <a:srgbClr val="FFFFFF"/>
-                </a:solidFill>
-              </a14:hiddenFill>
-            </a:ext>
-            <a:ext uri="{91240B29-F687-4F45-9708-019B960494DF}">
-              <a14:hiddenLine xmlns:a14="http://schemas.microsoft.com/office/drawing/2010/main" w="9525">
-                <a:solidFill>
-                  <a:srgbClr val="000000"/>
-                </a:solidFill>
-                <a:miter lim="800000"/>
-                <a:headEnd/>
-                <a:tailEnd/>
-              </a14:hiddenLine>
-            </a:ext>
-          </a:extLst>
-        </p:spPr>
-        <p:txBody>
-          <a:bodyPr lIns="106061" tIns="53031" rIns="106061" bIns="53031">
-            <a:spAutoFit/>
-          </a:bodyPr>
-          <a:lstStyle>
-            <a:lvl1pPr eaLnBrk="0" hangingPunct="0">
-              <a:defRPr>
-                <a:solidFill>
-                  <a:schemeClr val="tx1"/>
-                </a:solidFill>
-                <a:latin typeface="Arial" pitchFamily="34" charset="0"/>
-                <a:ea typeface="宋体" pitchFamily="2" charset="-122"/>
-              </a:defRPr>
-            </a:lvl1pPr>
-            <a:lvl2pPr marL="742950" indent="-285750" eaLnBrk="0" hangingPunct="0">
-              <a:defRPr>
-                <a:solidFill>
-                  <a:schemeClr val="tx1"/>
-                </a:solidFill>
-                <a:latin typeface="Arial" pitchFamily="34" charset="0"/>
-                <a:ea typeface="宋体" pitchFamily="2" charset="-122"/>
-              </a:defRPr>
-            </a:lvl2pPr>
-            <a:lvl3pPr marL="1143000" indent="-228600" eaLnBrk="0" hangingPunct="0">
-              <a:defRPr>
-                <a:solidFill>
-                  <a:schemeClr val="tx1"/>
-                </a:solidFill>
-                <a:latin typeface="Arial" pitchFamily="34" charset="0"/>
-                <a:ea typeface="宋体" pitchFamily="2" charset="-122"/>
-              </a:defRPr>
-            </a:lvl3pPr>
-            <a:lvl4pPr marL="1600200" indent="-228600" eaLnBrk="0" hangingPunct="0">
-              <a:defRPr>
-                <a:solidFill>
-                  <a:schemeClr val="tx1"/>
-                </a:solidFill>
-                <a:latin typeface="Arial" pitchFamily="34" charset="0"/>
-                <a:ea typeface="宋体" pitchFamily="2" charset="-122"/>
-              </a:defRPr>
-            </a:lvl4pPr>
-            <a:lvl5pPr marL="2057400" indent="-228600" eaLnBrk="0" hangingPunct="0">
-              <a:defRPr>
-                <a:solidFill>
-                  <a:schemeClr val="tx1"/>
-                </a:solidFill>
-                <a:latin typeface="Arial" pitchFamily="34" charset="0"/>
-                <a:ea typeface="宋体" pitchFamily="2" charset="-122"/>
-              </a:defRPr>
-            </a:lvl5pPr>
-            <a:lvl6pPr marL="2514600" indent="-228600" eaLnBrk="0" fontAlgn="base" hangingPunct="0">
-              <a:spcBef>
-                <a:spcPct val="0"/>
-              </a:spcBef>
-              <a:spcAft>
-                <a:spcPct val="0"/>
-              </a:spcAft>
-              <a:defRPr>
-                <a:solidFill>
-                  <a:schemeClr val="tx1"/>
-                </a:solidFill>
-                <a:latin typeface="Arial" pitchFamily="34" charset="0"/>
-                <a:ea typeface="宋体" pitchFamily="2" charset="-122"/>
-              </a:defRPr>
-            </a:lvl6pPr>
-            <a:lvl7pPr marL="2971800" indent="-228600" eaLnBrk="0" fontAlgn="base" hangingPunct="0">
-              <a:spcBef>
-                <a:spcPct val="0"/>
-              </a:spcBef>
-              <a:spcAft>
-                <a:spcPct val="0"/>
-              </a:spcAft>
-              <a:defRPr>
-                <a:solidFill>
-                  <a:schemeClr val="tx1"/>
-                </a:solidFill>
-                <a:latin typeface="Arial" pitchFamily="34" charset="0"/>
-                <a:ea typeface="宋体" pitchFamily="2" charset="-122"/>
-              </a:defRPr>
-            </a:lvl7pPr>
-            <a:lvl8pPr marL="3429000" indent="-228600" eaLnBrk="0" fontAlgn="base" hangingPunct="0">
-              <a:spcBef>
-                <a:spcPct val="0"/>
-              </a:spcBef>
-              <a:spcAft>
-                <a:spcPct val="0"/>
-              </a:spcAft>
-              <a:defRPr>
-                <a:solidFill>
-                  <a:schemeClr val="tx1"/>
-                </a:solidFill>
-                <a:latin typeface="Arial" pitchFamily="34" charset="0"/>
-                <a:ea typeface="宋体" pitchFamily="2" charset="-122"/>
-              </a:defRPr>
-            </a:lvl8pPr>
-            <a:lvl9pPr marL="3886200" indent="-228600" eaLnBrk="0" fontAlgn="base" hangingPunct="0">
-              <a:spcBef>
-                <a:spcPct val="0"/>
-              </a:spcBef>
-              <a:spcAft>
-                <a:spcPct val="0"/>
-              </a:spcAft>
-              <a:defRPr>
-                <a:solidFill>
-                  <a:schemeClr val="tx1"/>
-                </a:solidFill>
-                <a:latin typeface="Arial" pitchFamily="34" charset="0"/>
-                <a:ea typeface="宋体" pitchFamily="2" charset="-122"/>
-              </a:defRPr>
-            </a:lvl9pPr>
-          </a:lstStyle>
-          <a:p>
-            <a:pPr eaLnBrk="1" hangingPunct="1">
-              <a:lnSpc>
-                <a:spcPct val="114000"/>
-              </a:lnSpc>
-            </a:pPr>
-            <a:r>
-              <a:rPr lang="zh-CN" altLang="en-US" b="1" dirty="0">
-                <a:latin typeface="微软雅黑" pitchFamily="34" charset="-122"/>
-                <a:ea typeface="微软雅黑" pitchFamily="34" charset="-122"/>
-              </a:rPr>
-              <a:t>作    用：</a:t>
-            </a:r>
-            <a:r>
-              <a:rPr lang="zh-CN" altLang="en-US" sz="1700" dirty="0">
-                <a:latin typeface="微软雅黑" pitchFamily="34" charset="-122"/>
-                <a:ea typeface="微软雅黑" pitchFamily="34" charset="-122"/>
-              </a:rPr>
-              <a:t>为应用提供</a:t>
-            </a:r>
-            <a:r>
-              <a:rPr lang="zh-CN" altLang="en-US" b="1" dirty="0">
-                <a:solidFill>
-                  <a:srgbClr val="0066FF"/>
-                </a:solidFill>
-                <a:latin typeface="微软雅黑" pitchFamily="34" charset="-122"/>
-                <a:ea typeface="微软雅黑" pitchFamily="34" charset="-122"/>
-              </a:rPr>
-              <a:t>统一会话管理</a:t>
-            </a:r>
-            <a:r>
-              <a:rPr lang="zh-CN" altLang="en-US" sz="1700" dirty="0">
-                <a:latin typeface="微软雅黑" pitchFamily="34" charset="-122"/>
-                <a:ea typeface="微软雅黑" pitchFamily="34" charset="-122"/>
-              </a:rPr>
-              <a:t>功能，</a:t>
-            </a:r>
-            <a:r>
-              <a:rPr lang="zh-CN" altLang="en-US" b="1" dirty="0">
-                <a:solidFill>
-                  <a:srgbClr val="0066FF"/>
-                </a:solidFill>
-                <a:latin typeface="微软雅黑" pitchFamily="34" charset="-122"/>
-                <a:ea typeface="微软雅黑" pitchFamily="34" charset="-122"/>
-              </a:rPr>
-              <a:t>避免</a:t>
-            </a:r>
-            <a:r>
-              <a:rPr lang="zh-CN" altLang="en-US" sz="1700" dirty="0">
-                <a:latin typeface="微软雅黑" pitchFamily="34" charset="-122"/>
-                <a:ea typeface="微软雅黑" pitchFamily="34" charset="-122"/>
-              </a:rPr>
-              <a:t>集群部署场景下负载切换</a:t>
-            </a:r>
-            <a:r>
-              <a:rPr lang="en-US" altLang="zh-CN" b="1" dirty="0">
-                <a:solidFill>
-                  <a:srgbClr val="0066FF"/>
-                </a:solidFill>
-                <a:latin typeface="微软雅黑" pitchFamily="34" charset="-122"/>
-                <a:ea typeface="微软雅黑" pitchFamily="34" charset="-122"/>
-              </a:rPr>
-              <a:t>session</a:t>
-            </a:r>
-            <a:r>
-              <a:rPr lang="zh-CN" altLang="en-US" b="1" dirty="0">
-                <a:solidFill>
-                  <a:srgbClr val="0066FF"/>
-                </a:solidFill>
-                <a:latin typeface="微软雅黑" pitchFamily="34" charset="-122"/>
-                <a:ea typeface="微软雅黑" pitchFamily="34" charset="-122"/>
-              </a:rPr>
-              <a:t>丢失</a:t>
-            </a:r>
-            <a:r>
-              <a:rPr lang="zh-CN" altLang="en-US" sz="1700" dirty="0">
-                <a:latin typeface="微软雅黑" pitchFamily="34" charset="-122"/>
-                <a:ea typeface="微软雅黑" pitchFamily="34" charset="-122"/>
-              </a:rPr>
-              <a:t>问题</a:t>
-            </a:r>
-            <a:endParaRPr lang="en-US" altLang="zh-CN" sz="1700" dirty="0">
-              <a:latin typeface="微软雅黑" pitchFamily="34" charset="-122"/>
-              <a:ea typeface="微软雅黑" pitchFamily="34" charset="-122"/>
-            </a:endParaRPr>
-          </a:p>
-          <a:p>
-            <a:pPr eaLnBrk="1" hangingPunct="1">
-              <a:lnSpc>
-                <a:spcPct val="114000"/>
-              </a:lnSpc>
-            </a:pPr>
-            <a:r>
-              <a:rPr lang="zh-CN" altLang="en-US" b="1" dirty="0">
-                <a:latin typeface="微软雅黑" pitchFamily="34" charset="-122"/>
-                <a:ea typeface="微软雅黑" pitchFamily="34" charset="-122"/>
-              </a:rPr>
-              <a:t>存    储：</a:t>
-            </a:r>
-            <a:r>
-              <a:rPr lang="zh-CN" altLang="en-US" sz="1700" dirty="0">
-                <a:latin typeface="微软雅黑" pitchFamily="34" charset="-122"/>
-                <a:ea typeface="微软雅黑" pitchFamily="34" charset="-122"/>
-              </a:rPr>
-              <a:t>采用</a:t>
-            </a:r>
-            <a:r>
-              <a:rPr lang="en-US" altLang="zh-CN" sz="2800" b="1" dirty="0" err="1">
-                <a:solidFill>
-                  <a:srgbClr val="0066FF"/>
-                </a:solidFill>
-                <a:latin typeface="微软雅黑" pitchFamily="34" charset="-122"/>
-                <a:ea typeface="微软雅黑" pitchFamily="34" charset="-122"/>
-              </a:rPr>
-              <a:t>mongodb</a:t>
-            </a:r>
-            <a:r>
-              <a:rPr lang="zh-CN" altLang="en-US" sz="1700" dirty="0">
-                <a:latin typeface="微软雅黑" pitchFamily="34" charset="-122"/>
-                <a:ea typeface="微软雅黑" pitchFamily="34" charset="-122"/>
-              </a:rPr>
-              <a:t>存储会话数据，采用</a:t>
-            </a:r>
-            <a:r>
-              <a:rPr lang="zh-CN" altLang="en-US" b="1" dirty="0">
-                <a:solidFill>
-                  <a:srgbClr val="0066FF"/>
-                </a:solidFill>
-                <a:latin typeface="微软雅黑" pitchFamily="34" charset="-122"/>
-                <a:ea typeface="微软雅黑" pitchFamily="34" charset="-122"/>
-              </a:rPr>
-              <a:t>增量模式</a:t>
-            </a:r>
-            <a:r>
-              <a:rPr lang="zh-CN" altLang="en-US" sz="1700" dirty="0">
-                <a:latin typeface="微软雅黑" pitchFamily="34" charset="-122"/>
-                <a:ea typeface="微软雅黑" pitchFamily="34" charset="-122"/>
-              </a:rPr>
-              <a:t>修改会话属性，简单高效</a:t>
-            </a:r>
-            <a:endParaRPr lang="en-US" altLang="zh-CN" sz="1700" dirty="0">
-              <a:latin typeface="微软雅黑" pitchFamily="34" charset="-122"/>
-              <a:ea typeface="微软雅黑" pitchFamily="34" charset="-122"/>
-            </a:endParaRPr>
-          </a:p>
-          <a:p>
-            <a:pPr eaLnBrk="1" hangingPunct="1">
-              <a:lnSpc>
-                <a:spcPct val="114000"/>
-              </a:lnSpc>
-            </a:pPr>
-            <a:r>
-              <a:rPr lang="zh-CN" altLang="en-US" b="1" dirty="0">
-                <a:latin typeface="微软雅黑" pitchFamily="34" charset="-122"/>
-                <a:ea typeface="微软雅黑" pitchFamily="34" charset="-122"/>
-              </a:rPr>
-              <a:t>序列化：</a:t>
-            </a:r>
-            <a:r>
-              <a:rPr lang="zh-CN" altLang="en-US" sz="1700" dirty="0">
-                <a:latin typeface="微软雅黑" pitchFamily="34" charset="-122"/>
-                <a:ea typeface="微软雅黑" pitchFamily="34" charset="-122"/>
-              </a:rPr>
-              <a:t>采用自主研发的序列化机制，序列化存储会话数据，提供</a:t>
-            </a:r>
-            <a:r>
-              <a:rPr lang="zh-CN" altLang="en-US" b="1" dirty="0">
-                <a:solidFill>
-                  <a:srgbClr val="0066FF"/>
-                </a:solidFill>
-                <a:latin typeface="微软雅黑" pitchFamily="34" charset="-122"/>
-                <a:ea typeface="微软雅黑" pitchFamily="34" charset="-122"/>
-              </a:rPr>
-              <a:t>序列化插件</a:t>
-            </a:r>
-            <a:r>
-              <a:rPr lang="zh-CN" altLang="en-US" sz="1700" dirty="0">
-                <a:latin typeface="微软雅黑" pitchFamily="34" charset="-122"/>
-                <a:ea typeface="微软雅黑" pitchFamily="34" charset="-122"/>
-              </a:rPr>
-              <a:t>，扩展性强</a:t>
-            </a:r>
-            <a:endParaRPr lang="en-US" altLang="zh-CN" sz="1700" dirty="0">
-              <a:latin typeface="微软雅黑" pitchFamily="34" charset="-122"/>
-              <a:ea typeface="微软雅黑" pitchFamily="34" charset="-122"/>
-            </a:endParaRPr>
-          </a:p>
-          <a:p>
-            <a:pPr eaLnBrk="1" hangingPunct="1">
-              <a:lnSpc>
-                <a:spcPct val="114000"/>
-              </a:lnSpc>
-            </a:pPr>
-            <a:r>
-              <a:rPr lang="zh-CN" altLang="en-US" b="1" dirty="0">
-                <a:latin typeface="微软雅黑" pitchFamily="34" charset="-122"/>
-                <a:ea typeface="微软雅黑" pitchFamily="34" charset="-122"/>
-              </a:rPr>
-              <a:t>规    范：</a:t>
-            </a:r>
-            <a:r>
-              <a:rPr lang="zh-CN" altLang="en-US" b="1" dirty="0">
-                <a:solidFill>
-                  <a:srgbClr val="0066FF"/>
-                </a:solidFill>
-                <a:latin typeface="微软雅黑" pitchFamily="34" charset="-122"/>
-                <a:ea typeface="微软雅黑" pitchFamily="34" charset="-122"/>
-              </a:rPr>
-              <a:t>遵循</a:t>
-            </a:r>
-            <a:r>
-              <a:rPr lang="en-US" altLang="zh-CN" b="1" dirty="0">
-                <a:solidFill>
-                  <a:srgbClr val="0066FF"/>
-                </a:solidFill>
-                <a:latin typeface="微软雅黑" pitchFamily="34" charset="-122"/>
-                <a:ea typeface="微软雅黑" pitchFamily="34" charset="-122"/>
-              </a:rPr>
-              <a:t>servlet 2/3</a:t>
-            </a:r>
-            <a:r>
-              <a:rPr lang="zh-CN" altLang="en-US" b="1" dirty="0">
-                <a:solidFill>
-                  <a:srgbClr val="0066FF"/>
-                </a:solidFill>
-                <a:latin typeface="微软雅黑" pitchFamily="34" charset="-122"/>
-                <a:ea typeface="微软雅黑" pitchFamily="34" charset="-122"/>
-              </a:rPr>
-              <a:t>规范</a:t>
-            </a:r>
-            <a:r>
-              <a:rPr lang="zh-CN" altLang="en-US" sz="1700" b="1" dirty="0">
-                <a:solidFill>
-                  <a:srgbClr val="0066FF"/>
-                </a:solidFill>
-                <a:latin typeface="微软雅黑" pitchFamily="34" charset="-122"/>
-                <a:ea typeface="微软雅黑" pitchFamily="34" charset="-122"/>
-              </a:rPr>
-              <a:t>，</a:t>
-            </a:r>
-            <a:r>
-              <a:rPr lang="zh-CN" altLang="en-US" b="1" dirty="0">
-                <a:solidFill>
-                  <a:srgbClr val="0066FF"/>
-                </a:solidFill>
-                <a:latin typeface="微软雅黑" pitchFamily="34" charset="-122"/>
-                <a:ea typeface="微软雅黑" pitchFamily="34" charset="-122"/>
-              </a:rPr>
-              <a:t>兼容</a:t>
-            </a:r>
-            <a:r>
-              <a:rPr lang="zh-CN" altLang="en-US" sz="1700" dirty="0">
-                <a:latin typeface="微软雅黑" pitchFamily="34" charset="-122"/>
-                <a:ea typeface="微软雅黑" pitchFamily="34" charset="-122"/>
-              </a:rPr>
-              <a:t>遗留系统会话数据的管理</a:t>
-            </a:r>
-            <a:r>
-              <a:rPr lang="en-US" altLang="zh-CN" sz="1700" dirty="0">
-                <a:latin typeface="微软雅黑" pitchFamily="34" charset="-122"/>
-                <a:ea typeface="微软雅黑" pitchFamily="34" charset="-122"/>
-              </a:rPr>
-              <a:t>,</a:t>
-            </a:r>
-            <a:r>
-              <a:rPr lang="zh-CN" altLang="en-US" b="1" dirty="0">
-                <a:solidFill>
-                  <a:srgbClr val="0066FF"/>
-                </a:solidFill>
-                <a:latin typeface="微软雅黑" pitchFamily="34" charset="-122"/>
-                <a:ea typeface="微软雅黑" pitchFamily="34" charset="-122"/>
-              </a:rPr>
-              <a:t>可无缝与现有应用</a:t>
-            </a:r>
-            <a:r>
-              <a:rPr lang="zh-CN" altLang="en-US" b="1" dirty="0" smtClean="0">
-                <a:solidFill>
-                  <a:srgbClr val="0066FF"/>
-                </a:solidFill>
-                <a:latin typeface="微软雅黑" pitchFamily="34" charset="-122"/>
-                <a:ea typeface="微软雅黑" pitchFamily="34" charset="-122"/>
-              </a:rPr>
-              <a:t>系统</a:t>
-            </a:r>
-            <a:r>
-              <a:rPr lang="en-US" altLang="zh-CN" b="1" dirty="0" smtClean="0">
-                <a:solidFill>
-                  <a:srgbClr val="0066FF"/>
-                </a:solidFill>
-                <a:latin typeface="微软雅黑" pitchFamily="34" charset="-122"/>
-                <a:ea typeface="微软雅黑" pitchFamily="34" charset="-122"/>
-              </a:rPr>
-              <a:t>	</a:t>
-            </a:r>
-            <a:r>
-              <a:rPr lang="zh-CN" altLang="en-US" b="1" dirty="0" smtClean="0">
-                <a:solidFill>
-                  <a:srgbClr val="0066FF"/>
-                </a:solidFill>
-                <a:latin typeface="微软雅黑" pitchFamily="34" charset="-122"/>
-                <a:ea typeface="微软雅黑" pitchFamily="34" charset="-122"/>
-              </a:rPr>
-              <a:t>集成，无需</a:t>
-            </a:r>
-            <a:r>
-              <a:rPr lang="zh-CN" altLang="en-US" b="1" dirty="0">
-                <a:solidFill>
-                  <a:srgbClr val="0066FF"/>
-                </a:solidFill>
-                <a:latin typeface="微软雅黑" pitchFamily="34" charset="-122"/>
-                <a:ea typeface="微软雅黑" pitchFamily="34" charset="-122"/>
-              </a:rPr>
-              <a:t>修改应用代码</a:t>
-            </a:r>
-            <a:endParaRPr lang="en-US" altLang="zh-CN" b="1" dirty="0">
-              <a:solidFill>
-                <a:srgbClr val="0066FF"/>
-              </a:solidFill>
-              <a:latin typeface="微软雅黑" pitchFamily="34" charset="-122"/>
-              <a:ea typeface="微软雅黑" pitchFamily="34" charset="-122"/>
-            </a:endParaRPr>
-          </a:p>
-          <a:p>
-            <a:pPr eaLnBrk="1" hangingPunct="1">
-              <a:lnSpc>
-                <a:spcPct val="114000"/>
-              </a:lnSpc>
-            </a:pPr>
-            <a:r>
-              <a:rPr lang="zh-CN" altLang="en-US" b="1" dirty="0">
-                <a:latin typeface="微软雅黑" pitchFamily="34" charset="-122"/>
-                <a:ea typeface="微软雅黑" pitchFamily="34" charset="-122"/>
-              </a:rPr>
-              <a:t>兼容性：</a:t>
-            </a:r>
-            <a:r>
-              <a:rPr lang="zh-CN" altLang="en-US" sz="1900" b="1" dirty="0">
-                <a:solidFill>
-                  <a:srgbClr val="0066FF"/>
-                </a:solidFill>
-                <a:latin typeface="微软雅黑" pitchFamily="34" charset="-122"/>
-                <a:ea typeface="微软雅黑" pitchFamily="34" charset="-122"/>
-              </a:rPr>
-              <a:t>跨容器，</a:t>
-            </a:r>
-            <a:r>
-              <a:rPr lang="zh-CN" altLang="en-US" sz="1700" dirty="0">
-                <a:latin typeface="微软雅黑" pitchFamily="34" charset="-122"/>
-                <a:ea typeface="微软雅黑" pitchFamily="34" charset="-122"/>
-              </a:rPr>
-              <a:t>兼容业界主流的应用服务器（</a:t>
-            </a:r>
-            <a:r>
-              <a:rPr lang="en-US" altLang="zh-CN" sz="1700" dirty="0" err="1">
-                <a:latin typeface="微软雅黑" pitchFamily="34" charset="-122"/>
-                <a:ea typeface="微软雅黑" pitchFamily="34" charset="-122"/>
-              </a:rPr>
-              <a:t>tomcat,weblogic,webspere,jetty</a:t>
-            </a:r>
-            <a:r>
-              <a:rPr lang="zh-CN" altLang="en-US" sz="1700" dirty="0">
-                <a:latin typeface="微软雅黑" pitchFamily="34" charset="-122"/>
-                <a:ea typeface="微软雅黑" pitchFamily="34" charset="-122"/>
-              </a:rPr>
-              <a:t>）</a:t>
-            </a:r>
-            <a:endParaRPr lang="en-US" altLang="zh-CN" sz="1700" dirty="0">
-              <a:latin typeface="微软雅黑" pitchFamily="34" charset="-122"/>
-              <a:ea typeface="微软雅黑" pitchFamily="34" charset="-122"/>
-            </a:endParaRPr>
-          </a:p>
-          <a:p>
-            <a:pPr eaLnBrk="1" hangingPunct="1">
-              <a:lnSpc>
-                <a:spcPct val="114000"/>
-              </a:lnSpc>
-            </a:pPr>
-            <a:r>
-              <a:rPr lang="zh-CN" altLang="en-US" b="1" dirty="0">
-                <a:latin typeface="微软雅黑" pitchFamily="34" charset="-122"/>
-                <a:ea typeface="微软雅黑" pitchFamily="34" charset="-122"/>
-              </a:rPr>
-              <a:t>约    束：</a:t>
-            </a:r>
-            <a:r>
-              <a:rPr lang="zh-CN" altLang="en-US" b="1" dirty="0">
-                <a:solidFill>
-                  <a:srgbClr val="0066FF"/>
-                </a:solidFill>
-                <a:latin typeface="微软雅黑" pitchFamily="34" charset="-122"/>
-                <a:ea typeface="微软雅黑" pitchFamily="34" charset="-122"/>
-              </a:rPr>
-              <a:t>无约束，</a:t>
-            </a:r>
-            <a:r>
-              <a:rPr lang="zh-CN" altLang="en-US" sz="1700" dirty="0">
-                <a:latin typeface="微软雅黑" pitchFamily="34" charset="-122"/>
-                <a:ea typeface="微软雅黑" pitchFamily="34" charset="-122"/>
-              </a:rPr>
-              <a:t>无需</a:t>
-            </a:r>
-            <a:r>
-              <a:rPr lang="en-US" altLang="zh-CN" sz="1700" dirty="0">
-                <a:latin typeface="微软雅黑" pitchFamily="34" charset="-122"/>
-                <a:ea typeface="微软雅黑" pitchFamily="34" charset="-122"/>
-              </a:rPr>
-              <a:t>session sticking</a:t>
-            </a:r>
-            <a:r>
-              <a:rPr lang="zh-CN" altLang="en-US" sz="1700" dirty="0">
-                <a:latin typeface="微软雅黑" pitchFamily="34" charset="-122"/>
-                <a:ea typeface="微软雅黑" pitchFamily="34" charset="-122"/>
-              </a:rPr>
-              <a:t>，访问请求可以平均分派给各集群节点，</a:t>
-            </a:r>
-            <a:r>
-              <a:rPr lang="zh-CN" altLang="en-US" sz="1700" dirty="0">
-                <a:latin typeface="微软雅黑" pitchFamily="34" charset="-122"/>
-                <a:ea typeface="微软雅黑" pitchFamily="34" charset="-122"/>
-              </a:rPr>
-              <a:t>支持</a:t>
-            </a:r>
-            <a:r>
-              <a:rPr lang="en-US" altLang="zh-CN" sz="1700" dirty="0">
-                <a:latin typeface="微软雅黑" pitchFamily="34" charset="-122"/>
-                <a:ea typeface="微软雅黑" pitchFamily="34" charset="-122"/>
-              </a:rPr>
-              <a:t>	</a:t>
-            </a:r>
-            <a:r>
-              <a:rPr lang="en-US" altLang="zh-CN" sz="1700" dirty="0" err="1">
-                <a:latin typeface="微软雅黑" pitchFamily="34" charset="-122"/>
-                <a:ea typeface="微软雅黑" pitchFamily="34" charset="-122"/>
-              </a:rPr>
-              <a:t>lvs,haproxy</a:t>
-            </a:r>
-            <a:r>
-              <a:rPr lang="zh-CN" altLang="en-US" sz="1700" dirty="0">
-                <a:latin typeface="微软雅黑" pitchFamily="34" charset="-122"/>
-                <a:ea typeface="微软雅黑" pitchFamily="34" charset="-122"/>
-              </a:rPr>
-              <a:t>，</a:t>
-            </a:r>
-            <a:r>
-              <a:rPr lang="en-US" altLang="zh-CN" sz="1700" dirty="0" err="1">
-                <a:latin typeface="微软雅黑" pitchFamily="34" charset="-122"/>
-                <a:ea typeface="微软雅黑" pitchFamily="34" charset="-122"/>
-              </a:rPr>
-              <a:t>ngix</a:t>
-            </a:r>
-            <a:r>
-              <a:rPr lang="en-US" altLang="zh-CN" sz="1700" dirty="0">
-                <a:latin typeface="微软雅黑" pitchFamily="34" charset="-122"/>
-                <a:ea typeface="微软雅黑" pitchFamily="34" charset="-122"/>
-              </a:rPr>
-              <a:t> </a:t>
-            </a:r>
-            <a:r>
-              <a:rPr lang="en-US" altLang="zh-CN" sz="1700" dirty="0">
-                <a:latin typeface="微软雅黑" pitchFamily="34" charset="-122"/>
-                <a:ea typeface="微软雅黑" pitchFamily="34" charset="-122"/>
-              </a:rPr>
-              <a:t>4,7</a:t>
-            </a:r>
-            <a:r>
-              <a:rPr lang="zh-CN" altLang="en-US" sz="1700" dirty="0">
-                <a:latin typeface="微软雅黑" pitchFamily="34" charset="-122"/>
-                <a:ea typeface="微软雅黑" pitchFamily="34" charset="-122"/>
-              </a:rPr>
-              <a:t>层负载</a:t>
-            </a:r>
-            <a:endParaRPr lang="en-US" altLang="zh-CN" sz="1700" dirty="0">
-              <a:latin typeface="微软雅黑" pitchFamily="34" charset="-122"/>
-              <a:ea typeface="微软雅黑" pitchFamily="34" charset="-122"/>
-            </a:endParaRPr>
-          </a:p>
-          <a:p>
-            <a:pPr eaLnBrk="1" hangingPunct="1">
-              <a:lnSpc>
-                <a:spcPct val="114000"/>
-              </a:lnSpc>
-            </a:pPr>
-            <a:r>
-              <a:rPr lang="zh-CN" altLang="en-US" b="1" dirty="0">
-                <a:latin typeface="微软雅黑" pitchFamily="34" charset="-122"/>
-                <a:ea typeface="微软雅黑" pitchFamily="34" charset="-122"/>
-              </a:rPr>
-              <a:t>安全性：</a:t>
-            </a:r>
-            <a:r>
-              <a:rPr lang="zh-CN" altLang="en-US" sz="1700" dirty="0">
-                <a:latin typeface="微软雅黑" pitchFamily="34" charset="-122"/>
-                <a:ea typeface="微软雅黑" pitchFamily="34" charset="-122"/>
-              </a:rPr>
-              <a:t>客户端基于</a:t>
-            </a:r>
-            <a:r>
-              <a:rPr lang="en-US" altLang="zh-CN" sz="1700" dirty="0">
-                <a:latin typeface="微软雅黑" pitchFamily="34" charset="-122"/>
-                <a:ea typeface="微软雅黑" pitchFamily="34" charset="-122"/>
-              </a:rPr>
-              <a:t>cookie</a:t>
-            </a:r>
-            <a:r>
-              <a:rPr lang="zh-CN" altLang="en-US" sz="1700" dirty="0">
-                <a:latin typeface="微软雅黑" pitchFamily="34" charset="-122"/>
-                <a:ea typeface="微软雅黑" pitchFamily="34" charset="-122"/>
-              </a:rPr>
-              <a:t>机制存储</a:t>
-            </a:r>
-            <a:r>
-              <a:rPr lang="en-US" altLang="zh-CN" sz="1700" dirty="0" err="1">
-                <a:latin typeface="微软雅黑" pitchFamily="34" charset="-122"/>
-                <a:ea typeface="微软雅黑" pitchFamily="34" charset="-122"/>
-              </a:rPr>
-              <a:t>sessionid</a:t>
-            </a:r>
-            <a:r>
-              <a:rPr lang="zh-CN" altLang="en-US" sz="1700" dirty="0">
-                <a:latin typeface="微软雅黑" pitchFamily="34" charset="-122"/>
-                <a:ea typeface="微软雅黑" pitchFamily="34" charset="-122"/>
-              </a:rPr>
-              <a:t>，通过设置</a:t>
-            </a:r>
-            <a:r>
-              <a:rPr lang="en-US" altLang="zh-CN" sz="1700" dirty="0">
-                <a:latin typeface="微软雅黑" pitchFamily="34" charset="-122"/>
-                <a:ea typeface="微软雅黑" pitchFamily="34" charset="-122"/>
-              </a:rPr>
-              <a:t>cookie </a:t>
-            </a:r>
-            <a:r>
-              <a:rPr lang="en-US" altLang="zh-CN" sz="2800" b="1" dirty="0" err="1">
-                <a:solidFill>
-                  <a:srgbClr val="0066FF"/>
-                </a:solidFill>
-                <a:latin typeface="微软雅黑" pitchFamily="34" charset="-122"/>
-                <a:ea typeface="微软雅黑" pitchFamily="34" charset="-122"/>
-              </a:rPr>
-              <a:t>httponly</a:t>
-            </a:r>
-            <a:r>
-              <a:rPr lang="zh-CN" altLang="en-US" sz="1700" dirty="0">
-                <a:latin typeface="微软雅黑" pitchFamily="34" charset="-122"/>
-                <a:ea typeface="微软雅黑" pitchFamily="34" charset="-122"/>
-              </a:rPr>
-              <a:t>属性阻止</a:t>
-            </a:r>
-            <a:r>
-              <a:rPr lang="en-US" altLang="zh-CN" sz="1700" dirty="0">
-                <a:latin typeface="微软雅黑" pitchFamily="34" charset="-122"/>
-                <a:ea typeface="微软雅黑" pitchFamily="34" charset="-122"/>
-              </a:rPr>
-              <a:t>XSS</a:t>
-            </a:r>
-            <a:r>
-              <a:rPr lang="zh-CN" altLang="en-US" sz="1700" dirty="0">
-                <a:latin typeface="微软雅黑" pitchFamily="34" charset="-122"/>
-                <a:ea typeface="微软雅黑" pitchFamily="34" charset="-122"/>
-              </a:rPr>
-              <a:t>窃</a:t>
-            </a:r>
-            <a:r>
-              <a:rPr lang="en-US" altLang="zh-CN" sz="1700" dirty="0">
-                <a:latin typeface="微软雅黑" pitchFamily="34" charset="-122"/>
-                <a:ea typeface="微软雅黑" pitchFamily="34" charset="-122"/>
-              </a:rPr>
-              <a:t>	</a:t>
-            </a:r>
-            <a:r>
-              <a:rPr lang="zh-CN" altLang="en-US" sz="1700" dirty="0">
-                <a:latin typeface="微软雅黑" pitchFamily="34" charset="-122"/>
-                <a:ea typeface="微软雅黑" pitchFamily="34" charset="-122"/>
-              </a:rPr>
-              <a:t>取</a:t>
-            </a:r>
-            <a:r>
-              <a:rPr lang="en-US" altLang="zh-CN" sz="1700" dirty="0" err="1">
-                <a:latin typeface="微软雅黑" pitchFamily="34" charset="-122"/>
-                <a:ea typeface="微软雅黑" pitchFamily="34" charset="-122"/>
-              </a:rPr>
-              <a:t>sessionid</a:t>
-            </a:r>
-            <a:r>
-              <a:rPr lang="zh-CN" altLang="en-US" sz="1700" dirty="0">
-                <a:latin typeface="微软雅黑" pitchFamily="34" charset="-122"/>
-                <a:ea typeface="微软雅黑" pitchFamily="34" charset="-122"/>
-              </a:rPr>
-              <a:t>，通过设置</a:t>
-            </a:r>
-            <a:r>
-              <a:rPr lang="en-US" altLang="zh-CN" sz="2800" b="1" dirty="0">
-                <a:solidFill>
-                  <a:srgbClr val="0066FF"/>
-                </a:solidFill>
-                <a:latin typeface="微软雅黑" pitchFamily="34" charset="-122"/>
-                <a:ea typeface="微软雅黑" pitchFamily="34" charset="-122"/>
-              </a:rPr>
-              <a:t>secure</a:t>
-            </a:r>
-            <a:r>
-              <a:rPr lang="zh-CN" altLang="en-US" sz="1700" dirty="0">
-                <a:latin typeface="微软雅黑" pitchFamily="34" charset="-122"/>
-                <a:ea typeface="微软雅黑" pitchFamily="34" charset="-122"/>
-              </a:rPr>
-              <a:t>属性并结合</a:t>
-            </a:r>
-            <a:r>
-              <a:rPr lang="en-US" altLang="zh-CN" sz="1700" dirty="0">
-                <a:latin typeface="微软雅黑" pitchFamily="34" charset="-122"/>
-                <a:ea typeface="微软雅黑" pitchFamily="34" charset="-122"/>
-              </a:rPr>
-              <a:t>https</a:t>
-            </a:r>
-            <a:r>
-              <a:rPr lang="zh-CN" altLang="en-US" sz="1700" dirty="0">
-                <a:latin typeface="微软雅黑" pitchFamily="34" charset="-122"/>
-                <a:ea typeface="微软雅黑" pitchFamily="34" charset="-122"/>
-              </a:rPr>
-              <a:t>阻止传输过程中</a:t>
-            </a:r>
-            <a:r>
-              <a:rPr lang="en-US" altLang="zh-CN" sz="1700" dirty="0" err="1">
-                <a:latin typeface="微软雅黑" pitchFamily="34" charset="-122"/>
-                <a:ea typeface="微软雅黑" pitchFamily="34" charset="-122"/>
-              </a:rPr>
-              <a:t>sessionid</a:t>
-            </a:r>
-            <a:r>
-              <a:rPr lang="zh-CN" altLang="en-US" sz="1700" dirty="0">
-                <a:latin typeface="微软雅黑" pitchFamily="34" charset="-122"/>
-                <a:ea typeface="微软雅黑" pitchFamily="34" charset="-122"/>
-              </a:rPr>
-              <a:t>被窃取</a:t>
-            </a:r>
-            <a:endParaRPr lang="en-US" altLang="zh-CN" sz="1700" dirty="0">
-              <a:latin typeface="微软雅黑" pitchFamily="34" charset="-122"/>
-              <a:ea typeface="微软雅黑" pitchFamily="34" charset="-122"/>
-            </a:endParaRPr>
-          </a:p>
-          <a:p>
-            <a:pPr eaLnBrk="1" hangingPunct="1">
-              <a:lnSpc>
-                <a:spcPct val="114000"/>
-              </a:lnSpc>
-            </a:pPr>
-            <a:r>
-              <a:rPr lang="zh-CN" altLang="en-US" b="1" dirty="0">
-                <a:latin typeface="微软雅黑" pitchFamily="34" charset="-122"/>
-                <a:ea typeface="微软雅黑" pitchFamily="34" charset="-122"/>
-              </a:rPr>
-              <a:t>监    管：</a:t>
-            </a:r>
-            <a:r>
-              <a:rPr lang="en-US" altLang="zh-CN" sz="1700" dirty="0">
-                <a:latin typeface="微软雅黑" pitchFamily="34" charset="-122"/>
-                <a:ea typeface="微软雅黑" pitchFamily="34" charset="-122"/>
-              </a:rPr>
-              <a:t>session</a:t>
-            </a:r>
-            <a:r>
-              <a:rPr lang="zh-CN" altLang="en-US" sz="1700" dirty="0">
-                <a:latin typeface="微软雅黑" pitchFamily="34" charset="-122"/>
-                <a:ea typeface="微软雅黑" pitchFamily="34" charset="-122"/>
-              </a:rPr>
-              <a:t>信息统计查询</a:t>
-            </a:r>
-            <a:r>
-              <a:rPr lang="en-US" altLang="zh-CN" sz="1700" dirty="0">
-                <a:latin typeface="微软雅黑" pitchFamily="34" charset="-122"/>
-                <a:ea typeface="微软雅黑" pitchFamily="34" charset="-122"/>
-              </a:rPr>
-              <a:t>,</a:t>
-            </a:r>
-            <a:r>
-              <a:rPr lang="zh-CN" altLang="en-US" sz="1700" dirty="0">
-                <a:latin typeface="微软雅黑" pitchFamily="34" charset="-122"/>
-                <a:ea typeface="微软雅黑" pitchFamily="34" charset="-122"/>
-              </a:rPr>
-              <a:t> 应用在线用户数统计查询，应用会话管理功能（包括删除会话、</a:t>
-            </a:r>
-            <a:r>
-              <a:rPr lang="en-US" altLang="zh-CN" sz="1700" dirty="0">
-                <a:latin typeface="微软雅黑" pitchFamily="34" charset="-122"/>
-                <a:ea typeface="微软雅黑" pitchFamily="34" charset="-122"/>
-              </a:rPr>
-              <a:t>	</a:t>
-            </a:r>
-            <a:r>
-              <a:rPr lang="zh-CN" altLang="en-US" sz="1700" dirty="0">
-                <a:latin typeface="微软雅黑" pitchFamily="34" charset="-122"/>
-                <a:ea typeface="微软雅黑" pitchFamily="34" charset="-122"/>
-              </a:rPr>
-              <a:t>查看会话属性数据）</a:t>
-            </a:r>
-          </a:p>
-        </p:txBody>
-      </p:sp>
-      <p:cxnSp>
-        <p:nvCxnSpPr>
-          <p:cNvPr id="15" name="直接连接符 55"/>
-          <p:cNvCxnSpPr>
-            <a:cxnSpLocks noChangeShapeType="1"/>
-          </p:cNvCxnSpPr>
-          <p:nvPr/>
-        </p:nvCxnSpPr>
-        <p:spPr bwMode="auto">
-          <a:xfrm>
-            <a:off x="1" y="6507997"/>
-            <a:ext cx="12047093" cy="0"/>
-          </a:xfrm>
-          <a:prstGeom prst="line">
-            <a:avLst/>
-          </a:prstGeom>
-          <a:noFill/>
-          <a:ln w="3175" algn="ctr">
-            <a:solidFill>
-              <a:schemeClr val="tx1"/>
-            </a:solidFill>
-            <a:prstDash val="lgDash"/>
-            <a:round/>
-            <a:headEnd/>
-            <a:tailEnd/>
-          </a:ln>
-          <a:extLst>
-            <a:ext uri="{909E8E84-426E-40DD-AFC4-6F175D3DCCD1}">
-              <a14:hiddenFill xmlns:a14="http://schemas.microsoft.com/office/drawing/2010/main">
-                <a:noFill/>
-              </a14:hiddenFill>
-            </a:ext>
-          </a:extLst>
-        </p:spPr>
-      </p:cxnSp>
-      <p:sp>
-        <p:nvSpPr>
-          <p:cNvPr id="16" name="五边形 15"/>
-          <p:cNvSpPr/>
-          <p:nvPr/>
-        </p:nvSpPr>
-        <p:spPr bwMode="auto">
-          <a:xfrm>
-            <a:off x="1322746" y="782636"/>
-            <a:ext cx="2042316" cy="670040"/>
-          </a:xfrm>
-          <a:prstGeom prst="homePlate">
-            <a:avLst/>
-          </a:prstGeom>
-          <a:solidFill>
-            <a:schemeClr val="tx2">
-              <a:lumMod val="40000"/>
-              <a:lumOff val="60000"/>
-            </a:schemeClr>
-          </a:solidFill>
-          <a:ln>
-            <a:solidFill>
-              <a:schemeClr val="bg2">
-                <a:lumMod val="40000"/>
-                <a:lumOff val="60000"/>
-              </a:schemeClr>
-            </a:solidFill>
-            <a:headEnd/>
-            <a:tailEnd/>
-          </a:ln>
-        </p:spPr>
-        <p:style>
-          <a:lnRef idx="1">
-            <a:schemeClr val="accent1"/>
-          </a:lnRef>
-          <a:fillRef idx="2">
-            <a:schemeClr val="accent1"/>
-          </a:fillRef>
-          <a:effectRef idx="1">
-            <a:schemeClr val="accent1"/>
-          </a:effectRef>
-          <a:fontRef idx="minor">
-            <a:schemeClr val="dk1"/>
-          </a:fontRef>
-        </p:style>
-        <p:txBody>
-          <a:bodyPr lIns="20878" tIns="53031" rIns="20878" bIns="53031" anchor="ctr"/>
-          <a:lstStyle/>
-          <a:p>
-            <a:pPr algn="ctr" eaLnBrk="0" hangingPunct="0">
-              <a:spcBef>
-                <a:spcPct val="25000"/>
-              </a:spcBef>
-              <a:defRPr/>
-            </a:pPr>
-            <a:r>
-              <a:rPr lang="zh-CN" altLang="en-US" b="1" dirty="0">
-                <a:solidFill>
-                  <a:srgbClr val="000066"/>
-                </a:solidFill>
-                <a:latin typeface="微软雅黑" pitchFamily="34" charset="-122"/>
-                <a:ea typeface="微软雅黑" pitchFamily="34" charset="-122"/>
-                <a:cs typeface="Arial Unicode MS" pitchFamily="34" charset="-122"/>
-              </a:rPr>
-              <a:t>概述</a:t>
-            </a:r>
-          </a:p>
-        </p:txBody>
-      </p:sp>
-      <p:sp>
-        <p:nvSpPr>
-          <p:cNvPr id="17" name="燕尾形 16"/>
-          <p:cNvSpPr/>
-          <p:nvPr/>
-        </p:nvSpPr>
-        <p:spPr bwMode="auto">
-          <a:xfrm>
-            <a:off x="3051838" y="804786"/>
-            <a:ext cx="2016921" cy="670040"/>
-          </a:xfrm>
-          <a:prstGeom prst="chevron">
-            <a:avLst/>
-          </a:prstGeom>
-          <a:solidFill>
-            <a:schemeClr val="bg2">
-              <a:lumMod val="20000"/>
-              <a:lumOff val="80000"/>
-            </a:schemeClr>
-          </a:solidFill>
-          <a:ln>
-            <a:solidFill>
-              <a:schemeClr val="bg2">
-                <a:lumMod val="20000"/>
-                <a:lumOff val="80000"/>
-              </a:schemeClr>
-            </a:solidFill>
-            <a:headEnd/>
-            <a:tailEnd/>
-          </a:ln>
-        </p:spPr>
-        <p:style>
-          <a:lnRef idx="1">
-            <a:schemeClr val="accent1"/>
-          </a:lnRef>
-          <a:fillRef idx="2">
-            <a:schemeClr val="accent1"/>
-          </a:fillRef>
-          <a:effectRef idx="1">
-            <a:schemeClr val="accent1"/>
-          </a:effectRef>
-          <a:fontRef idx="minor">
-            <a:schemeClr val="dk1"/>
-          </a:fontRef>
-        </p:style>
-        <p:txBody>
-          <a:bodyPr lIns="106061" tIns="53031" rIns="106061" bIns="53031" anchor="ctr"/>
-          <a:lstStyle/>
-          <a:p>
-            <a:pPr algn="ctr" defTabSz="1484121">
-              <a:defRPr/>
-            </a:pPr>
-            <a:r>
-              <a:rPr lang="zh-CN" altLang="en-US" dirty="0">
-                <a:solidFill>
-                  <a:srgbClr val="A6A6A6"/>
-                </a:solidFill>
-                <a:latin typeface="微软雅黑" pitchFamily="34" charset="-122"/>
-                <a:ea typeface="微软雅黑" pitchFamily="34" charset="-122"/>
-              </a:rPr>
-              <a:t>架构</a:t>
-            </a:r>
-          </a:p>
-        </p:txBody>
-      </p:sp>
-      <p:sp>
-        <p:nvSpPr>
-          <p:cNvPr id="18" name="燕尾形 17"/>
-          <p:cNvSpPr/>
-          <p:nvPr/>
-        </p:nvSpPr>
-        <p:spPr bwMode="auto">
-          <a:xfrm>
-            <a:off x="6778802" y="825090"/>
-            <a:ext cx="2319565" cy="670037"/>
-          </a:xfrm>
-          <a:prstGeom prst="chevron">
-            <a:avLst/>
-          </a:prstGeom>
-          <a:solidFill>
-            <a:schemeClr val="bg2">
-              <a:lumMod val="20000"/>
-              <a:lumOff val="80000"/>
-            </a:schemeClr>
-          </a:solidFill>
-          <a:ln>
-            <a:solidFill>
-              <a:schemeClr val="bg2">
-                <a:lumMod val="20000"/>
-                <a:lumOff val="80000"/>
-              </a:schemeClr>
-            </a:solidFill>
-            <a:headEnd/>
-            <a:tailEnd/>
-          </a:ln>
-        </p:spPr>
-        <p:style>
-          <a:lnRef idx="1">
-            <a:schemeClr val="accent1"/>
-          </a:lnRef>
-          <a:fillRef idx="2">
-            <a:schemeClr val="accent1"/>
-          </a:fillRef>
-          <a:effectRef idx="1">
-            <a:schemeClr val="accent1"/>
-          </a:effectRef>
-          <a:fontRef idx="minor">
-            <a:schemeClr val="dk1"/>
-          </a:fontRef>
-        </p:style>
-        <p:txBody>
-          <a:bodyPr lIns="106061" tIns="53031" rIns="106061" bIns="53031" anchor="ctr"/>
-          <a:lstStyle/>
-          <a:p>
-            <a:pPr algn="ctr" defTabSz="1484121">
-              <a:defRPr/>
-            </a:pPr>
-            <a:r>
-              <a:rPr lang="zh-CN" altLang="en-US" dirty="0">
-                <a:solidFill>
-                  <a:srgbClr val="A6A6A6"/>
-                </a:solidFill>
-                <a:latin typeface="微软雅黑" pitchFamily="34" charset="-122"/>
-                <a:ea typeface="微软雅黑" pitchFamily="34" charset="-122"/>
-              </a:rPr>
-              <a:t>应用部署</a:t>
-            </a:r>
-            <a:endParaRPr lang="en-US" altLang="zh-CN" dirty="0">
-              <a:solidFill>
-                <a:srgbClr val="A6A6A6"/>
-              </a:solidFill>
-              <a:latin typeface="微软雅黑" pitchFamily="34" charset="-122"/>
-              <a:ea typeface="微软雅黑" pitchFamily="34" charset="-122"/>
-            </a:endParaRPr>
-          </a:p>
-        </p:txBody>
-      </p:sp>
-      <p:sp>
-        <p:nvSpPr>
-          <p:cNvPr id="19" name="燕尾形 18"/>
-          <p:cNvSpPr/>
-          <p:nvPr/>
-        </p:nvSpPr>
-        <p:spPr bwMode="auto">
-          <a:xfrm>
-            <a:off x="4776697" y="825090"/>
-            <a:ext cx="2306866" cy="670037"/>
-          </a:xfrm>
-          <a:prstGeom prst="chevron">
-            <a:avLst/>
-          </a:prstGeom>
-          <a:solidFill>
-            <a:schemeClr val="bg2">
-              <a:lumMod val="20000"/>
-              <a:lumOff val="80000"/>
-            </a:schemeClr>
-          </a:solidFill>
-          <a:ln>
-            <a:solidFill>
-              <a:schemeClr val="bg2">
-                <a:lumMod val="20000"/>
-                <a:lumOff val="80000"/>
-              </a:schemeClr>
-            </a:solidFill>
-            <a:headEnd/>
-            <a:tailEnd/>
-          </a:ln>
-        </p:spPr>
-        <p:style>
-          <a:lnRef idx="1">
-            <a:schemeClr val="accent1"/>
-          </a:lnRef>
-          <a:fillRef idx="2">
-            <a:schemeClr val="accent1"/>
-          </a:fillRef>
-          <a:effectRef idx="1">
-            <a:schemeClr val="accent1"/>
-          </a:effectRef>
-          <a:fontRef idx="minor">
-            <a:schemeClr val="dk1"/>
-          </a:fontRef>
-        </p:style>
-        <p:txBody>
-          <a:bodyPr lIns="106061" tIns="53031" rIns="106061" bIns="53031" anchor="ctr"/>
-          <a:lstStyle/>
-          <a:p>
-            <a:pPr algn="ctr" defTabSz="1484121">
-              <a:defRPr/>
-            </a:pPr>
-            <a:r>
-              <a:rPr lang="zh-CN" altLang="en-US" dirty="0">
-                <a:solidFill>
-                  <a:srgbClr val="A6A6A6"/>
-                </a:solidFill>
-                <a:latin typeface="微软雅黑" pitchFamily="34" charset="-122"/>
-                <a:ea typeface="微软雅黑" pitchFamily="34" charset="-122"/>
-              </a:rPr>
-              <a:t>应用集成</a:t>
-            </a:r>
-          </a:p>
-        </p:txBody>
-      </p:sp>
-      <p:sp>
-        <p:nvSpPr>
-          <p:cNvPr id="20" name="燕尾形 19"/>
-          <p:cNvSpPr/>
-          <p:nvPr/>
-        </p:nvSpPr>
-        <p:spPr bwMode="auto">
-          <a:xfrm>
-            <a:off x="8992549" y="804786"/>
-            <a:ext cx="2321681" cy="670040"/>
-          </a:xfrm>
-          <a:prstGeom prst="chevron">
-            <a:avLst/>
-          </a:prstGeom>
-          <a:solidFill>
-            <a:schemeClr val="bg2">
-              <a:lumMod val="20000"/>
-              <a:lumOff val="80000"/>
-            </a:schemeClr>
-          </a:solidFill>
-          <a:ln>
-            <a:solidFill>
-              <a:schemeClr val="bg2">
-                <a:lumMod val="20000"/>
-                <a:lumOff val="80000"/>
-              </a:schemeClr>
-            </a:solidFill>
-            <a:headEnd/>
-            <a:tailEnd/>
-          </a:ln>
-        </p:spPr>
-        <p:style>
-          <a:lnRef idx="1">
-            <a:schemeClr val="accent1"/>
-          </a:lnRef>
-          <a:fillRef idx="2">
-            <a:schemeClr val="accent1"/>
-          </a:fillRef>
-          <a:effectRef idx="1">
-            <a:schemeClr val="accent1"/>
-          </a:effectRef>
-          <a:fontRef idx="minor">
-            <a:schemeClr val="dk1"/>
-          </a:fontRef>
-        </p:style>
-        <p:txBody>
-          <a:bodyPr lIns="106061" tIns="53031" rIns="106061" bIns="53031" anchor="ctr"/>
-          <a:lstStyle/>
-          <a:p>
-            <a:pPr algn="ctr" defTabSz="1484121">
-              <a:defRPr/>
-            </a:pPr>
-            <a:r>
-              <a:rPr lang="zh-CN" altLang="en-US" dirty="0">
-                <a:solidFill>
-                  <a:srgbClr val="A6A6A6"/>
-                </a:solidFill>
-                <a:latin typeface="微软雅黑" pitchFamily="34" charset="-122"/>
-                <a:ea typeface="微软雅黑" pitchFamily="34" charset="-122"/>
-              </a:rPr>
-              <a:t>场景演示</a:t>
-            </a:r>
-            <a:endParaRPr lang="en-US" altLang="zh-CN" dirty="0">
-              <a:solidFill>
-                <a:srgbClr val="A6A6A6"/>
-              </a:solidFill>
-              <a:latin typeface="微软雅黑" pitchFamily="34" charset="-122"/>
-              <a:ea typeface="微软雅黑" pitchFamily="34" charset="-122"/>
-            </a:endParaRPr>
-          </a:p>
-        </p:txBody>
-      </p:sp>
-    </p:spTree>
-    <p:extLst>
-      <p:ext uri="{BB962C8B-B14F-4D97-AF65-F5344CB8AC3E}">
-        <p14:creationId xmlns:p14="http://schemas.microsoft.com/office/powerpoint/2010/main" val="3450642140"/>
-      </p:ext>
-    </p:extLst>
-  </p:cSld>
-  <p:clrMapOvr>
-    <a:masterClrMapping/>
-  </p:clrMapOvr>
-  <p:timing>
-    <p:tnLst>
-      <p:par>
-        <p:cTn id="1" dur="indefinite" restart="never" nodeType="tmRoot"/>
-      </p:par>
-    </p:tnLst>
-  </p:timing>
-</p:sld>
-</file>
-
-<file path=ppt/slides/slide5.xml><?xml version="1.0" encoding="utf-8"?>
-<p:sld xmlns:a="http://schemas.openxmlformats.org/drawingml/2006/main" xmlns:r="http://schemas.openxmlformats.org/officeDocument/2006/relationships" xmlns:p="http://schemas.openxmlformats.org/presentationml/2006/main">
-  <p:cSld>
-    <p:spTree>
-      <p:nvGrpSpPr>
-        <p:cNvPr id="1" name=""/>
-        <p:cNvGrpSpPr/>
-        <p:nvPr/>
-      </p:nvGrpSpPr>
-      <p:grpSpPr>
-        <a:xfrm>
-          <a:off x="0" y="0"/>
-          <a:ext cx="0" cy="0"/>
-          <a:chOff x="0" y="0"/>
-          <a:chExt cx="0" cy="0"/>
-        </a:xfrm>
-      </p:grpSpPr>
-      <p:sp>
-        <p:nvSpPr>
           <p:cNvPr id="10" name="矩形 9"/>
           <p:cNvSpPr/>
           <p:nvPr/>
@@ -26514,7 +24813,7 @@
                 <a:ea typeface="微软雅黑" pitchFamily="34" charset="-122"/>
               </a:rPr>
               <a:pPr/>
-              <a:t>5</a:t>
+              <a:t>4</a:t>
             </a:fld>
             <a:endParaRPr lang="zh-CN" altLang="en-US" dirty="0">
               <a:latin typeface="微软雅黑" pitchFamily="34" charset="-122"/>
@@ -27569,7 +25868,7 @@
         </p:nvCxnSpPr>
         <p:spPr>
           <a:xfrm flipH="1" flipV="1">
-            <a:off x="5953198" y="5334645"/>
+            <a:off x="5953198" y="5646006"/>
             <a:ext cx="1900882" cy="3473"/>
           </a:xfrm>
           <a:prstGeom prst="line">
@@ -27599,7 +25898,7 @@
         </p:nvSpPr>
         <p:spPr>
           <a:xfrm>
-            <a:off x="7699759" y="5528493"/>
+            <a:off x="7699759" y="5839854"/>
             <a:ext cx="1224262" cy="502067"/>
           </a:xfrm>
           <a:prstGeom prst="can">
@@ -27649,7 +25948,7 @@
         </p:nvSpPr>
         <p:spPr>
           <a:xfrm>
-            <a:off x="7719108" y="4659589"/>
+            <a:off x="7719108" y="4970950"/>
             <a:ext cx="1224262" cy="502067"/>
           </a:xfrm>
           <a:prstGeom prst="can">
@@ -27699,7 +25998,7 @@
         </p:nvSpPr>
         <p:spPr>
           <a:xfrm>
-            <a:off x="7854079" y="5087084"/>
+            <a:off x="7854079" y="5398445"/>
             <a:ext cx="1224262" cy="502067"/>
           </a:xfrm>
           <a:prstGeom prst="can">
@@ -27828,18 +26127,18 @@
               <a:defRPr/>
             </a:pPr>
             <a:r>
-              <a:rPr lang="en-US" altLang="zh-CN" sz="1400" dirty="0" err="1">
-                <a:latin typeface="微软雅黑" pitchFamily="34" charset="-122"/>
-                <a:ea typeface="微软雅黑" pitchFamily="34" charset="-122"/>
-              </a:rPr>
-              <a:t>Bboss</a:t>
-            </a:r>
-            <a:r>
-              <a:rPr lang="en-US" altLang="zh-CN" sz="1400" dirty="0">
-                <a:latin typeface="微软雅黑" pitchFamily="34" charset="-122"/>
-                <a:ea typeface="微软雅黑" pitchFamily="34" charset="-122"/>
-              </a:rPr>
-              <a:t> Session</a:t>
+              <a:rPr lang="en-US" altLang="zh-CN" sz="1400" dirty="0" smtClean="0">
+                <a:latin typeface="微软雅黑" pitchFamily="34" charset="-122"/>
+                <a:ea typeface="微软雅黑" pitchFamily="34" charset="-122"/>
+              </a:rPr>
+              <a:t>Session </a:t>
+            </a:r>
+            <a:r>
+              <a:rPr lang="zh-CN" altLang="en-US" sz="1400" dirty="0" smtClean="0">
+                <a:latin typeface="微软雅黑" pitchFamily="34" charset="-122"/>
+                <a:ea typeface="微软雅黑" pitchFamily="34" charset="-122"/>
+              </a:rPr>
+              <a:t>共享</a:t>
             </a:r>
             <a:endParaRPr lang="zh-CN" altLang="en-US" sz="1400" dirty="0">
               <a:latin typeface="微软雅黑" pitchFamily="34" charset="-122"/>
@@ -27886,8 +26185,8 @@
         </p:nvSpPr>
         <p:spPr>
           <a:xfrm>
-            <a:off x="6280471" y="5315936"/>
-            <a:ext cx="1087510" cy="1399759"/>
+            <a:off x="6071546" y="5615519"/>
+            <a:ext cx="1267046" cy="1184316"/>
           </a:xfrm>
           <a:prstGeom prst="rect">
             <a:avLst/>
@@ -27905,10 +26204,10 @@
               <a:buChar char="u"/>
             </a:pPr>
             <a:r>
-              <a:rPr lang="zh-CN" altLang="en-US" dirty="0" smtClean="0"/>
+              <a:rPr lang="zh-CN" altLang="en-US" sz="1400" dirty="0" smtClean="0"/>
               <a:t>创建</a:t>
             </a:r>
-            <a:endParaRPr lang="en-US" altLang="zh-CN" dirty="0" smtClean="0"/>
+            <a:endParaRPr lang="en-US" altLang="zh-CN" sz="1400" dirty="0" smtClean="0"/>
           </a:p>
           <a:p>
             <a:pPr marL="331441" indent="-331441">
@@ -27916,10 +26215,10 @@
               <a:buChar char="u"/>
             </a:pPr>
             <a:r>
-              <a:rPr lang="zh-CN" altLang="en-US" dirty="0" smtClean="0"/>
+              <a:rPr lang="zh-CN" altLang="en-US" sz="1400" dirty="0" smtClean="0"/>
               <a:t>修改</a:t>
             </a:r>
-            <a:endParaRPr lang="en-US" altLang="zh-CN" dirty="0" smtClean="0"/>
+            <a:endParaRPr lang="en-US" altLang="zh-CN" sz="1400" dirty="0" smtClean="0"/>
           </a:p>
           <a:p>
             <a:pPr marL="331441" indent="-331441">
@@ -27927,10 +26226,10 @@
               <a:buChar char="u"/>
             </a:pPr>
             <a:r>
-              <a:rPr lang="zh-CN" altLang="en-US" dirty="0" smtClean="0"/>
+              <a:rPr lang="zh-CN" altLang="en-US" sz="1400" dirty="0" smtClean="0"/>
               <a:t>销毁</a:t>
             </a:r>
-            <a:endParaRPr lang="en-US" altLang="zh-CN" dirty="0" smtClean="0"/>
+            <a:endParaRPr lang="en-US" altLang="zh-CN" sz="1400" dirty="0" smtClean="0"/>
           </a:p>
           <a:p>
             <a:pPr marL="331441" indent="-331441">
@@ -27938,9 +26237,21 @@
               <a:buChar char="u"/>
             </a:pPr>
             <a:r>
-              <a:rPr lang="zh-CN" altLang="en-US" dirty="0"/>
-              <a:t>查询</a:t>
-            </a:r>
+              <a:rPr lang="zh-CN" altLang="en-US" sz="1400" dirty="0" smtClean="0"/>
+              <a:t>查询统计</a:t>
+            </a:r>
+            <a:endParaRPr lang="en-US" altLang="zh-CN" sz="1400" dirty="0" smtClean="0"/>
+          </a:p>
+          <a:p>
+            <a:pPr marL="331441" indent="-331441">
+              <a:buFont typeface="Wingdings" pitchFamily="2" charset="2"/>
+              <a:buChar char="u"/>
+            </a:pPr>
+            <a:r>
+              <a:rPr lang="zh-CN" altLang="en-US" sz="1400" dirty="0"/>
+              <a:t>监控</a:t>
+            </a:r>
+            <a:endParaRPr lang="zh-CN" altLang="en-US" sz="1400" dirty="0"/>
           </a:p>
         </p:txBody>
       </p:sp>
@@ -27952,8 +26263,8 @@
         </p:nvSpPr>
         <p:spPr>
           <a:xfrm>
-            <a:off x="9259663" y="4940182"/>
-            <a:ext cx="1626118" cy="1399759"/>
+            <a:off x="9078341" y="5251543"/>
+            <a:ext cx="1267046" cy="968872"/>
           </a:xfrm>
           <a:prstGeom prst="rect">
             <a:avLst/>
@@ -27971,10 +26282,10 @@
               <a:buChar char="u"/>
             </a:pPr>
             <a:r>
-              <a:rPr lang="zh-CN" altLang="en-US" dirty="0" smtClean="0"/>
+              <a:rPr lang="zh-CN" altLang="en-US" sz="1400" dirty="0" smtClean="0"/>
               <a:t>负载容错</a:t>
             </a:r>
-            <a:endParaRPr lang="en-US" altLang="zh-CN" dirty="0" smtClean="0"/>
+            <a:endParaRPr lang="en-US" altLang="zh-CN" sz="1400" dirty="0" smtClean="0"/>
           </a:p>
           <a:p>
             <a:pPr marL="331441" indent="-331441">
@@ -27982,10 +26293,10 @@
               <a:buChar char="u"/>
             </a:pPr>
             <a:r>
-              <a:rPr lang="zh-CN" altLang="en-US" dirty="0" smtClean="0"/>
+              <a:rPr lang="zh-CN" altLang="en-US" sz="1400" dirty="0" smtClean="0"/>
               <a:t>读写分离</a:t>
             </a:r>
-            <a:endParaRPr lang="en-US" altLang="zh-CN" dirty="0" smtClean="0"/>
+            <a:endParaRPr lang="en-US" altLang="zh-CN" sz="1400" dirty="0" smtClean="0"/>
           </a:p>
           <a:p>
             <a:pPr marL="331441" indent="-331441">
@@ -27993,17 +26304,17 @@
               <a:buChar char="u"/>
             </a:pPr>
             <a:r>
-              <a:rPr lang="zh-CN" altLang="en-US" dirty="0" smtClean="0"/>
+              <a:rPr lang="zh-CN" altLang="en-US" sz="1400" dirty="0" smtClean="0"/>
               <a:t>分片分区</a:t>
             </a:r>
-            <a:endParaRPr lang="en-US" altLang="zh-CN" dirty="0" smtClean="0"/>
+            <a:endParaRPr lang="en-US" altLang="zh-CN" sz="1400" dirty="0" smtClean="0"/>
           </a:p>
           <a:p>
             <a:pPr marL="331441" indent="-331441">
               <a:buFont typeface="Wingdings" pitchFamily="2" charset="2"/>
               <a:buChar char="u"/>
             </a:pPr>
-            <a:endParaRPr lang="en-US" altLang="zh-CN" dirty="0" smtClean="0"/>
+            <a:endParaRPr lang="en-US" altLang="zh-CN" sz="1400" dirty="0" smtClean="0"/>
           </a:p>
         </p:txBody>
       </p:sp>
@@ -28037,10 +26348,2751 @@
           </a:fontRef>
         </p:style>
       </p:cxnSp>
+      <p:sp>
+        <p:nvSpPr>
+          <p:cNvPr id="36" name="矩形 35"/>
+          <p:cNvSpPr/>
+          <p:nvPr/>
+        </p:nvSpPr>
+        <p:spPr>
+          <a:xfrm>
+            <a:off x="1552911" y="5133581"/>
+            <a:ext cx="954107" cy="400110"/>
+          </a:xfrm>
+          <a:prstGeom prst="rect">
+            <a:avLst/>
+          </a:prstGeom>
+        </p:spPr>
+        <p:txBody>
+          <a:bodyPr wrap="none">
+            <a:spAutoFit/>
+          </a:bodyPr>
+          <a:lstStyle/>
+          <a:p>
+            <a:pPr algn="ctr"/>
+            <a:r>
+              <a:rPr lang="zh-CN" altLang="en-US" sz="2000" b="1" dirty="0" smtClean="0">
+                <a:solidFill>
+                  <a:schemeClr val="accent2"/>
+                </a:solidFill>
+                <a:latin typeface="微软雅黑" pitchFamily="34" charset="-122"/>
+                <a:ea typeface="微软雅黑" pitchFamily="34" charset="-122"/>
+              </a:rPr>
+              <a:t>第三代</a:t>
+            </a:r>
+            <a:endParaRPr lang="zh-CN" altLang="en-US" sz="2000" b="1" dirty="0">
+              <a:solidFill>
+                <a:schemeClr val="accent2"/>
+              </a:solidFill>
+              <a:latin typeface="微软雅黑" pitchFamily="34" charset="-122"/>
+              <a:ea typeface="微软雅黑" pitchFamily="34" charset="-122"/>
+            </a:endParaRPr>
+          </a:p>
+        </p:txBody>
+      </p:sp>
+      <p:sp>
+        <p:nvSpPr>
+          <p:cNvPr id="37" name="矩形 36"/>
+          <p:cNvSpPr/>
+          <p:nvPr/>
+        </p:nvSpPr>
+        <p:spPr>
+          <a:xfrm>
+            <a:off x="6606509" y="5177483"/>
+            <a:ext cx="954107" cy="400110"/>
+          </a:xfrm>
+          <a:prstGeom prst="rect">
+            <a:avLst/>
+          </a:prstGeom>
+        </p:spPr>
+        <p:txBody>
+          <a:bodyPr wrap="none">
+            <a:spAutoFit/>
+          </a:bodyPr>
+          <a:lstStyle/>
+          <a:p>
+            <a:pPr algn="ctr"/>
+            <a:r>
+              <a:rPr lang="zh-CN" altLang="en-US" sz="2000" b="1" dirty="0" smtClean="0">
+                <a:solidFill>
+                  <a:schemeClr val="accent2"/>
+                </a:solidFill>
+                <a:latin typeface="微软雅黑" pitchFamily="34" charset="-122"/>
+                <a:ea typeface="微软雅黑" pitchFamily="34" charset="-122"/>
+              </a:rPr>
+              <a:t>第四代</a:t>
+            </a:r>
+            <a:endParaRPr lang="zh-CN" altLang="en-US" sz="2000" b="1" dirty="0">
+              <a:solidFill>
+                <a:schemeClr val="accent2"/>
+              </a:solidFill>
+              <a:latin typeface="微软雅黑" pitchFamily="34" charset="-122"/>
+              <a:ea typeface="微软雅黑" pitchFamily="34" charset="-122"/>
+            </a:endParaRPr>
+          </a:p>
+        </p:txBody>
+      </p:sp>
+      <p:sp>
+        <p:nvSpPr>
+          <p:cNvPr id="38" name="矩形 37"/>
+          <p:cNvSpPr/>
+          <p:nvPr/>
+        </p:nvSpPr>
+        <p:spPr>
+          <a:xfrm>
+            <a:off x="2581562" y="7039820"/>
+            <a:ext cx="1980030" cy="400110"/>
+          </a:xfrm>
+          <a:prstGeom prst="rect">
+            <a:avLst/>
+          </a:prstGeom>
+        </p:spPr>
+        <p:txBody>
+          <a:bodyPr wrap="none">
+            <a:spAutoFit/>
+          </a:bodyPr>
+          <a:lstStyle/>
+          <a:p>
+            <a:pPr algn="ctr"/>
+            <a:r>
+              <a:rPr lang="zh-CN" altLang="en-US" sz="2000" b="1" dirty="0" smtClean="0">
+                <a:solidFill>
+                  <a:schemeClr val="accent2"/>
+                </a:solidFill>
+                <a:latin typeface="微软雅黑" pitchFamily="34" charset="-122"/>
+                <a:ea typeface="微软雅黑" pitchFamily="34" charset="-122"/>
+              </a:rPr>
+              <a:t>第五代。。。。</a:t>
+            </a:r>
+            <a:endParaRPr lang="zh-CN" altLang="en-US" sz="2000" b="1" dirty="0">
+              <a:solidFill>
+                <a:schemeClr val="accent2"/>
+              </a:solidFill>
+              <a:latin typeface="微软雅黑" pitchFamily="34" charset="-122"/>
+              <a:ea typeface="微软雅黑" pitchFamily="34" charset="-122"/>
+            </a:endParaRPr>
+          </a:p>
+        </p:txBody>
+      </p:sp>
+      <p:sp>
+        <p:nvSpPr>
+          <p:cNvPr id="41" name="矩形 40"/>
+          <p:cNvSpPr/>
+          <p:nvPr/>
+        </p:nvSpPr>
+        <p:spPr>
+          <a:xfrm>
+            <a:off x="7989156" y="3553094"/>
+            <a:ext cx="954107" cy="400110"/>
+          </a:xfrm>
+          <a:prstGeom prst="rect">
+            <a:avLst/>
+          </a:prstGeom>
+        </p:spPr>
+        <p:txBody>
+          <a:bodyPr wrap="none">
+            <a:spAutoFit/>
+          </a:bodyPr>
+          <a:lstStyle/>
+          <a:p>
+            <a:pPr algn="ctr"/>
+            <a:r>
+              <a:rPr lang="zh-CN" altLang="en-US" sz="2000" b="1" dirty="0" smtClean="0">
+                <a:solidFill>
+                  <a:schemeClr val="accent2"/>
+                </a:solidFill>
+                <a:latin typeface="微软雅黑" pitchFamily="34" charset="-122"/>
+                <a:ea typeface="微软雅黑" pitchFamily="34" charset="-122"/>
+              </a:rPr>
+              <a:t>第一代</a:t>
+            </a:r>
+            <a:endParaRPr lang="zh-CN" altLang="en-US" sz="2000" b="1" dirty="0">
+              <a:solidFill>
+                <a:schemeClr val="accent2"/>
+              </a:solidFill>
+              <a:latin typeface="微软雅黑" pitchFamily="34" charset="-122"/>
+              <a:ea typeface="微软雅黑" pitchFamily="34" charset="-122"/>
+            </a:endParaRPr>
+          </a:p>
+        </p:txBody>
+      </p:sp>
+      <p:sp>
+        <p:nvSpPr>
+          <p:cNvPr id="42" name="矩形 41"/>
+          <p:cNvSpPr/>
+          <p:nvPr/>
+        </p:nvSpPr>
+        <p:spPr>
+          <a:xfrm>
+            <a:off x="9110017" y="4005023"/>
+            <a:ext cx="954107" cy="400110"/>
+          </a:xfrm>
+          <a:prstGeom prst="rect">
+            <a:avLst/>
+          </a:prstGeom>
+        </p:spPr>
+        <p:txBody>
+          <a:bodyPr wrap="none">
+            <a:spAutoFit/>
+          </a:bodyPr>
+          <a:lstStyle/>
+          <a:p>
+            <a:pPr algn="ctr"/>
+            <a:r>
+              <a:rPr lang="zh-CN" altLang="en-US" sz="2000" b="1" dirty="0" smtClean="0">
+                <a:solidFill>
+                  <a:schemeClr val="accent2"/>
+                </a:solidFill>
+                <a:latin typeface="微软雅黑" pitchFamily="34" charset="-122"/>
+                <a:ea typeface="微软雅黑" pitchFamily="34" charset="-122"/>
+              </a:rPr>
+              <a:t>第二代</a:t>
+            </a:r>
+            <a:endParaRPr lang="zh-CN" altLang="en-US" sz="2000" b="1" dirty="0">
+              <a:solidFill>
+                <a:schemeClr val="accent2"/>
+              </a:solidFill>
+              <a:latin typeface="微软雅黑" pitchFamily="34" charset="-122"/>
+              <a:ea typeface="微软雅黑" pitchFamily="34" charset="-122"/>
+            </a:endParaRPr>
+          </a:p>
+        </p:txBody>
+      </p:sp>
+      <p:sp>
+        <p:nvSpPr>
+          <p:cNvPr id="43" name="矩形 42"/>
+          <p:cNvSpPr/>
+          <p:nvPr/>
+        </p:nvSpPr>
+        <p:spPr>
+          <a:xfrm>
+            <a:off x="7989156" y="3169332"/>
+            <a:ext cx="856325" cy="400110"/>
+          </a:xfrm>
+          <a:prstGeom prst="rect">
+            <a:avLst/>
+          </a:prstGeom>
+        </p:spPr>
+        <p:txBody>
+          <a:bodyPr wrap="none">
+            <a:spAutoFit/>
+          </a:bodyPr>
+          <a:lstStyle/>
+          <a:p>
+            <a:pPr algn="ctr"/>
+            <a:r>
+              <a:rPr lang="zh-CN" altLang="en-US" sz="2000" b="1" dirty="0" smtClean="0">
+                <a:solidFill>
+                  <a:schemeClr val="accent2"/>
+                </a:solidFill>
+                <a:latin typeface="微软雅黑" pitchFamily="34" charset="-122"/>
+                <a:ea typeface="微软雅黑" pitchFamily="34" charset="-122"/>
+              </a:rPr>
+              <a:t>第</a:t>
+            </a:r>
+            <a:r>
+              <a:rPr lang="en-US" altLang="zh-CN" sz="2000" b="1" dirty="0">
+                <a:solidFill>
+                  <a:schemeClr val="accent2"/>
+                </a:solidFill>
+                <a:latin typeface="微软雅黑" pitchFamily="34" charset="-122"/>
+                <a:ea typeface="微软雅黑" pitchFamily="34" charset="-122"/>
+              </a:rPr>
+              <a:t>0</a:t>
+            </a:r>
+            <a:r>
+              <a:rPr lang="zh-CN" altLang="en-US" sz="2000" b="1" dirty="0" smtClean="0">
+                <a:solidFill>
+                  <a:schemeClr val="accent2"/>
+                </a:solidFill>
+                <a:latin typeface="微软雅黑" pitchFamily="34" charset="-122"/>
+                <a:ea typeface="微软雅黑" pitchFamily="34" charset="-122"/>
+              </a:rPr>
+              <a:t>代</a:t>
+            </a:r>
+            <a:endParaRPr lang="zh-CN" altLang="en-US" sz="2000" b="1" dirty="0">
+              <a:solidFill>
+                <a:schemeClr val="accent2"/>
+              </a:solidFill>
+              <a:latin typeface="微软雅黑" pitchFamily="34" charset="-122"/>
+              <a:ea typeface="微软雅黑" pitchFamily="34" charset="-122"/>
+            </a:endParaRPr>
+          </a:p>
+        </p:txBody>
+      </p:sp>
+      <p:sp>
+        <p:nvSpPr>
+          <p:cNvPr id="44" name="圆柱形 43"/>
+          <p:cNvSpPr/>
+          <p:nvPr/>
+        </p:nvSpPr>
+        <p:spPr>
+          <a:xfrm>
+            <a:off x="85065" y="5765282"/>
+            <a:ext cx="1224262" cy="502067"/>
+          </a:xfrm>
+          <a:prstGeom prst="can">
+            <a:avLst/>
+          </a:prstGeom>
+        </p:spPr>
+        <p:style>
+          <a:lnRef idx="1">
+            <a:schemeClr val="dk1"/>
+          </a:lnRef>
+          <a:fillRef idx="2">
+            <a:schemeClr val="dk1"/>
+          </a:fillRef>
+          <a:effectRef idx="1">
+            <a:schemeClr val="dk1"/>
+          </a:effectRef>
+          <a:fontRef idx="minor">
+            <a:schemeClr val="dk1"/>
+          </a:fontRef>
+        </p:style>
+        <p:txBody>
+          <a:bodyPr lIns="106061" tIns="53031" rIns="106061" bIns="53031" anchor="ctr"/>
+          <a:lstStyle/>
+          <a:p>
+            <a:pPr algn="ctr">
+              <a:defRPr/>
+            </a:pPr>
+            <a:r>
+              <a:rPr lang="en-US" altLang="zh-CN" sz="1200" dirty="0" err="1">
+                <a:latin typeface="微软雅黑" pitchFamily="34" charset="-122"/>
+                <a:ea typeface="微软雅黑" pitchFamily="34" charset="-122"/>
+              </a:rPr>
+              <a:t>redis</a:t>
+            </a:r>
+            <a:endParaRPr lang="zh-CN" altLang="en-US" sz="1200" dirty="0">
+              <a:latin typeface="微软雅黑" pitchFamily="34" charset="-122"/>
+              <a:ea typeface="微软雅黑" pitchFamily="34" charset="-122"/>
+            </a:endParaRPr>
+          </a:p>
+        </p:txBody>
+      </p:sp>
+      <p:sp>
+        <p:nvSpPr>
+          <p:cNvPr id="46" name="圆柱形 45"/>
+          <p:cNvSpPr/>
+          <p:nvPr/>
+        </p:nvSpPr>
+        <p:spPr>
+          <a:xfrm>
+            <a:off x="104414" y="4896378"/>
+            <a:ext cx="1224262" cy="502067"/>
+          </a:xfrm>
+          <a:prstGeom prst="can">
+            <a:avLst/>
+          </a:prstGeom>
+        </p:spPr>
+        <p:style>
+          <a:lnRef idx="1">
+            <a:schemeClr val="dk1"/>
+          </a:lnRef>
+          <a:fillRef idx="2">
+            <a:schemeClr val="dk1"/>
+          </a:fillRef>
+          <a:effectRef idx="1">
+            <a:schemeClr val="dk1"/>
+          </a:effectRef>
+          <a:fontRef idx="minor">
+            <a:schemeClr val="dk1"/>
+          </a:fontRef>
+        </p:style>
+        <p:txBody>
+          <a:bodyPr lIns="106061" tIns="53031" rIns="106061" bIns="53031" anchor="ctr"/>
+          <a:lstStyle/>
+          <a:p>
+            <a:pPr algn="ctr">
+              <a:defRPr/>
+            </a:pPr>
+            <a:r>
+              <a:rPr lang="en-US" altLang="zh-CN" sz="1200" dirty="0" err="1" smtClean="0">
+                <a:latin typeface="微软雅黑" pitchFamily="34" charset="-122"/>
+                <a:ea typeface="微软雅黑" pitchFamily="34" charset="-122"/>
+              </a:rPr>
+              <a:t>redis</a:t>
+            </a:r>
+            <a:endParaRPr lang="zh-CN" altLang="en-US" sz="1200" dirty="0">
+              <a:latin typeface="微软雅黑" pitchFamily="34" charset="-122"/>
+              <a:ea typeface="微软雅黑" pitchFamily="34" charset="-122"/>
+            </a:endParaRPr>
+          </a:p>
+        </p:txBody>
+      </p:sp>
+      <p:sp>
+        <p:nvSpPr>
+          <p:cNvPr id="53" name="圆柱形 52"/>
+          <p:cNvSpPr/>
+          <p:nvPr/>
+        </p:nvSpPr>
+        <p:spPr>
+          <a:xfrm>
+            <a:off x="239385" y="5323873"/>
+            <a:ext cx="1224262" cy="502067"/>
+          </a:xfrm>
+          <a:prstGeom prst="can">
+            <a:avLst/>
+          </a:prstGeom>
+        </p:spPr>
+        <p:style>
+          <a:lnRef idx="1">
+            <a:schemeClr val="dk1"/>
+          </a:lnRef>
+          <a:fillRef idx="2">
+            <a:schemeClr val="dk1"/>
+          </a:fillRef>
+          <a:effectRef idx="1">
+            <a:schemeClr val="dk1"/>
+          </a:effectRef>
+          <a:fontRef idx="minor">
+            <a:schemeClr val="dk1"/>
+          </a:fontRef>
+        </p:style>
+        <p:txBody>
+          <a:bodyPr lIns="106061" tIns="53031" rIns="106061" bIns="53031" anchor="ctr"/>
+          <a:lstStyle/>
+          <a:p>
+            <a:pPr algn="ctr">
+              <a:defRPr/>
+            </a:pPr>
+            <a:r>
+              <a:rPr lang="en-US" altLang="zh-CN" sz="1200" dirty="0" err="1">
+                <a:latin typeface="微软雅黑" pitchFamily="34" charset="-122"/>
+                <a:ea typeface="微软雅黑" pitchFamily="34" charset="-122"/>
+              </a:rPr>
+              <a:t>redis</a:t>
+            </a:r>
+            <a:endParaRPr lang="zh-CN" altLang="en-US" sz="1200" dirty="0">
+              <a:latin typeface="微软雅黑" pitchFamily="34" charset="-122"/>
+              <a:ea typeface="微软雅黑" pitchFamily="34" charset="-122"/>
+            </a:endParaRPr>
+          </a:p>
+        </p:txBody>
+      </p:sp>
+      <p:cxnSp>
+        <p:nvCxnSpPr>
+          <p:cNvPr id="54" name="直接连接符 53"/>
+          <p:cNvCxnSpPr/>
+          <p:nvPr/>
+        </p:nvCxnSpPr>
+        <p:spPr>
+          <a:xfrm flipH="1">
+            <a:off x="1463647" y="5553521"/>
+            <a:ext cx="1132636" cy="1"/>
+          </a:xfrm>
+          <a:prstGeom prst="line">
+            <a:avLst/>
+          </a:prstGeom>
+        </p:spPr>
+        <p:style>
+          <a:lnRef idx="1">
+            <a:schemeClr val="dk1"/>
+          </a:lnRef>
+          <a:fillRef idx="2">
+            <a:schemeClr val="dk1"/>
+          </a:fillRef>
+          <a:effectRef idx="1">
+            <a:schemeClr val="dk1"/>
+          </a:effectRef>
+          <a:fontRef idx="minor">
+            <a:schemeClr val="dk1"/>
+          </a:fontRef>
+        </p:style>
+      </p:cxnSp>
+      <p:sp>
+        <p:nvSpPr>
+          <p:cNvPr id="62" name="圆柱形 61"/>
+          <p:cNvSpPr/>
+          <p:nvPr/>
+        </p:nvSpPr>
+        <p:spPr>
+          <a:xfrm>
+            <a:off x="10172477" y="4446432"/>
+            <a:ext cx="1224262" cy="502067"/>
+          </a:xfrm>
+          <a:prstGeom prst="can">
+            <a:avLst/>
+          </a:prstGeom>
+        </p:spPr>
+        <p:style>
+          <a:lnRef idx="1">
+            <a:schemeClr val="dk1"/>
+          </a:lnRef>
+          <a:fillRef idx="2">
+            <a:schemeClr val="dk1"/>
+          </a:fillRef>
+          <a:effectRef idx="1">
+            <a:schemeClr val="dk1"/>
+          </a:effectRef>
+          <a:fontRef idx="minor">
+            <a:schemeClr val="dk1"/>
+          </a:fontRef>
+        </p:style>
+        <p:txBody>
+          <a:bodyPr lIns="106061" tIns="53031" rIns="106061" bIns="53031" anchor="ctr"/>
+          <a:lstStyle/>
+          <a:p>
+            <a:pPr algn="ctr">
+              <a:defRPr/>
+            </a:pPr>
+            <a:r>
+              <a:rPr lang="en-US" altLang="zh-CN" sz="1200" dirty="0" err="1">
+                <a:latin typeface="微软雅黑" pitchFamily="34" charset="-122"/>
+                <a:ea typeface="微软雅黑" pitchFamily="34" charset="-122"/>
+              </a:rPr>
+              <a:t>redis</a:t>
+            </a:r>
+            <a:endParaRPr lang="zh-CN" altLang="en-US" sz="1200" dirty="0">
+              <a:latin typeface="微软雅黑" pitchFamily="34" charset="-122"/>
+              <a:ea typeface="微软雅黑" pitchFamily="34" charset="-122"/>
+            </a:endParaRPr>
+          </a:p>
+        </p:txBody>
+      </p:sp>
+      <p:sp>
+        <p:nvSpPr>
+          <p:cNvPr id="63" name="圆柱形 62"/>
+          <p:cNvSpPr/>
+          <p:nvPr/>
+        </p:nvSpPr>
+        <p:spPr>
+          <a:xfrm>
+            <a:off x="10191826" y="3577528"/>
+            <a:ext cx="1224262" cy="502067"/>
+          </a:xfrm>
+          <a:prstGeom prst="can">
+            <a:avLst/>
+          </a:prstGeom>
+        </p:spPr>
+        <p:style>
+          <a:lnRef idx="1">
+            <a:schemeClr val="dk1"/>
+          </a:lnRef>
+          <a:fillRef idx="2">
+            <a:schemeClr val="dk1"/>
+          </a:fillRef>
+          <a:effectRef idx="1">
+            <a:schemeClr val="dk1"/>
+          </a:effectRef>
+          <a:fontRef idx="minor">
+            <a:schemeClr val="dk1"/>
+          </a:fontRef>
+        </p:style>
+        <p:txBody>
+          <a:bodyPr lIns="106061" tIns="53031" rIns="106061" bIns="53031" anchor="ctr"/>
+          <a:lstStyle/>
+          <a:p>
+            <a:pPr algn="ctr">
+              <a:defRPr/>
+            </a:pPr>
+            <a:r>
+              <a:rPr lang="en-US" altLang="zh-CN" sz="1200" dirty="0" err="1" smtClean="0">
+                <a:latin typeface="微软雅黑" pitchFamily="34" charset="-122"/>
+                <a:ea typeface="微软雅黑" pitchFamily="34" charset="-122"/>
+              </a:rPr>
+              <a:t>redis</a:t>
+            </a:r>
+            <a:endParaRPr lang="zh-CN" altLang="en-US" sz="1200" dirty="0">
+              <a:latin typeface="微软雅黑" pitchFamily="34" charset="-122"/>
+              <a:ea typeface="微软雅黑" pitchFamily="34" charset="-122"/>
+            </a:endParaRPr>
+          </a:p>
+        </p:txBody>
+      </p:sp>
+      <p:sp>
+        <p:nvSpPr>
+          <p:cNvPr id="64" name="圆柱形 63"/>
+          <p:cNvSpPr/>
+          <p:nvPr/>
+        </p:nvSpPr>
+        <p:spPr>
+          <a:xfrm>
+            <a:off x="10326797" y="4005023"/>
+            <a:ext cx="1224262" cy="502067"/>
+          </a:xfrm>
+          <a:prstGeom prst="can">
+            <a:avLst/>
+          </a:prstGeom>
+        </p:spPr>
+        <p:style>
+          <a:lnRef idx="1">
+            <a:schemeClr val="dk1"/>
+          </a:lnRef>
+          <a:fillRef idx="2">
+            <a:schemeClr val="dk1"/>
+          </a:fillRef>
+          <a:effectRef idx="1">
+            <a:schemeClr val="dk1"/>
+          </a:effectRef>
+          <a:fontRef idx="minor">
+            <a:schemeClr val="dk1"/>
+          </a:fontRef>
+        </p:style>
+        <p:txBody>
+          <a:bodyPr lIns="106061" tIns="53031" rIns="106061" bIns="53031" anchor="ctr"/>
+          <a:lstStyle/>
+          <a:p>
+            <a:pPr algn="ctr">
+              <a:defRPr/>
+            </a:pPr>
+            <a:r>
+              <a:rPr lang="en-US" altLang="zh-CN" sz="1200" dirty="0" err="1">
+                <a:latin typeface="微软雅黑" pitchFamily="34" charset="-122"/>
+                <a:ea typeface="微软雅黑" pitchFamily="34" charset="-122"/>
+              </a:rPr>
+              <a:t>redis</a:t>
+            </a:r>
+            <a:endParaRPr lang="zh-CN" altLang="en-US" sz="1200" dirty="0">
+              <a:latin typeface="微软雅黑" pitchFamily="34" charset="-122"/>
+              <a:ea typeface="微软雅黑" pitchFamily="34" charset="-122"/>
+            </a:endParaRPr>
+          </a:p>
+        </p:txBody>
+      </p:sp>
+      <p:cxnSp>
+        <p:nvCxnSpPr>
+          <p:cNvPr id="66" name="直接连接符 65"/>
+          <p:cNvCxnSpPr/>
+          <p:nvPr/>
+        </p:nvCxnSpPr>
+        <p:spPr>
+          <a:xfrm flipH="1">
+            <a:off x="9020753" y="4507089"/>
+            <a:ext cx="1132636" cy="1"/>
+          </a:xfrm>
+          <a:prstGeom prst="line">
+            <a:avLst/>
+          </a:prstGeom>
+        </p:spPr>
+        <p:style>
+          <a:lnRef idx="1">
+            <a:schemeClr val="dk1"/>
+          </a:lnRef>
+          <a:fillRef idx="2">
+            <a:schemeClr val="dk1"/>
+          </a:fillRef>
+          <a:effectRef idx="1">
+            <a:schemeClr val="dk1"/>
+          </a:effectRef>
+          <a:fontRef idx="minor">
+            <a:schemeClr val="dk1"/>
+          </a:fontRef>
+        </p:style>
+      </p:cxnSp>
+      <p:sp>
+        <p:nvSpPr>
+          <p:cNvPr id="67" name="TextBox 66"/>
+          <p:cNvSpPr txBox="1"/>
+          <p:nvPr/>
+        </p:nvSpPr>
+        <p:spPr>
+          <a:xfrm>
+            <a:off x="1742475" y="5473017"/>
+            <a:ext cx="907973" cy="968872"/>
+          </a:xfrm>
+          <a:prstGeom prst="rect">
+            <a:avLst/>
+          </a:prstGeom>
+          <a:noFill/>
+        </p:spPr>
+        <p:txBody>
+          <a:bodyPr wrap="none" lIns="106061" tIns="53031" rIns="106061" bIns="53031" rtlCol="0">
+            <a:spAutoFit/>
+          </a:bodyPr>
+          <a:lstStyle/>
+          <a:p>
+            <a:pPr marL="331441" indent="-331441">
+              <a:buFont typeface="Wingdings" pitchFamily="2" charset="2"/>
+              <a:buChar char="u"/>
+            </a:pPr>
+            <a:r>
+              <a:rPr lang="zh-CN" altLang="en-US" sz="1400" dirty="0" smtClean="0"/>
+              <a:t>创建</a:t>
+            </a:r>
+            <a:endParaRPr lang="en-US" altLang="zh-CN" sz="1400" dirty="0" smtClean="0"/>
+          </a:p>
+          <a:p>
+            <a:pPr marL="331441" indent="-331441">
+              <a:buFont typeface="Wingdings" pitchFamily="2" charset="2"/>
+              <a:buChar char="u"/>
+            </a:pPr>
+            <a:r>
+              <a:rPr lang="zh-CN" altLang="en-US" sz="1400" dirty="0" smtClean="0"/>
+              <a:t>修改</a:t>
+            </a:r>
+            <a:endParaRPr lang="en-US" altLang="zh-CN" sz="1400" dirty="0" smtClean="0"/>
+          </a:p>
+          <a:p>
+            <a:pPr marL="331441" indent="-331441">
+              <a:buFont typeface="Wingdings" pitchFamily="2" charset="2"/>
+              <a:buChar char="u"/>
+            </a:pPr>
+            <a:r>
+              <a:rPr lang="zh-CN" altLang="en-US" sz="1400" dirty="0" smtClean="0"/>
+              <a:t>销毁</a:t>
+            </a:r>
+            <a:endParaRPr lang="en-US" altLang="zh-CN" sz="1400" dirty="0" smtClean="0"/>
+          </a:p>
+          <a:p>
+            <a:pPr marL="331441" indent="-331441">
+              <a:buFont typeface="Wingdings" pitchFamily="2" charset="2"/>
+              <a:buChar char="u"/>
+            </a:pPr>
+            <a:r>
+              <a:rPr lang="zh-CN" altLang="en-US" sz="1400" dirty="0"/>
+              <a:t>查询</a:t>
+            </a:r>
+          </a:p>
+        </p:txBody>
+      </p:sp>
+      <p:cxnSp>
+        <p:nvCxnSpPr>
+          <p:cNvPr id="7" name="直接箭头连接符 6"/>
+          <p:cNvCxnSpPr/>
+          <p:nvPr/>
+        </p:nvCxnSpPr>
+        <p:spPr>
+          <a:xfrm>
+            <a:off x="7320217" y="5553521"/>
+            <a:ext cx="0" cy="1220461"/>
+          </a:xfrm>
+          <a:prstGeom prst="straightConnector1">
+            <a:avLst/>
+          </a:prstGeom>
+          <a:ln>
+            <a:tailEnd type="arrow"/>
+          </a:ln>
+        </p:spPr>
+        <p:style>
+          <a:lnRef idx="1">
+            <a:schemeClr val="accent1"/>
+          </a:lnRef>
+          <a:fillRef idx="0">
+            <a:schemeClr val="accent1"/>
+          </a:fillRef>
+          <a:effectRef idx="0">
+            <a:schemeClr val="accent1"/>
+          </a:effectRef>
+          <a:fontRef idx="minor">
+            <a:schemeClr val="tx1"/>
+          </a:fontRef>
+        </p:style>
+      </p:cxnSp>
+      <p:sp>
+        <p:nvSpPr>
+          <p:cNvPr id="68" name="TextBox 67"/>
+          <p:cNvSpPr txBox="1"/>
+          <p:nvPr/>
+        </p:nvSpPr>
+        <p:spPr>
+          <a:xfrm>
+            <a:off x="6979519" y="6779685"/>
+            <a:ext cx="2271776" cy="307777"/>
+          </a:xfrm>
+          <a:prstGeom prst="rect">
+            <a:avLst/>
+          </a:prstGeom>
+          <a:noFill/>
+        </p:spPr>
+        <p:txBody>
+          <a:bodyPr wrap="none" rtlCol="0">
+            <a:spAutoFit/>
+          </a:bodyPr>
+          <a:lstStyle/>
+          <a:p>
+            <a:pPr algn="just"/>
+            <a:r>
+              <a:rPr lang="zh-CN" altLang="en-US" sz="1400" dirty="0" smtClean="0">
+                <a:solidFill>
+                  <a:srgbClr val="00B050"/>
+                </a:solidFill>
+                <a:latin typeface="微软雅黑" pitchFamily="34" charset="-122"/>
+                <a:ea typeface="微软雅黑" pitchFamily="34" charset="-122"/>
+              </a:rPr>
+              <a:t>典型代表：</a:t>
+            </a:r>
+            <a:r>
+              <a:rPr lang="en-US" altLang="zh-CN" sz="1400" dirty="0" err="1" smtClean="0">
+                <a:solidFill>
+                  <a:srgbClr val="00B050"/>
+                </a:solidFill>
+                <a:latin typeface="微软雅黑" pitchFamily="34" charset="-122"/>
+                <a:ea typeface="微软雅黑" pitchFamily="34" charset="-122"/>
+              </a:rPr>
+              <a:t>bboss</a:t>
+            </a:r>
+            <a:r>
+              <a:rPr lang="en-US" altLang="zh-CN" sz="1400" dirty="0" smtClean="0">
+                <a:solidFill>
+                  <a:srgbClr val="00B050"/>
+                </a:solidFill>
+                <a:latin typeface="微软雅黑" pitchFamily="34" charset="-122"/>
+                <a:ea typeface="微软雅黑" pitchFamily="34" charset="-122"/>
+              </a:rPr>
+              <a:t> session</a:t>
+            </a:r>
+            <a:endParaRPr lang="zh-CN" altLang="en-US" sz="1400" dirty="0">
+              <a:solidFill>
+                <a:srgbClr val="00B050"/>
+              </a:solidFill>
+              <a:latin typeface="微软雅黑" pitchFamily="34" charset="-122"/>
+              <a:ea typeface="微软雅黑" pitchFamily="34" charset="-122"/>
+            </a:endParaRPr>
+          </a:p>
+        </p:txBody>
+      </p:sp>
+      <p:cxnSp>
+        <p:nvCxnSpPr>
+          <p:cNvPr id="69" name="直接箭头连接符 68"/>
+          <p:cNvCxnSpPr/>
+          <p:nvPr/>
+        </p:nvCxnSpPr>
+        <p:spPr>
+          <a:xfrm>
+            <a:off x="1804591" y="5553521"/>
+            <a:ext cx="0" cy="1220461"/>
+          </a:xfrm>
+          <a:prstGeom prst="straightConnector1">
+            <a:avLst/>
+          </a:prstGeom>
+          <a:ln>
+            <a:tailEnd type="arrow"/>
+          </a:ln>
+        </p:spPr>
+        <p:style>
+          <a:lnRef idx="1">
+            <a:schemeClr val="accent1"/>
+          </a:lnRef>
+          <a:fillRef idx="0">
+            <a:schemeClr val="accent1"/>
+          </a:fillRef>
+          <a:effectRef idx="0">
+            <a:schemeClr val="accent1"/>
+          </a:effectRef>
+          <a:fontRef idx="minor">
+            <a:schemeClr val="tx1"/>
+          </a:fontRef>
+        </p:style>
+      </p:cxnSp>
+      <p:sp>
+        <p:nvSpPr>
+          <p:cNvPr id="72" name="TextBox 71"/>
+          <p:cNvSpPr txBox="1"/>
+          <p:nvPr/>
+        </p:nvSpPr>
+        <p:spPr>
+          <a:xfrm>
+            <a:off x="89186" y="6742844"/>
+            <a:ext cx="2302233" cy="307777"/>
+          </a:xfrm>
+          <a:prstGeom prst="rect">
+            <a:avLst/>
+          </a:prstGeom>
+          <a:noFill/>
+        </p:spPr>
+        <p:txBody>
+          <a:bodyPr wrap="none" rtlCol="0">
+            <a:spAutoFit/>
+          </a:bodyPr>
+          <a:lstStyle/>
+          <a:p>
+            <a:pPr algn="just"/>
+            <a:r>
+              <a:rPr lang="zh-CN" altLang="en-US" sz="1400" dirty="0" smtClean="0">
+                <a:solidFill>
+                  <a:srgbClr val="00B050"/>
+                </a:solidFill>
+                <a:latin typeface="微软雅黑" pitchFamily="34" charset="-122"/>
+                <a:ea typeface="微软雅黑" pitchFamily="34" charset="-122"/>
+              </a:rPr>
+              <a:t>典型代表：</a:t>
+            </a:r>
+            <a:r>
+              <a:rPr lang="en-US" altLang="zh-CN" sz="1400" dirty="0" smtClean="0">
+                <a:solidFill>
+                  <a:srgbClr val="00B050"/>
+                </a:solidFill>
+                <a:latin typeface="微软雅黑" pitchFamily="34" charset="-122"/>
+                <a:ea typeface="微软雅黑" pitchFamily="34" charset="-122"/>
+              </a:rPr>
+              <a:t>spring session</a:t>
+            </a:r>
+            <a:endParaRPr lang="zh-CN" altLang="en-US" sz="1400" dirty="0">
+              <a:solidFill>
+                <a:srgbClr val="00B050"/>
+              </a:solidFill>
+              <a:latin typeface="微软雅黑" pitchFamily="34" charset="-122"/>
+              <a:ea typeface="微软雅黑" pitchFamily="34" charset="-122"/>
+            </a:endParaRPr>
+          </a:p>
+        </p:txBody>
+      </p:sp>
+      <p:sp>
+        <p:nvSpPr>
+          <p:cNvPr id="73" name="TextBox 72"/>
+          <p:cNvSpPr txBox="1"/>
+          <p:nvPr/>
+        </p:nvSpPr>
+        <p:spPr>
+          <a:xfrm>
+            <a:off x="8028769" y="2471381"/>
+            <a:ext cx="3434723" cy="307777"/>
+          </a:xfrm>
+          <a:prstGeom prst="rect">
+            <a:avLst/>
+          </a:prstGeom>
+          <a:noFill/>
+        </p:spPr>
+        <p:txBody>
+          <a:bodyPr wrap="none" rtlCol="0">
+            <a:spAutoFit/>
+          </a:bodyPr>
+          <a:lstStyle/>
+          <a:p>
+            <a:pPr algn="just"/>
+            <a:r>
+              <a:rPr lang="zh-CN" altLang="en-US" sz="1400" dirty="0" smtClean="0">
+                <a:solidFill>
+                  <a:srgbClr val="00B050"/>
+                </a:solidFill>
+                <a:latin typeface="微软雅黑" pitchFamily="34" charset="-122"/>
+                <a:ea typeface="微软雅黑" pitchFamily="34" charset="-122"/>
+              </a:rPr>
+              <a:t>典型代表：</a:t>
+            </a:r>
+            <a:r>
+              <a:rPr lang="en-US" altLang="zh-CN" sz="1400" dirty="0" smtClean="0">
+                <a:solidFill>
+                  <a:srgbClr val="00B050"/>
+                </a:solidFill>
+                <a:latin typeface="微软雅黑" pitchFamily="34" charset="-122"/>
+                <a:ea typeface="微软雅黑" pitchFamily="34" charset="-122"/>
+              </a:rPr>
+              <a:t>tomcat </a:t>
+            </a:r>
+            <a:r>
+              <a:rPr lang="en-US" altLang="zh-CN" sz="1400" dirty="0" err="1" smtClean="0">
+                <a:solidFill>
+                  <a:srgbClr val="00B050"/>
+                </a:solidFill>
+                <a:latin typeface="微软雅黑" pitchFamily="34" charset="-122"/>
+                <a:ea typeface="微软雅黑" pitchFamily="34" charset="-122"/>
+              </a:rPr>
+              <a:t>redis</a:t>
+            </a:r>
+            <a:r>
+              <a:rPr lang="en-US" altLang="zh-CN" sz="1400" dirty="0" smtClean="0">
+                <a:solidFill>
+                  <a:srgbClr val="00B050"/>
+                </a:solidFill>
+                <a:latin typeface="微软雅黑" pitchFamily="34" charset="-122"/>
+                <a:ea typeface="微软雅黑" pitchFamily="34" charset="-122"/>
+              </a:rPr>
+              <a:t> session plugin</a:t>
+            </a:r>
+            <a:endParaRPr lang="zh-CN" altLang="en-US" sz="1400" dirty="0">
+              <a:solidFill>
+                <a:srgbClr val="00B050"/>
+              </a:solidFill>
+              <a:latin typeface="微软雅黑" pitchFamily="34" charset="-122"/>
+              <a:ea typeface="微软雅黑" pitchFamily="34" charset="-122"/>
+            </a:endParaRPr>
+          </a:p>
+        </p:txBody>
+      </p:sp>
+      <p:cxnSp>
+        <p:nvCxnSpPr>
+          <p:cNvPr id="9" name="直接箭头连接符 8"/>
+          <p:cNvCxnSpPr/>
+          <p:nvPr/>
+        </p:nvCxnSpPr>
+        <p:spPr>
+          <a:xfrm flipV="1">
+            <a:off x="9587071" y="2779158"/>
+            <a:ext cx="0" cy="1161286"/>
+          </a:xfrm>
+          <a:prstGeom prst="straightConnector1">
+            <a:avLst/>
+          </a:prstGeom>
+          <a:ln>
+            <a:tailEnd type="arrow"/>
+          </a:ln>
+        </p:spPr>
+        <p:style>
+          <a:lnRef idx="1">
+            <a:schemeClr val="accent1"/>
+          </a:lnRef>
+          <a:fillRef idx="0">
+            <a:schemeClr val="accent1"/>
+          </a:fillRef>
+          <a:effectRef idx="0">
+            <a:schemeClr val="accent1"/>
+          </a:effectRef>
+          <a:fontRef idx="minor">
+            <a:schemeClr val="tx1"/>
+          </a:fontRef>
+        </p:style>
+      </p:cxnSp>
     </p:spTree>
     <p:extLst>
       <p:ext uri="{BB962C8B-B14F-4D97-AF65-F5344CB8AC3E}">
         <p14:creationId xmlns:p14="http://schemas.microsoft.com/office/powerpoint/2010/main" val="3947734805"/>
+      </p:ext>
+    </p:extLst>
+  </p:cSld>
+  <p:clrMapOvr>
+    <a:masterClrMapping/>
+  </p:clrMapOvr>
+  <p:timing>
+    <p:tnLst>
+      <p:par>
+        <p:cTn id="1" dur="indefinite" restart="never" nodeType="tmRoot"/>
+      </p:par>
+    </p:tnLst>
+  </p:timing>
+</p:sld>
+</file>
+
+<file path=ppt/slides/slide5.xml><?xml version="1.0" encoding="utf-8"?>
+<p:sld xmlns:a="http://schemas.openxmlformats.org/drawingml/2006/main" xmlns:r="http://schemas.openxmlformats.org/officeDocument/2006/relationships" xmlns:p="http://schemas.openxmlformats.org/presentationml/2006/main">
+  <p:cSld>
+    <p:spTree>
+      <p:nvGrpSpPr>
+        <p:cNvPr id="1" name=""/>
+        <p:cNvGrpSpPr/>
+        <p:nvPr/>
+      </p:nvGrpSpPr>
+      <p:grpSpPr>
+        <a:xfrm>
+          <a:off x="0" y="0"/>
+          <a:ext cx="0" cy="0"/>
+          <a:chOff x="0" y="0"/>
+          <a:chExt cx="0" cy="0"/>
+        </a:xfrm>
+      </p:grpSpPr>
+      <p:sp>
+        <p:nvSpPr>
+          <p:cNvPr id="2" name="页脚占位符 1"/>
+          <p:cNvSpPr>
+            <a:spLocks noGrp="1"/>
+          </p:cNvSpPr>
+          <p:nvPr>
+            <p:ph type="ftr" sz="quarter" idx="11"/>
+          </p:nvPr>
+        </p:nvSpPr>
+        <p:spPr>
+          <a:xfrm>
+            <a:off x="122949" y="7670952"/>
+            <a:ext cx="3860297" cy="228048"/>
+          </a:xfrm>
+        </p:spPr>
+        <p:txBody>
+          <a:bodyPr/>
+          <a:lstStyle/>
+          <a:p>
+            <a:r>
+              <a:rPr lang="zh-CN" altLang="en-US" dirty="0" smtClean="0">
+                <a:latin typeface="微软雅黑" pitchFamily="34" charset="-122"/>
+                <a:ea typeface="微软雅黑" pitchFamily="34" charset="-122"/>
+              </a:rPr>
+              <a:t>信息化创造价值</a:t>
+            </a:r>
+            <a:endParaRPr lang="zh-CN" altLang="en-US" dirty="0">
+              <a:latin typeface="微软雅黑" pitchFamily="34" charset="-122"/>
+              <a:ea typeface="微软雅黑" pitchFamily="34" charset="-122"/>
+            </a:endParaRPr>
+          </a:p>
+        </p:txBody>
+      </p:sp>
+      <p:sp>
+        <p:nvSpPr>
+          <p:cNvPr id="3" name="灯片编号占位符 2"/>
+          <p:cNvSpPr>
+            <a:spLocks noGrp="1"/>
+          </p:cNvSpPr>
+          <p:nvPr>
+            <p:ph type="sldNum" sz="quarter" idx="12"/>
+          </p:nvPr>
+        </p:nvSpPr>
+        <p:spPr>
+          <a:xfrm>
+            <a:off x="10545624" y="7651078"/>
+            <a:ext cx="1439973" cy="271049"/>
+          </a:xfrm>
+        </p:spPr>
+        <p:txBody>
+          <a:bodyPr/>
+          <a:lstStyle/>
+          <a:p>
+            <a:fld id="{0C913308-F349-4B6D-A68A-DD1791B4A57B}" type="slidenum">
+              <a:rPr lang="zh-CN" altLang="en-US" smtClean="0">
+                <a:latin typeface="微软雅黑" pitchFamily="34" charset="-122"/>
+                <a:ea typeface="微软雅黑" pitchFamily="34" charset="-122"/>
+              </a:rPr>
+              <a:pPr/>
+              <a:t>5</a:t>
+            </a:fld>
+            <a:endParaRPr lang="zh-CN" altLang="en-US" dirty="0">
+              <a:latin typeface="微软雅黑" pitchFamily="34" charset="-122"/>
+              <a:ea typeface="微软雅黑" pitchFamily="34" charset="-122"/>
+            </a:endParaRPr>
+          </a:p>
+        </p:txBody>
+      </p:sp>
+      <p:sp>
+        <p:nvSpPr>
+          <p:cNvPr id="5" name="标题 4"/>
+          <p:cNvSpPr>
+            <a:spLocks noGrp="1"/>
+          </p:cNvSpPr>
+          <p:nvPr>
+            <p:ph type="title"/>
+          </p:nvPr>
+        </p:nvSpPr>
+        <p:spPr/>
+        <p:txBody>
+          <a:bodyPr/>
+          <a:lstStyle/>
+          <a:p>
+            <a:pPr eaLnBrk="0" hangingPunct="0">
+              <a:spcBef>
+                <a:spcPct val="25000"/>
+              </a:spcBef>
+            </a:pPr>
+            <a:r>
+              <a:rPr lang="en-US" altLang="zh-CN" dirty="0" err="1" smtClean="0">
+                <a:solidFill>
+                  <a:srgbClr val="000066"/>
+                </a:solidFill>
+                <a:latin typeface="微软雅黑" pitchFamily="34" charset="-122"/>
+                <a:ea typeface="微软雅黑" pitchFamily="34" charset="-122"/>
+                <a:cs typeface="Arial Unicode MS" pitchFamily="34" charset="-122"/>
+              </a:rPr>
+              <a:t>bboss</a:t>
+            </a:r>
+            <a:r>
+              <a:rPr lang="zh-CN" altLang="en-US" dirty="0" smtClean="0">
+                <a:solidFill>
+                  <a:srgbClr val="000066"/>
+                </a:solidFill>
+                <a:latin typeface="微软雅黑" pitchFamily="34" charset="-122"/>
+                <a:ea typeface="微软雅黑" pitchFamily="34" charset="-122"/>
+                <a:cs typeface="Arial Unicode MS" pitchFamily="34" charset="-122"/>
+              </a:rPr>
+              <a:t>会话</a:t>
+            </a:r>
+            <a:r>
+              <a:rPr lang="zh-CN" altLang="en-US" dirty="0">
+                <a:solidFill>
+                  <a:srgbClr val="000066"/>
+                </a:solidFill>
+                <a:latin typeface="微软雅黑" pitchFamily="34" charset="-122"/>
+                <a:ea typeface="微软雅黑" pitchFamily="34" charset="-122"/>
+                <a:cs typeface="Arial Unicode MS" pitchFamily="34" charset="-122"/>
+              </a:rPr>
+              <a:t>共享概述</a:t>
+            </a:r>
+          </a:p>
+        </p:txBody>
+      </p:sp>
+      <p:sp>
+        <p:nvSpPr>
+          <p:cNvPr id="10" name="灯片编号占位符 2"/>
+          <p:cNvSpPr txBox="1">
+            <a:spLocks/>
+          </p:cNvSpPr>
+          <p:nvPr/>
+        </p:nvSpPr>
+        <p:spPr>
+          <a:xfrm>
+            <a:off x="5174577" y="7466412"/>
+            <a:ext cx="3081466" cy="424542"/>
+          </a:xfrm>
+          <a:prstGeom prst="rect">
+            <a:avLst/>
+          </a:prstGeom>
+        </p:spPr>
+        <p:txBody>
+          <a:bodyPr vert="horz" lIns="106061" tIns="53031" rIns="106061" bIns="53031" rtlCol="0" anchor="ctr"/>
+          <a:lstStyle>
+            <a:defPPr>
+              <a:defRPr lang="zh-CN"/>
+            </a:defPPr>
+            <a:lvl1pPr marL="0" algn="ctr" defTabSz="914400" rtl="0" eaLnBrk="1" latinLnBrk="0" hangingPunct="1">
+              <a:defRPr sz="1000" kern="1200">
+                <a:solidFill>
+                  <a:schemeClr val="tx1">
+                    <a:lumMod val="65000"/>
+                    <a:lumOff val="35000"/>
+                  </a:schemeClr>
+                </a:solidFill>
+                <a:latin typeface="微软雅黑" pitchFamily="34" charset="-122"/>
+                <a:ea typeface="微软雅黑" pitchFamily="34" charset="-122"/>
+                <a:cs typeface="+mn-cs"/>
+              </a:defRPr>
+            </a:lvl1pPr>
+            <a:lvl2pPr marL="457200" algn="l" defTabSz="914400" rtl="0" eaLnBrk="1" latinLnBrk="0" hangingPunct="1">
+              <a:defRPr sz="1800" kern="1200">
+                <a:solidFill>
+                  <a:schemeClr val="tx1"/>
+                </a:solidFill>
+                <a:latin typeface="+mn-lt"/>
+                <a:ea typeface="+mn-ea"/>
+                <a:cs typeface="+mn-cs"/>
+              </a:defRPr>
+            </a:lvl2pPr>
+            <a:lvl3pPr marL="914400" algn="l" defTabSz="914400" rtl="0" eaLnBrk="1" latinLnBrk="0" hangingPunct="1">
+              <a:defRPr sz="1800" kern="1200">
+                <a:solidFill>
+                  <a:schemeClr val="tx1"/>
+                </a:solidFill>
+                <a:latin typeface="+mn-lt"/>
+                <a:ea typeface="+mn-ea"/>
+                <a:cs typeface="+mn-cs"/>
+              </a:defRPr>
+            </a:lvl3pPr>
+            <a:lvl4pPr marL="1371600" algn="l" defTabSz="914400" rtl="0" eaLnBrk="1" latinLnBrk="0" hangingPunct="1">
+              <a:defRPr sz="1800" kern="1200">
+                <a:solidFill>
+                  <a:schemeClr val="tx1"/>
+                </a:solidFill>
+                <a:latin typeface="+mn-lt"/>
+                <a:ea typeface="+mn-ea"/>
+                <a:cs typeface="+mn-cs"/>
+              </a:defRPr>
+            </a:lvl4pPr>
+            <a:lvl5pPr marL="1828800" algn="l" defTabSz="914400" rtl="0" eaLnBrk="1" latinLnBrk="0" hangingPunct="1">
+              <a:defRPr sz="1800" kern="1200">
+                <a:solidFill>
+                  <a:schemeClr val="tx1"/>
+                </a:solidFill>
+                <a:latin typeface="+mn-lt"/>
+                <a:ea typeface="+mn-ea"/>
+                <a:cs typeface="+mn-cs"/>
+              </a:defRPr>
+            </a:lvl5pPr>
+            <a:lvl6pPr marL="2286000" algn="l" defTabSz="914400" rtl="0" eaLnBrk="1" latinLnBrk="0" hangingPunct="1">
+              <a:defRPr sz="1800" kern="1200">
+                <a:solidFill>
+                  <a:schemeClr val="tx1"/>
+                </a:solidFill>
+                <a:latin typeface="+mn-lt"/>
+                <a:ea typeface="+mn-ea"/>
+                <a:cs typeface="+mn-cs"/>
+              </a:defRPr>
+            </a:lvl6pPr>
+            <a:lvl7pPr marL="2743200" algn="l" defTabSz="914400" rtl="0" eaLnBrk="1" latinLnBrk="0" hangingPunct="1">
+              <a:defRPr sz="1800" kern="1200">
+                <a:solidFill>
+                  <a:schemeClr val="tx1"/>
+                </a:solidFill>
+                <a:latin typeface="+mn-lt"/>
+                <a:ea typeface="+mn-ea"/>
+                <a:cs typeface="+mn-cs"/>
+              </a:defRPr>
+            </a:lvl7pPr>
+            <a:lvl8pPr marL="3200400" algn="l" defTabSz="914400" rtl="0" eaLnBrk="1" latinLnBrk="0" hangingPunct="1">
+              <a:defRPr sz="1800" kern="1200">
+                <a:solidFill>
+                  <a:schemeClr val="tx1"/>
+                </a:solidFill>
+                <a:latin typeface="+mn-lt"/>
+                <a:ea typeface="+mn-ea"/>
+                <a:cs typeface="+mn-cs"/>
+              </a:defRPr>
+            </a:lvl8pPr>
+            <a:lvl9pPr marL="3657600" algn="l" defTabSz="914400" rtl="0" eaLnBrk="1" latinLnBrk="0" hangingPunct="1">
+              <a:defRPr sz="1800" kern="1200">
+                <a:solidFill>
+                  <a:schemeClr val="tx1"/>
+                </a:solidFill>
+                <a:latin typeface="+mn-lt"/>
+                <a:ea typeface="+mn-ea"/>
+                <a:cs typeface="+mn-cs"/>
+              </a:defRPr>
+            </a:lvl9pPr>
+          </a:lstStyle>
+          <a:p>
+            <a:pPr>
+              <a:defRPr/>
+            </a:pPr>
+            <a:fld id="{301FC112-2E99-46E8-A5F4-6769E899F8EF}" type="slidenum">
+              <a:rPr lang="zh-CN" altLang="en-US" smtClean="0"/>
+              <a:pPr>
+                <a:defRPr/>
+              </a:pPr>
+              <a:t>5</a:t>
+            </a:fld>
+            <a:endParaRPr lang="zh-CN" altLang="en-US" dirty="0"/>
+          </a:p>
+        </p:txBody>
+      </p:sp>
+      <p:sp>
+        <p:nvSpPr>
+          <p:cNvPr id="11" name="Rectangle 2"/>
+          <p:cNvSpPr>
+            <a:spLocks noChangeArrowheads="1"/>
+          </p:cNvSpPr>
+          <p:nvPr/>
+        </p:nvSpPr>
+        <p:spPr bwMode="auto">
+          <a:xfrm>
+            <a:off x="1803165" y="2"/>
+            <a:ext cx="11098356" cy="721723"/>
+          </a:xfrm>
+          <a:prstGeom prst="rect">
+            <a:avLst/>
+          </a:prstGeom>
+          <a:noFill/>
+          <a:ln>
+            <a:noFill/>
+          </a:ln>
+          <a:extLst>
+            <a:ext uri="{909E8E84-426E-40DD-AFC4-6F175D3DCCD1}">
+              <a14:hiddenFill xmlns:a14="http://schemas.microsoft.com/office/drawing/2010/main">
+                <a:solidFill>
+                  <a:srgbClr val="FFFFFF"/>
+                </a:solidFill>
+              </a14:hiddenFill>
+            </a:ext>
+            <a:ext uri="{91240B29-F687-4F45-9708-019B960494DF}">
+              <a14:hiddenLine xmlns:a14="http://schemas.microsoft.com/office/drawing/2010/main" w="9525">
+                <a:solidFill>
+                  <a:srgbClr val="000000"/>
+                </a:solidFill>
+                <a:miter lim="800000"/>
+                <a:headEnd/>
+                <a:tailEnd/>
+              </a14:hiddenLine>
+            </a:ext>
+          </a:extLst>
+        </p:spPr>
+        <p:txBody>
+          <a:bodyPr lIns="106061" tIns="53031" rIns="106061" bIns="53031" anchor="ctr"/>
+          <a:lstStyle/>
+          <a:p>
+            <a:pPr eaLnBrk="0" hangingPunct="0">
+              <a:spcBef>
+                <a:spcPct val="25000"/>
+              </a:spcBef>
+            </a:pPr>
+            <a:endParaRPr lang="zh-CN" altLang="en-US" sz="3200" b="1" dirty="0">
+              <a:solidFill>
+                <a:srgbClr val="000066"/>
+              </a:solidFill>
+              <a:latin typeface="微软雅黑" pitchFamily="34" charset="-122"/>
+              <a:ea typeface="微软雅黑" pitchFamily="34" charset="-122"/>
+              <a:cs typeface="Arial Unicode MS" pitchFamily="34" charset="-122"/>
+            </a:endParaRPr>
+          </a:p>
+        </p:txBody>
+      </p:sp>
+      <p:cxnSp>
+        <p:nvCxnSpPr>
+          <p:cNvPr id="12" name="直接连接符 70"/>
+          <p:cNvCxnSpPr>
+            <a:cxnSpLocks noChangeShapeType="1"/>
+          </p:cNvCxnSpPr>
+          <p:nvPr/>
+        </p:nvCxnSpPr>
+        <p:spPr bwMode="auto">
+          <a:xfrm>
+            <a:off x="1" y="1642795"/>
+            <a:ext cx="12190413" cy="0"/>
+          </a:xfrm>
+          <a:prstGeom prst="line">
+            <a:avLst/>
+          </a:prstGeom>
+          <a:noFill/>
+          <a:ln w="3175" algn="ctr">
+            <a:solidFill>
+              <a:schemeClr val="tx1"/>
+            </a:solidFill>
+            <a:prstDash val="lgDash"/>
+            <a:round/>
+            <a:headEnd/>
+            <a:tailEnd/>
+          </a:ln>
+          <a:extLst>
+            <a:ext uri="{909E8E84-426E-40DD-AFC4-6F175D3DCCD1}">
+              <a14:hiddenFill xmlns:a14="http://schemas.microsoft.com/office/drawing/2010/main">
+                <a:noFill/>
+              </a14:hiddenFill>
+            </a:ext>
+          </a:extLst>
+        </p:spPr>
+      </p:cxnSp>
+      <p:sp>
+        <p:nvSpPr>
+          <p:cNvPr id="13" name="圆角矩形 12"/>
+          <p:cNvSpPr/>
+          <p:nvPr/>
+        </p:nvSpPr>
+        <p:spPr bwMode="auto">
+          <a:xfrm>
+            <a:off x="76191" y="721723"/>
+            <a:ext cx="1056080" cy="1004135"/>
+          </a:xfrm>
+          <a:prstGeom prst="roundRect">
+            <a:avLst/>
+          </a:prstGeom>
+          <a:noFill/>
+          <a:ln w="22225">
+            <a:noFill/>
+          </a:ln>
+        </p:spPr>
+        <p:style>
+          <a:lnRef idx="2">
+            <a:schemeClr val="accent1">
+              <a:shade val="50000"/>
+            </a:schemeClr>
+          </a:lnRef>
+          <a:fillRef idx="1">
+            <a:schemeClr val="accent1"/>
+          </a:fillRef>
+          <a:effectRef idx="0">
+            <a:schemeClr val="accent1"/>
+          </a:effectRef>
+          <a:fontRef idx="minor">
+            <a:schemeClr val="lt1"/>
+          </a:fontRef>
+        </p:style>
+        <p:txBody>
+          <a:bodyPr lIns="106061" tIns="53031" rIns="106061" bIns="53031" anchor="ctr"/>
+          <a:lstStyle/>
+          <a:p>
+            <a:pPr algn="ctr" defTabSz="1484121">
+              <a:defRPr/>
+            </a:pPr>
+            <a:r>
+              <a:rPr lang="zh-CN" altLang="en-US" b="1" dirty="0">
+                <a:solidFill>
+                  <a:schemeClr val="tx1"/>
+                </a:solidFill>
+                <a:latin typeface="微软雅黑" pitchFamily="34" charset="-122"/>
+                <a:ea typeface="微软雅黑" pitchFamily="34" charset="-122"/>
+              </a:rPr>
+              <a:t>大纲</a:t>
+            </a:r>
+          </a:p>
+        </p:txBody>
+      </p:sp>
+      <p:sp>
+        <p:nvSpPr>
+          <p:cNvPr id="14" name="TextBox 14"/>
+          <p:cNvSpPr txBox="1">
+            <a:spLocks noChangeArrowheads="1"/>
+          </p:cNvSpPr>
+          <p:nvPr/>
+        </p:nvSpPr>
+        <p:spPr bwMode="auto">
+          <a:xfrm>
+            <a:off x="380952" y="1759084"/>
+            <a:ext cx="11428512" cy="5054478"/>
+          </a:xfrm>
+          <a:prstGeom prst="rect">
+            <a:avLst/>
+          </a:prstGeom>
+          <a:noFill/>
+          <a:ln>
+            <a:noFill/>
+          </a:ln>
+          <a:extLst>
+            <a:ext uri="{909E8E84-426E-40DD-AFC4-6F175D3DCCD1}">
+              <a14:hiddenFill xmlns:a14="http://schemas.microsoft.com/office/drawing/2010/main">
+                <a:solidFill>
+                  <a:srgbClr val="FFFFFF"/>
+                </a:solidFill>
+              </a14:hiddenFill>
+            </a:ext>
+            <a:ext uri="{91240B29-F687-4F45-9708-019B960494DF}">
+              <a14:hiddenLine xmlns:a14="http://schemas.microsoft.com/office/drawing/2010/main" w="9525">
+                <a:solidFill>
+                  <a:srgbClr val="000000"/>
+                </a:solidFill>
+                <a:miter lim="800000"/>
+                <a:headEnd/>
+                <a:tailEnd/>
+              </a14:hiddenLine>
+            </a:ext>
+          </a:extLst>
+        </p:spPr>
+        <p:txBody>
+          <a:bodyPr lIns="106061" tIns="53031" rIns="106061" bIns="53031">
+            <a:spAutoFit/>
+          </a:bodyPr>
+          <a:lstStyle>
+            <a:lvl1pPr eaLnBrk="0" hangingPunct="0">
+              <a:defRPr>
+                <a:solidFill>
+                  <a:schemeClr val="tx1"/>
+                </a:solidFill>
+                <a:latin typeface="Arial" pitchFamily="34" charset="0"/>
+                <a:ea typeface="宋体" pitchFamily="2" charset="-122"/>
+              </a:defRPr>
+            </a:lvl1pPr>
+            <a:lvl2pPr marL="742950" indent="-285750" eaLnBrk="0" hangingPunct="0">
+              <a:defRPr>
+                <a:solidFill>
+                  <a:schemeClr val="tx1"/>
+                </a:solidFill>
+                <a:latin typeface="Arial" pitchFamily="34" charset="0"/>
+                <a:ea typeface="宋体" pitchFamily="2" charset="-122"/>
+              </a:defRPr>
+            </a:lvl2pPr>
+            <a:lvl3pPr marL="1143000" indent="-228600" eaLnBrk="0" hangingPunct="0">
+              <a:defRPr>
+                <a:solidFill>
+                  <a:schemeClr val="tx1"/>
+                </a:solidFill>
+                <a:latin typeface="Arial" pitchFamily="34" charset="0"/>
+                <a:ea typeface="宋体" pitchFamily="2" charset="-122"/>
+              </a:defRPr>
+            </a:lvl3pPr>
+            <a:lvl4pPr marL="1600200" indent="-228600" eaLnBrk="0" hangingPunct="0">
+              <a:defRPr>
+                <a:solidFill>
+                  <a:schemeClr val="tx1"/>
+                </a:solidFill>
+                <a:latin typeface="Arial" pitchFamily="34" charset="0"/>
+                <a:ea typeface="宋体" pitchFamily="2" charset="-122"/>
+              </a:defRPr>
+            </a:lvl4pPr>
+            <a:lvl5pPr marL="2057400" indent="-228600" eaLnBrk="0" hangingPunct="0">
+              <a:defRPr>
+                <a:solidFill>
+                  <a:schemeClr val="tx1"/>
+                </a:solidFill>
+                <a:latin typeface="Arial" pitchFamily="34" charset="0"/>
+                <a:ea typeface="宋体" pitchFamily="2" charset="-122"/>
+              </a:defRPr>
+            </a:lvl5pPr>
+            <a:lvl6pPr marL="2514600" indent="-228600" eaLnBrk="0" fontAlgn="base" hangingPunct="0">
+              <a:spcBef>
+                <a:spcPct val="0"/>
+              </a:spcBef>
+              <a:spcAft>
+                <a:spcPct val="0"/>
+              </a:spcAft>
+              <a:defRPr>
+                <a:solidFill>
+                  <a:schemeClr val="tx1"/>
+                </a:solidFill>
+                <a:latin typeface="Arial" pitchFamily="34" charset="0"/>
+                <a:ea typeface="宋体" pitchFamily="2" charset="-122"/>
+              </a:defRPr>
+            </a:lvl6pPr>
+            <a:lvl7pPr marL="2971800" indent="-228600" eaLnBrk="0" fontAlgn="base" hangingPunct="0">
+              <a:spcBef>
+                <a:spcPct val="0"/>
+              </a:spcBef>
+              <a:spcAft>
+                <a:spcPct val="0"/>
+              </a:spcAft>
+              <a:defRPr>
+                <a:solidFill>
+                  <a:schemeClr val="tx1"/>
+                </a:solidFill>
+                <a:latin typeface="Arial" pitchFamily="34" charset="0"/>
+                <a:ea typeface="宋体" pitchFamily="2" charset="-122"/>
+              </a:defRPr>
+            </a:lvl7pPr>
+            <a:lvl8pPr marL="3429000" indent="-228600" eaLnBrk="0" fontAlgn="base" hangingPunct="0">
+              <a:spcBef>
+                <a:spcPct val="0"/>
+              </a:spcBef>
+              <a:spcAft>
+                <a:spcPct val="0"/>
+              </a:spcAft>
+              <a:defRPr>
+                <a:solidFill>
+                  <a:schemeClr val="tx1"/>
+                </a:solidFill>
+                <a:latin typeface="Arial" pitchFamily="34" charset="0"/>
+                <a:ea typeface="宋体" pitchFamily="2" charset="-122"/>
+              </a:defRPr>
+            </a:lvl8pPr>
+            <a:lvl9pPr marL="3886200" indent="-228600" eaLnBrk="0" fontAlgn="base" hangingPunct="0">
+              <a:spcBef>
+                <a:spcPct val="0"/>
+              </a:spcBef>
+              <a:spcAft>
+                <a:spcPct val="0"/>
+              </a:spcAft>
+              <a:defRPr>
+                <a:solidFill>
+                  <a:schemeClr val="tx1"/>
+                </a:solidFill>
+                <a:latin typeface="Arial" pitchFamily="34" charset="0"/>
+                <a:ea typeface="宋体" pitchFamily="2" charset="-122"/>
+              </a:defRPr>
+            </a:lvl9pPr>
+          </a:lstStyle>
+          <a:p>
+            <a:pPr eaLnBrk="1" hangingPunct="1">
+              <a:lnSpc>
+                <a:spcPct val="114000"/>
+              </a:lnSpc>
+            </a:pPr>
+            <a:r>
+              <a:rPr lang="zh-CN" altLang="en-US" b="1" dirty="0">
+                <a:latin typeface="微软雅黑" pitchFamily="34" charset="-122"/>
+                <a:ea typeface="微软雅黑" pitchFamily="34" charset="-122"/>
+              </a:rPr>
+              <a:t>作    用：</a:t>
+            </a:r>
+            <a:r>
+              <a:rPr lang="zh-CN" altLang="en-US" sz="1700" dirty="0">
+                <a:latin typeface="微软雅黑" pitchFamily="34" charset="-122"/>
+                <a:ea typeface="微软雅黑" pitchFamily="34" charset="-122"/>
+              </a:rPr>
+              <a:t>为应用提供</a:t>
+            </a:r>
+            <a:r>
+              <a:rPr lang="zh-CN" altLang="en-US" b="1" dirty="0">
+                <a:solidFill>
+                  <a:srgbClr val="0066FF"/>
+                </a:solidFill>
+                <a:latin typeface="微软雅黑" pitchFamily="34" charset="-122"/>
+                <a:ea typeface="微软雅黑" pitchFamily="34" charset="-122"/>
+              </a:rPr>
+              <a:t>统一会话管理</a:t>
+            </a:r>
+            <a:r>
+              <a:rPr lang="zh-CN" altLang="en-US" sz="1700" dirty="0">
+                <a:latin typeface="微软雅黑" pitchFamily="34" charset="-122"/>
+                <a:ea typeface="微软雅黑" pitchFamily="34" charset="-122"/>
+              </a:rPr>
+              <a:t>功能，</a:t>
+            </a:r>
+            <a:r>
+              <a:rPr lang="zh-CN" altLang="en-US" b="1" dirty="0">
+                <a:solidFill>
+                  <a:srgbClr val="0066FF"/>
+                </a:solidFill>
+                <a:latin typeface="微软雅黑" pitchFamily="34" charset="-122"/>
+                <a:ea typeface="微软雅黑" pitchFamily="34" charset="-122"/>
+              </a:rPr>
+              <a:t>避免</a:t>
+            </a:r>
+            <a:r>
+              <a:rPr lang="zh-CN" altLang="en-US" sz="1700" dirty="0">
+                <a:latin typeface="微软雅黑" pitchFamily="34" charset="-122"/>
+                <a:ea typeface="微软雅黑" pitchFamily="34" charset="-122"/>
+              </a:rPr>
+              <a:t>集群部署场景下负载切换</a:t>
+            </a:r>
+            <a:r>
+              <a:rPr lang="en-US" altLang="zh-CN" b="1" dirty="0">
+                <a:solidFill>
+                  <a:srgbClr val="0066FF"/>
+                </a:solidFill>
+                <a:latin typeface="微软雅黑" pitchFamily="34" charset="-122"/>
+                <a:ea typeface="微软雅黑" pitchFamily="34" charset="-122"/>
+              </a:rPr>
+              <a:t>session</a:t>
+            </a:r>
+            <a:r>
+              <a:rPr lang="zh-CN" altLang="en-US" b="1" dirty="0">
+                <a:solidFill>
+                  <a:srgbClr val="0066FF"/>
+                </a:solidFill>
+                <a:latin typeface="微软雅黑" pitchFamily="34" charset="-122"/>
+                <a:ea typeface="微软雅黑" pitchFamily="34" charset="-122"/>
+              </a:rPr>
+              <a:t>丢失</a:t>
+            </a:r>
+            <a:r>
+              <a:rPr lang="zh-CN" altLang="en-US" sz="1700" dirty="0">
+                <a:latin typeface="微软雅黑" pitchFamily="34" charset="-122"/>
+                <a:ea typeface="微软雅黑" pitchFamily="34" charset="-122"/>
+              </a:rPr>
+              <a:t>问题</a:t>
+            </a:r>
+            <a:endParaRPr lang="en-US" altLang="zh-CN" sz="1700" dirty="0">
+              <a:latin typeface="微软雅黑" pitchFamily="34" charset="-122"/>
+              <a:ea typeface="微软雅黑" pitchFamily="34" charset="-122"/>
+            </a:endParaRPr>
+          </a:p>
+          <a:p>
+            <a:pPr eaLnBrk="1" hangingPunct="1">
+              <a:lnSpc>
+                <a:spcPct val="114000"/>
+              </a:lnSpc>
+            </a:pPr>
+            <a:r>
+              <a:rPr lang="zh-CN" altLang="en-US" b="1" dirty="0">
+                <a:latin typeface="微软雅黑" pitchFamily="34" charset="-122"/>
+                <a:ea typeface="微软雅黑" pitchFamily="34" charset="-122"/>
+              </a:rPr>
+              <a:t>存    储：</a:t>
+            </a:r>
+            <a:r>
+              <a:rPr lang="zh-CN" altLang="en-US" sz="1700" dirty="0">
+                <a:latin typeface="微软雅黑" pitchFamily="34" charset="-122"/>
+                <a:ea typeface="微软雅黑" pitchFamily="34" charset="-122"/>
+              </a:rPr>
+              <a:t>采用</a:t>
+            </a:r>
+            <a:r>
+              <a:rPr lang="en-US" altLang="zh-CN" sz="2800" b="1" dirty="0" err="1">
+                <a:solidFill>
+                  <a:srgbClr val="0066FF"/>
+                </a:solidFill>
+                <a:latin typeface="微软雅黑" pitchFamily="34" charset="-122"/>
+                <a:ea typeface="微软雅黑" pitchFamily="34" charset="-122"/>
+              </a:rPr>
+              <a:t>mongodb</a:t>
+            </a:r>
+            <a:r>
+              <a:rPr lang="zh-CN" altLang="en-US" sz="1700" dirty="0">
+                <a:latin typeface="微软雅黑" pitchFamily="34" charset="-122"/>
+                <a:ea typeface="微软雅黑" pitchFamily="34" charset="-122"/>
+              </a:rPr>
+              <a:t>存储会话数据，采用</a:t>
+            </a:r>
+            <a:r>
+              <a:rPr lang="zh-CN" altLang="en-US" b="1" dirty="0">
+                <a:solidFill>
+                  <a:srgbClr val="0066FF"/>
+                </a:solidFill>
+                <a:latin typeface="微软雅黑" pitchFamily="34" charset="-122"/>
+                <a:ea typeface="微软雅黑" pitchFamily="34" charset="-122"/>
+              </a:rPr>
+              <a:t>增量模式</a:t>
+            </a:r>
+            <a:r>
+              <a:rPr lang="zh-CN" altLang="en-US" sz="1700" dirty="0">
+                <a:latin typeface="微软雅黑" pitchFamily="34" charset="-122"/>
+                <a:ea typeface="微软雅黑" pitchFamily="34" charset="-122"/>
+              </a:rPr>
+              <a:t>修改会话属性，简单高效</a:t>
+            </a:r>
+            <a:endParaRPr lang="en-US" altLang="zh-CN" sz="1700" dirty="0">
+              <a:latin typeface="微软雅黑" pitchFamily="34" charset="-122"/>
+              <a:ea typeface="微软雅黑" pitchFamily="34" charset="-122"/>
+            </a:endParaRPr>
+          </a:p>
+          <a:p>
+            <a:pPr eaLnBrk="1" hangingPunct="1">
+              <a:lnSpc>
+                <a:spcPct val="114000"/>
+              </a:lnSpc>
+            </a:pPr>
+            <a:r>
+              <a:rPr lang="zh-CN" altLang="en-US" b="1" dirty="0">
+                <a:latin typeface="微软雅黑" pitchFamily="34" charset="-122"/>
+                <a:ea typeface="微软雅黑" pitchFamily="34" charset="-122"/>
+              </a:rPr>
+              <a:t>序列化：</a:t>
+            </a:r>
+            <a:r>
+              <a:rPr lang="zh-CN" altLang="en-US" sz="1700" dirty="0">
+                <a:latin typeface="微软雅黑" pitchFamily="34" charset="-122"/>
+                <a:ea typeface="微软雅黑" pitchFamily="34" charset="-122"/>
+              </a:rPr>
+              <a:t>采用自主研发的序列化机制，序列化存储会话数据，提供</a:t>
+            </a:r>
+            <a:r>
+              <a:rPr lang="zh-CN" altLang="en-US" b="1" dirty="0">
+                <a:solidFill>
+                  <a:srgbClr val="0066FF"/>
+                </a:solidFill>
+                <a:latin typeface="微软雅黑" pitchFamily="34" charset="-122"/>
+                <a:ea typeface="微软雅黑" pitchFamily="34" charset="-122"/>
+              </a:rPr>
+              <a:t>序列化插件</a:t>
+            </a:r>
+            <a:r>
+              <a:rPr lang="zh-CN" altLang="en-US" sz="1700" dirty="0">
+                <a:latin typeface="微软雅黑" pitchFamily="34" charset="-122"/>
+                <a:ea typeface="微软雅黑" pitchFamily="34" charset="-122"/>
+              </a:rPr>
+              <a:t>，扩展性强</a:t>
+            </a:r>
+            <a:endParaRPr lang="en-US" altLang="zh-CN" sz="1700" dirty="0">
+              <a:latin typeface="微软雅黑" pitchFamily="34" charset="-122"/>
+              <a:ea typeface="微软雅黑" pitchFamily="34" charset="-122"/>
+            </a:endParaRPr>
+          </a:p>
+          <a:p>
+            <a:pPr eaLnBrk="1" hangingPunct="1">
+              <a:lnSpc>
+                <a:spcPct val="114000"/>
+              </a:lnSpc>
+            </a:pPr>
+            <a:r>
+              <a:rPr lang="zh-CN" altLang="en-US" b="1" dirty="0">
+                <a:latin typeface="微软雅黑" pitchFamily="34" charset="-122"/>
+                <a:ea typeface="微软雅黑" pitchFamily="34" charset="-122"/>
+              </a:rPr>
+              <a:t>规    范：</a:t>
+            </a:r>
+            <a:r>
+              <a:rPr lang="zh-CN" altLang="en-US" b="1" dirty="0">
+                <a:solidFill>
+                  <a:srgbClr val="0066FF"/>
+                </a:solidFill>
+                <a:latin typeface="微软雅黑" pitchFamily="34" charset="-122"/>
+                <a:ea typeface="微软雅黑" pitchFamily="34" charset="-122"/>
+              </a:rPr>
+              <a:t>遵循</a:t>
+            </a:r>
+            <a:r>
+              <a:rPr lang="en-US" altLang="zh-CN" b="1" dirty="0">
+                <a:solidFill>
+                  <a:srgbClr val="0066FF"/>
+                </a:solidFill>
+                <a:latin typeface="微软雅黑" pitchFamily="34" charset="-122"/>
+                <a:ea typeface="微软雅黑" pitchFamily="34" charset="-122"/>
+              </a:rPr>
+              <a:t>servlet 2/3</a:t>
+            </a:r>
+            <a:r>
+              <a:rPr lang="zh-CN" altLang="en-US" b="1" dirty="0">
+                <a:solidFill>
+                  <a:srgbClr val="0066FF"/>
+                </a:solidFill>
+                <a:latin typeface="微软雅黑" pitchFamily="34" charset="-122"/>
+                <a:ea typeface="微软雅黑" pitchFamily="34" charset="-122"/>
+              </a:rPr>
+              <a:t>规范</a:t>
+            </a:r>
+            <a:r>
+              <a:rPr lang="zh-CN" altLang="en-US" sz="1700" b="1" dirty="0">
+                <a:solidFill>
+                  <a:srgbClr val="0066FF"/>
+                </a:solidFill>
+                <a:latin typeface="微软雅黑" pitchFamily="34" charset="-122"/>
+                <a:ea typeface="微软雅黑" pitchFamily="34" charset="-122"/>
+              </a:rPr>
+              <a:t>，</a:t>
+            </a:r>
+            <a:r>
+              <a:rPr lang="zh-CN" altLang="en-US" b="1" dirty="0">
+                <a:solidFill>
+                  <a:srgbClr val="0066FF"/>
+                </a:solidFill>
+                <a:latin typeface="微软雅黑" pitchFamily="34" charset="-122"/>
+                <a:ea typeface="微软雅黑" pitchFamily="34" charset="-122"/>
+              </a:rPr>
+              <a:t>兼容</a:t>
+            </a:r>
+            <a:r>
+              <a:rPr lang="zh-CN" altLang="en-US" sz="1700" dirty="0">
+                <a:latin typeface="微软雅黑" pitchFamily="34" charset="-122"/>
+                <a:ea typeface="微软雅黑" pitchFamily="34" charset="-122"/>
+              </a:rPr>
+              <a:t>遗留系统会话数据的管理</a:t>
+            </a:r>
+            <a:r>
+              <a:rPr lang="en-US" altLang="zh-CN" sz="1700" dirty="0">
+                <a:latin typeface="微软雅黑" pitchFamily="34" charset="-122"/>
+                <a:ea typeface="微软雅黑" pitchFamily="34" charset="-122"/>
+              </a:rPr>
+              <a:t>,</a:t>
+            </a:r>
+            <a:r>
+              <a:rPr lang="zh-CN" altLang="en-US" b="1" dirty="0">
+                <a:solidFill>
+                  <a:srgbClr val="0066FF"/>
+                </a:solidFill>
+                <a:latin typeface="微软雅黑" pitchFamily="34" charset="-122"/>
+                <a:ea typeface="微软雅黑" pitchFamily="34" charset="-122"/>
+              </a:rPr>
+              <a:t>可无缝与现有应用</a:t>
+            </a:r>
+            <a:r>
+              <a:rPr lang="zh-CN" altLang="en-US" b="1" dirty="0" smtClean="0">
+                <a:solidFill>
+                  <a:srgbClr val="0066FF"/>
+                </a:solidFill>
+                <a:latin typeface="微软雅黑" pitchFamily="34" charset="-122"/>
+                <a:ea typeface="微软雅黑" pitchFamily="34" charset="-122"/>
+              </a:rPr>
+              <a:t>系统</a:t>
+            </a:r>
+            <a:r>
+              <a:rPr lang="en-US" altLang="zh-CN" b="1" dirty="0" smtClean="0">
+                <a:solidFill>
+                  <a:srgbClr val="0066FF"/>
+                </a:solidFill>
+                <a:latin typeface="微软雅黑" pitchFamily="34" charset="-122"/>
+                <a:ea typeface="微软雅黑" pitchFamily="34" charset="-122"/>
+              </a:rPr>
+              <a:t>	</a:t>
+            </a:r>
+            <a:r>
+              <a:rPr lang="zh-CN" altLang="en-US" b="1" dirty="0" smtClean="0">
+                <a:solidFill>
+                  <a:srgbClr val="0066FF"/>
+                </a:solidFill>
+                <a:latin typeface="微软雅黑" pitchFamily="34" charset="-122"/>
+                <a:ea typeface="微软雅黑" pitchFamily="34" charset="-122"/>
+              </a:rPr>
+              <a:t>集成</a:t>
+            </a:r>
+            <a:r>
+              <a:rPr lang="zh-CN" altLang="en-US" b="1" dirty="0" smtClean="0">
+                <a:solidFill>
+                  <a:srgbClr val="0066FF"/>
+                </a:solidFill>
+                <a:latin typeface="微软雅黑" pitchFamily="34" charset="-122"/>
+                <a:ea typeface="微软雅黑" pitchFamily="34" charset="-122"/>
+              </a:rPr>
+              <a:t>，无需修改或者少量修改应用</a:t>
+            </a:r>
+            <a:r>
+              <a:rPr lang="zh-CN" altLang="en-US" b="1" dirty="0">
+                <a:solidFill>
+                  <a:srgbClr val="0066FF"/>
+                </a:solidFill>
+                <a:latin typeface="微软雅黑" pitchFamily="34" charset="-122"/>
+                <a:ea typeface="微软雅黑" pitchFamily="34" charset="-122"/>
+              </a:rPr>
+              <a:t>代码</a:t>
+            </a:r>
+            <a:endParaRPr lang="en-US" altLang="zh-CN" b="1" dirty="0">
+              <a:solidFill>
+                <a:srgbClr val="0066FF"/>
+              </a:solidFill>
+              <a:latin typeface="微软雅黑" pitchFamily="34" charset="-122"/>
+              <a:ea typeface="微软雅黑" pitchFamily="34" charset="-122"/>
+            </a:endParaRPr>
+          </a:p>
+          <a:p>
+            <a:pPr eaLnBrk="1" hangingPunct="1">
+              <a:lnSpc>
+                <a:spcPct val="114000"/>
+              </a:lnSpc>
+            </a:pPr>
+            <a:r>
+              <a:rPr lang="zh-CN" altLang="en-US" b="1" dirty="0">
+                <a:latin typeface="微软雅黑" pitchFamily="34" charset="-122"/>
+                <a:ea typeface="微软雅黑" pitchFamily="34" charset="-122"/>
+              </a:rPr>
+              <a:t>兼容性：</a:t>
+            </a:r>
+            <a:r>
+              <a:rPr lang="zh-CN" altLang="en-US" sz="1900" b="1" dirty="0">
+                <a:solidFill>
+                  <a:srgbClr val="0066FF"/>
+                </a:solidFill>
+                <a:latin typeface="微软雅黑" pitchFamily="34" charset="-122"/>
+                <a:ea typeface="微软雅黑" pitchFamily="34" charset="-122"/>
+              </a:rPr>
+              <a:t>跨容器，</a:t>
+            </a:r>
+            <a:r>
+              <a:rPr lang="zh-CN" altLang="en-US" sz="1700" dirty="0">
+                <a:latin typeface="微软雅黑" pitchFamily="34" charset="-122"/>
+                <a:ea typeface="微软雅黑" pitchFamily="34" charset="-122"/>
+              </a:rPr>
+              <a:t>兼容业界主流的应用服务器（</a:t>
+            </a:r>
+            <a:r>
+              <a:rPr lang="en-US" altLang="zh-CN" sz="1700" dirty="0" err="1">
+                <a:latin typeface="微软雅黑" pitchFamily="34" charset="-122"/>
+                <a:ea typeface="微软雅黑" pitchFamily="34" charset="-122"/>
+              </a:rPr>
+              <a:t>tomcat,weblogic,webspere,jetty</a:t>
+            </a:r>
+            <a:r>
+              <a:rPr lang="zh-CN" altLang="en-US" sz="1700" dirty="0">
+                <a:latin typeface="微软雅黑" pitchFamily="34" charset="-122"/>
+                <a:ea typeface="微软雅黑" pitchFamily="34" charset="-122"/>
+              </a:rPr>
+              <a:t>）</a:t>
+            </a:r>
+            <a:endParaRPr lang="en-US" altLang="zh-CN" sz="1700" dirty="0">
+              <a:latin typeface="微软雅黑" pitchFamily="34" charset="-122"/>
+              <a:ea typeface="微软雅黑" pitchFamily="34" charset="-122"/>
+            </a:endParaRPr>
+          </a:p>
+          <a:p>
+            <a:pPr eaLnBrk="1" hangingPunct="1">
+              <a:lnSpc>
+                <a:spcPct val="114000"/>
+              </a:lnSpc>
+            </a:pPr>
+            <a:r>
+              <a:rPr lang="zh-CN" altLang="en-US" b="1" dirty="0">
+                <a:latin typeface="微软雅黑" pitchFamily="34" charset="-122"/>
+                <a:ea typeface="微软雅黑" pitchFamily="34" charset="-122"/>
+              </a:rPr>
+              <a:t>约    束：</a:t>
+            </a:r>
+            <a:r>
+              <a:rPr lang="zh-CN" altLang="en-US" b="1" dirty="0">
+                <a:solidFill>
+                  <a:srgbClr val="0066FF"/>
+                </a:solidFill>
+                <a:latin typeface="微软雅黑" pitchFamily="34" charset="-122"/>
+                <a:ea typeface="微软雅黑" pitchFamily="34" charset="-122"/>
+              </a:rPr>
+              <a:t>无约束，</a:t>
+            </a:r>
+            <a:r>
+              <a:rPr lang="zh-CN" altLang="en-US" sz="1700" dirty="0">
+                <a:latin typeface="微软雅黑" pitchFamily="34" charset="-122"/>
+                <a:ea typeface="微软雅黑" pitchFamily="34" charset="-122"/>
+              </a:rPr>
+              <a:t>无需</a:t>
+            </a:r>
+            <a:r>
+              <a:rPr lang="en-US" altLang="zh-CN" sz="1700" dirty="0">
+                <a:latin typeface="微软雅黑" pitchFamily="34" charset="-122"/>
+                <a:ea typeface="微软雅黑" pitchFamily="34" charset="-122"/>
+              </a:rPr>
+              <a:t>session sticking</a:t>
+            </a:r>
+            <a:r>
+              <a:rPr lang="zh-CN" altLang="en-US" sz="1700" dirty="0">
+                <a:latin typeface="微软雅黑" pitchFamily="34" charset="-122"/>
+                <a:ea typeface="微软雅黑" pitchFamily="34" charset="-122"/>
+              </a:rPr>
+              <a:t>，访问请求可以平均分派给各集群节点，支持</a:t>
+            </a:r>
+            <a:r>
+              <a:rPr lang="en-US" altLang="zh-CN" sz="1700" dirty="0">
+                <a:latin typeface="微软雅黑" pitchFamily="34" charset="-122"/>
+                <a:ea typeface="微软雅黑" pitchFamily="34" charset="-122"/>
+              </a:rPr>
+              <a:t>	</a:t>
+            </a:r>
+            <a:r>
+              <a:rPr lang="en-US" altLang="zh-CN" sz="1700" dirty="0" err="1">
+                <a:latin typeface="微软雅黑" pitchFamily="34" charset="-122"/>
+                <a:ea typeface="微软雅黑" pitchFamily="34" charset="-122"/>
+              </a:rPr>
+              <a:t>lvs,haproxy</a:t>
+            </a:r>
+            <a:r>
+              <a:rPr lang="zh-CN" altLang="en-US" sz="1700" dirty="0">
+                <a:latin typeface="微软雅黑" pitchFamily="34" charset="-122"/>
+                <a:ea typeface="微软雅黑" pitchFamily="34" charset="-122"/>
+              </a:rPr>
+              <a:t>，</a:t>
+            </a:r>
+            <a:r>
+              <a:rPr lang="en-US" altLang="zh-CN" sz="1700" dirty="0" err="1">
+                <a:latin typeface="微软雅黑" pitchFamily="34" charset="-122"/>
+                <a:ea typeface="微软雅黑" pitchFamily="34" charset="-122"/>
+              </a:rPr>
+              <a:t>ngix</a:t>
+            </a:r>
+            <a:r>
+              <a:rPr lang="en-US" altLang="zh-CN" sz="1700" dirty="0">
+                <a:latin typeface="微软雅黑" pitchFamily="34" charset="-122"/>
+                <a:ea typeface="微软雅黑" pitchFamily="34" charset="-122"/>
+              </a:rPr>
+              <a:t> 4,7</a:t>
+            </a:r>
+            <a:r>
+              <a:rPr lang="zh-CN" altLang="en-US" sz="1700" dirty="0">
+                <a:latin typeface="微软雅黑" pitchFamily="34" charset="-122"/>
+                <a:ea typeface="微软雅黑" pitchFamily="34" charset="-122"/>
+              </a:rPr>
+              <a:t>层负载</a:t>
+            </a:r>
+            <a:endParaRPr lang="en-US" altLang="zh-CN" sz="1700" dirty="0">
+              <a:latin typeface="微软雅黑" pitchFamily="34" charset="-122"/>
+              <a:ea typeface="微软雅黑" pitchFamily="34" charset="-122"/>
+            </a:endParaRPr>
+          </a:p>
+          <a:p>
+            <a:pPr eaLnBrk="1" hangingPunct="1">
+              <a:lnSpc>
+                <a:spcPct val="114000"/>
+              </a:lnSpc>
+            </a:pPr>
+            <a:r>
+              <a:rPr lang="zh-CN" altLang="en-US" b="1" dirty="0">
+                <a:latin typeface="微软雅黑" pitchFamily="34" charset="-122"/>
+                <a:ea typeface="微软雅黑" pitchFamily="34" charset="-122"/>
+              </a:rPr>
+              <a:t>安全性：</a:t>
+            </a:r>
+            <a:r>
+              <a:rPr lang="zh-CN" altLang="en-US" sz="1700" dirty="0">
+                <a:latin typeface="微软雅黑" pitchFamily="34" charset="-122"/>
+                <a:ea typeface="微软雅黑" pitchFamily="34" charset="-122"/>
+              </a:rPr>
+              <a:t>客户端基于</a:t>
+            </a:r>
+            <a:r>
+              <a:rPr lang="en-US" altLang="zh-CN" sz="1700" dirty="0">
+                <a:latin typeface="微软雅黑" pitchFamily="34" charset="-122"/>
+                <a:ea typeface="微软雅黑" pitchFamily="34" charset="-122"/>
+              </a:rPr>
+              <a:t>cookie</a:t>
+            </a:r>
+            <a:r>
+              <a:rPr lang="zh-CN" altLang="en-US" sz="1700" dirty="0">
+                <a:latin typeface="微软雅黑" pitchFamily="34" charset="-122"/>
+                <a:ea typeface="微软雅黑" pitchFamily="34" charset="-122"/>
+              </a:rPr>
+              <a:t>机制存储</a:t>
+            </a:r>
+            <a:r>
+              <a:rPr lang="en-US" altLang="zh-CN" sz="1700" dirty="0" err="1">
+                <a:latin typeface="微软雅黑" pitchFamily="34" charset="-122"/>
+                <a:ea typeface="微软雅黑" pitchFamily="34" charset="-122"/>
+              </a:rPr>
+              <a:t>sessionid</a:t>
+            </a:r>
+            <a:r>
+              <a:rPr lang="zh-CN" altLang="en-US" sz="1700" dirty="0">
+                <a:latin typeface="微软雅黑" pitchFamily="34" charset="-122"/>
+                <a:ea typeface="微软雅黑" pitchFamily="34" charset="-122"/>
+              </a:rPr>
+              <a:t>，通过设置</a:t>
+            </a:r>
+            <a:r>
+              <a:rPr lang="en-US" altLang="zh-CN" sz="1700" dirty="0">
+                <a:latin typeface="微软雅黑" pitchFamily="34" charset="-122"/>
+                <a:ea typeface="微软雅黑" pitchFamily="34" charset="-122"/>
+              </a:rPr>
+              <a:t>cookie </a:t>
+            </a:r>
+            <a:r>
+              <a:rPr lang="en-US" altLang="zh-CN" sz="2800" b="1" dirty="0" err="1">
+                <a:solidFill>
+                  <a:srgbClr val="0066FF"/>
+                </a:solidFill>
+                <a:latin typeface="微软雅黑" pitchFamily="34" charset="-122"/>
+                <a:ea typeface="微软雅黑" pitchFamily="34" charset="-122"/>
+              </a:rPr>
+              <a:t>httponly</a:t>
+            </a:r>
+            <a:r>
+              <a:rPr lang="zh-CN" altLang="en-US" sz="1700" dirty="0">
+                <a:latin typeface="微软雅黑" pitchFamily="34" charset="-122"/>
+                <a:ea typeface="微软雅黑" pitchFamily="34" charset="-122"/>
+              </a:rPr>
+              <a:t>属性阻止</a:t>
+            </a:r>
+            <a:r>
+              <a:rPr lang="en-US" altLang="zh-CN" sz="1700" dirty="0">
+                <a:latin typeface="微软雅黑" pitchFamily="34" charset="-122"/>
+                <a:ea typeface="微软雅黑" pitchFamily="34" charset="-122"/>
+              </a:rPr>
+              <a:t>XSS</a:t>
+            </a:r>
+            <a:r>
+              <a:rPr lang="zh-CN" altLang="en-US" sz="1700" dirty="0">
+                <a:latin typeface="微软雅黑" pitchFamily="34" charset="-122"/>
+                <a:ea typeface="微软雅黑" pitchFamily="34" charset="-122"/>
+              </a:rPr>
+              <a:t>窃</a:t>
+            </a:r>
+            <a:r>
+              <a:rPr lang="en-US" altLang="zh-CN" sz="1700" dirty="0">
+                <a:latin typeface="微软雅黑" pitchFamily="34" charset="-122"/>
+                <a:ea typeface="微软雅黑" pitchFamily="34" charset="-122"/>
+              </a:rPr>
+              <a:t>	</a:t>
+            </a:r>
+            <a:r>
+              <a:rPr lang="zh-CN" altLang="en-US" sz="1700" dirty="0">
+                <a:latin typeface="微软雅黑" pitchFamily="34" charset="-122"/>
+                <a:ea typeface="微软雅黑" pitchFamily="34" charset="-122"/>
+              </a:rPr>
+              <a:t>取</a:t>
+            </a:r>
+            <a:r>
+              <a:rPr lang="en-US" altLang="zh-CN" sz="1700" dirty="0" err="1">
+                <a:latin typeface="微软雅黑" pitchFamily="34" charset="-122"/>
+                <a:ea typeface="微软雅黑" pitchFamily="34" charset="-122"/>
+              </a:rPr>
+              <a:t>sessionid</a:t>
+            </a:r>
+            <a:r>
+              <a:rPr lang="zh-CN" altLang="en-US" sz="1700" dirty="0">
+                <a:latin typeface="微软雅黑" pitchFamily="34" charset="-122"/>
+                <a:ea typeface="微软雅黑" pitchFamily="34" charset="-122"/>
+              </a:rPr>
+              <a:t>，通过设置</a:t>
+            </a:r>
+            <a:r>
+              <a:rPr lang="en-US" altLang="zh-CN" sz="2800" b="1" dirty="0">
+                <a:solidFill>
+                  <a:srgbClr val="0066FF"/>
+                </a:solidFill>
+                <a:latin typeface="微软雅黑" pitchFamily="34" charset="-122"/>
+                <a:ea typeface="微软雅黑" pitchFamily="34" charset="-122"/>
+              </a:rPr>
+              <a:t>secure</a:t>
+            </a:r>
+            <a:r>
+              <a:rPr lang="zh-CN" altLang="en-US" sz="1700" dirty="0">
+                <a:latin typeface="微软雅黑" pitchFamily="34" charset="-122"/>
+                <a:ea typeface="微软雅黑" pitchFamily="34" charset="-122"/>
+              </a:rPr>
+              <a:t>属性并结合</a:t>
+            </a:r>
+            <a:r>
+              <a:rPr lang="en-US" altLang="zh-CN" sz="1700" dirty="0">
+                <a:latin typeface="微软雅黑" pitchFamily="34" charset="-122"/>
+                <a:ea typeface="微软雅黑" pitchFamily="34" charset="-122"/>
+              </a:rPr>
+              <a:t>https</a:t>
+            </a:r>
+            <a:r>
+              <a:rPr lang="zh-CN" altLang="en-US" sz="1700" dirty="0">
+                <a:latin typeface="微软雅黑" pitchFamily="34" charset="-122"/>
+                <a:ea typeface="微软雅黑" pitchFamily="34" charset="-122"/>
+              </a:rPr>
+              <a:t>阻止传输过程中</a:t>
+            </a:r>
+            <a:r>
+              <a:rPr lang="en-US" altLang="zh-CN" sz="1700" dirty="0" err="1">
+                <a:latin typeface="微软雅黑" pitchFamily="34" charset="-122"/>
+                <a:ea typeface="微软雅黑" pitchFamily="34" charset="-122"/>
+              </a:rPr>
+              <a:t>sessionid</a:t>
+            </a:r>
+            <a:r>
+              <a:rPr lang="zh-CN" altLang="en-US" sz="1700" dirty="0">
+                <a:latin typeface="微软雅黑" pitchFamily="34" charset="-122"/>
+                <a:ea typeface="微软雅黑" pitchFamily="34" charset="-122"/>
+              </a:rPr>
+              <a:t>被窃取</a:t>
+            </a:r>
+            <a:endParaRPr lang="en-US" altLang="zh-CN" sz="1700" dirty="0">
+              <a:latin typeface="微软雅黑" pitchFamily="34" charset="-122"/>
+              <a:ea typeface="微软雅黑" pitchFamily="34" charset="-122"/>
+            </a:endParaRPr>
+          </a:p>
+          <a:p>
+            <a:pPr eaLnBrk="1" hangingPunct="1">
+              <a:lnSpc>
+                <a:spcPct val="114000"/>
+              </a:lnSpc>
+            </a:pPr>
+            <a:r>
+              <a:rPr lang="zh-CN" altLang="en-US" b="1" dirty="0">
+                <a:latin typeface="微软雅黑" pitchFamily="34" charset="-122"/>
+                <a:ea typeface="微软雅黑" pitchFamily="34" charset="-122"/>
+              </a:rPr>
+              <a:t>监    管</a:t>
+            </a:r>
+            <a:r>
+              <a:rPr lang="zh-CN" altLang="en-US" b="1" dirty="0" smtClean="0">
+                <a:latin typeface="微软雅黑" pitchFamily="34" charset="-122"/>
+                <a:ea typeface="微软雅黑" pitchFamily="34" charset="-122"/>
+              </a:rPr>
+              <a:t>：</a:t>
+            </a:r>
+            <a:r>
+              <a:rPr lang="en-US" altLang="zh-CN" sz="1700" dirty="0" smtClean="0">
+                <a:latin typeface="微软雅黑" pitchFamily="34" charset="-122"/>
+                <a:ea typeface="微软雅黑" pitchFamily="34" charset="-122"/>
+              </a:rPr>
+              <a:t>session</a:t>
+            </a:r>
+            <a:r>
+              <a:rPr lang="zh-CN" altLang="en-US" sz="1700" dirty="0">
+                <a:latin typeface="微软雅黑" pitchFamily="34" charset="-122"/>
+                <a:ea typeface="微软雅黑" pitchFamily="34" charset="-122"/>
+              </a:rPr>
+              <a:t>信息统计查询</a:t>
+            </a:r>
+            <a:r>
+              <a:rPr lang="en-US" altLang="zh-CN" sz="1700" dirty="0">
+                <a:latin typeface="微软雅黑" pitchFamily="34" charset="-122"/>
+                <a:ea typeface="微软雅黑" pitchFamily="34" charset="-122"/>
+              </a:rPr>
+              <a:t>,</a:t>
+            </a:r>
+            <a:r>
+              <a:rPr lang="zh-CN" altLang="en-US" sz="1700" dirty="0">
+                <a:latin typeface="微软雅黑" pitchFamily="34" charset="-122"/>
+                <a:ea typeface="微软雅黑" pitchFamily="34" charset="-122"/>
+              </a:rPr>
+              <a:t> 应用在线用户数统计查询，应用会话管理功能（包括删除会话、</a:t>
+            </a:r>
+            <a:r>
+              <a:rPr lang="en-US" altLang="zh-CN" sz="1700" dirty="0">
+                <a:latin typeface="微软雅黑" pitchFamily="34" charset="-122"/>
+                <a:ea typeface="微软雅黑" pitchFamily="34" charset="-122"/>
+              </a:rPr>
+              <a:t>	</a:t>
+            </a:r>
+            <a:r>
+              <a:rPr lang="zh-CN" altLang="en-US" sz="1700" dirty="0">
+                <a:latin typeface="微软雅黑" pitchFamily="34" charset="-122"/>
+                <a:ea typeface="微软雅黑" pitchFamily="34" charset="-122"/>
+              </a:rPr>
+              <a:t>查看会话</a:t>
+            </a:r>
+            <a:r>
+              <a:rPr lang="zh-CN" altLang="en-US" sz="1700">
+                <a:latin typeface="微软雅黑" pitchFamily="34" charset="-122"/>
+                <a:ea typeface="微软雅黑" pitchFamily="34" charset="-122"/>
+              </a:rPr>
+              <a:t>属性数据</a:t>
+            </a:r>
+            <a:r>
+              <a:rPr lang="zh-CN" altLang="en-US" sz="1700" smtClean="0">
+                <a:latin typeface="微软雅黑" pitchFamily="34" charset="-122"/>
+                <a:ea typeface="微软雅黑" pitchFamily="34" charset="-122"/>
+              </a:rPr>
+              <a:t>）；应用</a:t>
+            </a:r>
+            <a:r>
+              <a:rPr lang="zh-CN" altLang="en-US" sz="1700" dirty="0" smtClean="0">
+                <a:latin typeface="微软雅黑" pitchFamily="34" charset="-122"/>
+                <a:ea typeface="微软雅黑" pitchFamily="34" charset="-122"/>
+              </a:rPr>
+              <a:t>可以自定义会话属性查询条件；严格的</a:t>
+            </a:r>
+            <a:r>
+              <a:rPr lang="zh-CN" altLang="en-US" sz="1700" smtClean="0">
+                <a:latin typeface="微软雅黑" pitchFamily="34" charset="-122"/>
+                <a:ea typeface="微软雅黑" pitchFamily="34" charset="-122"/>
+              </a:rPr>
+              <a:t>监控权限范围管</a:t>
+            </a:r>
+            <a:r>
+              <a:rPr lang="zh-CN" altLang="en-US" sz="1700" dirty="0" smtClean="0">
+                <a:latin typeface="微软雅黑" pitchFamily="34" charset="-122"/>
+                <a:ea typeface="微软雅黑" pitchFamily="34" charset="-122"/>
+              </a:rPr>
+              <a:t>控（监控中心监管所有接入应用的</a:t>
+            </a:r>
+            <a:r>
+              <a:rPr lang="en-US" altLang="zh-CN" sz="1700" dirty="0" smtClean="0">
+                <a:latin typeface="微软雅黑" pitchFamily="34" charset="-122"/>
+                <a:ea typeface="微软雅黑" pitchFamily="34" charset="-122"/>
+              </a:rPr>
+              <a:t>session</a:t>
+            </a:r>
+            <a:r>
+              <a:rPr lang="zh-CN" altLang="en-US" sz="1700" dirty="0" smtClean="0">
+                <a:latin typeface="微软雅黑" pitchFamily="34" charset="-122"/>
+                <a:ea typeface="微软雅黑" pitchFamily="34" charset="-122"/>
+              </a:rPr>
+              <a:t>，应用只能监管自己的</a:t>
+            </a:r>
+            <a:r>
+              <a:rPr lang="en-US" altLang="zh-CN" sz="1700" dirty="0" smtClean="0">
+                <a:latin typeface="微软雅黑" pitchFamily="34" charset="-122"/>
+                <a:ea typeface="微软雅黑" pitchFamily="34" charset="-122"/>
+              </a:rPr>
+              <a:t>session</a:t>
+            </a:r>
+            <a:r>
+              <a:rPr lang="zh-CN" altLang="en-US" sz="1700" dirty="0" smtClean="0">
+                <a:latin typeface="微软雅黑" pitchFamily="34" charset="-122"/>
+                <a:ea typeface="微软雅黑" pitchFamily="34" charset="-122"/>
+              </a:rPr>
+              <a:t>）；只需在监控中心开启失效</a:t>
+            </a:r>
+            <a:r>
+              <a:rPr lang="en-US" altLang="zh-CN" sz="1700" dirty="0" smtClean="0">
+                <a:latin typeface="微软雅黑" pitchFamily="34" charset="-122"/>
+                <a:ea typeface="微软雅黑" pitchFamily="34" charset="-122"/>
+              </a:rPr>
+              <a:t>session</a:t>
+            </a:r>
+            <a:r>
+              <a:rPr lang="zh-CN" altLang="en-US" sz="1700" dirty="0" smtClean="0">
+                <a:latin typeface="微软雅黑" pitchFamily="34" charset="-122"/>
+                <a:ea typeface="微软雅黑" pitchFamily="34" charset="-122"/>
+              </a:rPr>
+              <a:t>扫描机制，应用无需开启</a:t>
+            </a:r>
+            <a:endParaRPr lang="zh-CN" altLang="en-US" sz="1700" dirty="0">
+              <a:latin typeface="微软雅黑" pitchFamily="34" charset="-122"/>
+              <a:ea typeface="微软雅黑" pitchFamily="34" charset="-122"/>
+            </a:endParaRPr>
+          </a:p>
+        </p:txBody>
+      </p:sp>
+      <p:cxnSp>
+        <p:nvCxnSpPr>
+          <p:cNvPr id="15" name="直接连接符 55"/>
+          <p:cNvCxnSpPr>
+            <a:cxnSpLocks noChangeShapeType="1"/>
+          </p:cNvCxnSpPr>
+          <p:nvPr/>
+        </p:nvCxnSpPr>
+        <p:spPr bwMode="auto">
+          <a:xfrm>
+            <a:off x="0" y="6774985"/>
+            <a:ext cx="12047093" cy="0"/>
+          </a:xfrm>
+          <a:prstGeom prst="line">
+            <a:avLst/>
+          </a:prstGeom>
+          <a:noFill/>
+          <a:ln w="3175" algn="ctr">
+            <a:solidFill>
+              <a:schemeClr val="tx1"/>
+            </a:solidFill>
+            <a:prstDash val="lgDash"/>
+            <a:round/>
+            <a:headEnd/>
+            <a:tailEnd/>
+          </a:ln>
+          <a:extLst>
+            <a:ext uri="{909E8E84-426E-40DD-AFC4-6F175D3DCCD1}">
+              <a14:hiddenFill xmlns:a14="http://schemas.microsoft.com/office/drawing/2010/main">
+                <a:noFill/>
+              </a14:hiddenFill>
+            </a:ext>
+          </a:extLst>
+        </p:spPr>
+      </p:cxnSp>
+      <p:sp>
+        <p:nvSpPr>
+          <p:cNvPr id="16" name="五边形 15"/>
+          <p:cNvSpPr/>
+          <p:nvPr/>
+        </p:nvSpPr>
+        <p:spPr bwMode="auto">
+          <a:xfrm>
+            <a:off x="1322746" y="782636"/>
+            <a:ext cx="2042316" cy="670040"/>
+          </a:xfrm>
+          <a:prstGeom prst="homePlate">
+            <a:avLst/>
+          </a:prstGeom>
+          <a:solidFill>
+            <a:schemeClr val="tx2">
+              <a:lumMod val="40000"/>
+              <a:lumOff val="60000"/>
+            </a:schemeClr>
+          </a:solidFill>
+          <a:ln>
+            <a:solidFill>
+              <a:schemeClr val="bg2">
+                <a:lumMod val="40000"/>
+                <a:lumOff val="60000"/>
+              </a:schemeClr>
+            </a:solidFill>
+            <a:headEnd/>
+            <a:tailEnd/>
+          </a:ln>
+        </p:spPr>
+        <p:style>
+          <a:lnRef idx="1">
+            <a:schemeClr val="accent1"/>
+          </a:lnRef>
+          <a:fillRef idx="2">
+            <a:schemeClr val="accent1"/>
+          </a:fillRef>
+          <a:effectRef idx="1">
+            <a:schemeClr val="accent1"/>
+          </a:effectRef>
+          <a:fontRef idx="minor">
+            <a:schemeClr val="dk1"/>
+          </a:fontRef>
+        </p:style>
+        <p:txBody>
+          <a:bodyPr lIns="20878" tIns="53031" rIns="20878" bIns="53031" anchor="ctr"/>
+          <a:lstStyle/>
+          <a:p>
+            <a:pPr algn="ctr" eaLnBrk="0" hangingPunct="0">
+              <a:spcBef>
+                <a:spcPct val="25000"/>
+              </a:spcBef>
+              <a:defRPr/>
+            </a:pPr>
+            <a:r>
+              <a:rPr lang="zh-CN" altLang="en-US" b="1" dirty="0">
+                <a:solidFill>
+                  <a:srgbClr val="000066"/>
+                </a:solidFill>
+                <a:latin typeface="微软雅黑" pitchFamily="34" charset="-122"/>
+                <a:ea typeface="微软雅黑" pitchFamily="34" charset="-122"/>
+                <a:cs typeface="Arial Unicode MS" pitchFamily="34" charset="-122"/>
+              </a:rPr>
+              <a:t>概述</a:t>
+            </a:r>
+          </a:p>
+        </p:txBody>
+      </p:sp>
+      <p:sp>
+        <p:nvSpPr>
+          <p:cNvPr id="17" name="燕尾形 16"/>
+          <p:cNvSpPr/>
+          <p:nvPr/>
+        </p:nvSpPr>
+        <p:spPr bwMode="auto">
+          <a:xfrm>
+            <a:off x="3051838" y="804786"/>
+            <a:ext cx="2016921" cy="670040"/>
+          </a:xfrm>
+          <a:prstGeom prst="chevron">
+            <a:avLst/>
+          </a:prstGeom>
+          <a:solidFill>
+            <a:schemeClr val="bg2">
+              <a:lumMod val="20000"/>
+              <a:lumOff val="80000"/>
+            </a:schemeClr>
+          </a:solidFill>
+          <a:ln>
+            <a:solidFill>
+              <a:schemeClr val="bg2">
+                <a:lumMod val="20000"/>
+                <a:lumOff val="80000"/>
+              </a:schemeClr>
+            </a:solidFill>
+            <a:headEnd/>
+            <a:tailEnd/>
+          </a:ln>
+        </p:spPr>
+        <p:style>
+          <a:lnRef idx="1">
+            <a:schemeClr val="accent1"/>
+          </a:lnRef>
+          <a:fillRef idx="2">
+            <a:schemeClr val="accent1"/>
+          </a:fillRef>
+          <a:effectRef idx="1">
+            <a:schemeClr val="accent1"/>
+          </a:effectRef>
+          <a:fontRef idx="minor">
+            <a:schemeClr val="dk1"/>
+          </a:fontRef>
+        </p:style>
+        <p:txBody>
+          <a:bodyPr lIns="106061" tIns="53031" rIns="106061" bIns="53031" anchor="ctr"/>
+          <a:lstStyle/>
+          <a:p>
+            <a:pPr algn="ctr" defTabSz="1484121">
+              <a:defRPr/>
+            </a:pPr>
+            <a:r>
+              <a:rPr lang="zh-CN" altLang="en-US" dirty="0">
+                <a:solidFill>
+                  <a:srgbClr val="A6A6A6"/>
+                </a:solidFill>
+                <a:latin typeface="微软雅黑" pitchFamily="34" charset="-122"/>
+                <a:ea typeface="微软雅黑" pitchFamily="34" charset="-122"/>
+              </a:rPr>
+              <a:t>架构</a:t>
+            </a:r>
+          </a:p>
+        </p:txBody>
+      </p:sp>
+      <p:sp>
+        <p:nvSpPr>
+          <p:cNvPr id="18" name="燕尾形 17"/>
+          <p:cNvSpPr/>
+          <p:nvPr/>
+        </p:nvSpPr>
+        <p:spPr bwMode="auto">
+          <a:xfrm>
+            <a:off x="6778802" y="825090"/>
+            <a:ext cx="2319565" cy="670037"/>
+          </a:xfrm>
+          <a:prstGeom prst="chevron">
+            <a:avLst/>
+          </a:prstGeom>
+          <a:solidFill>
+            <a:schemeClr val="bg2">
+              <a:lumMod val="20000"/>
+              <a:lumOff val="80000"/>
+            </a:schemeClr>
+          </a:solidFill>
+          <a:ln>
+            <a:solidFill>
+              <a:schemeClr val="bg2">
+                <a:lumMod val="20000"/>
+                <a:lumOff val="80000"/>
+              </a:schemeClr>
+            </a:solidFill>
+            <a:headEnd/>
+            <a:tailEnd/>
+          </a:ln>
+        </p:spPr>
+        <p:style>
+          <a:lnRef idx="1">
+            <a:schemeClr val="accent1"/>
+          </a:lnRef>
+          <a:fillRef idx="2">
+            <a:schemeClr val="accent1"/>
+          </a:fillRef>
+          <a:effectRef idx="1">
+            <a:schemeClr val="accent1"/>
+          </a:effectRef>
+          <a:fontRef idx="minor">
+            <a:schemeClr val="dk1"/>
+          </a:fontRef>
+        </p:style>
+        <p:txBody>
+          <a:bodyPr lIns="106061" tIns="53031" rIns="106061" bIns="53031" anchor="ctr"/>
+          <a:lstStyle/>
+          <a:p>
+            <a:pPr algn="ctr" defTabSz="1484121">
+              <a:defRPr/>
+            </a:pPr>
+            <a:r>
+              <a:rPr lang="zh-CN" altLang="en-US" dirty="0">
+                <a:solidFill>
+                  <a:srgbClr val="A6A6A6"/>
+                </a:solidFill>
+                <a:latin typeface="微软雅黑" pitchFamily="34" charset="-122"/>
+                <a:ea typeface="微软雅黑" pitchFamily="34" charset="-122"/>
+              </a:rPr>
+              <a:t>应用部署</a:t>
+            </a:r>
+            <a:endParaRPr lang="en-US" altLang="zh-CN" dirty="0">
+              <a:solidFill>
+                <a:srgbClr val="A6A6A6"/>
+              </a:solidFill>
+              <a:latin typeface="微软雅黑" pitchFamily="34" charset="-122"/>
+              <a:ea typeface="微软雅黑" pitchFamily="34" charset="-122"/>
+            </a:endParaRPr>
+          </a:p>
+        </p:txBody>
+      </p:sp>
+      <p:sp>
+        <p:nvSpPr>
+          <p:cNvPr id="19" name="燕尾形 18"/>
+          <p:cNvSpPr/>
+          <p:nvPr/>
+        </p:nvSpPr>
+        <p:spPr bwMode="auto">
+          <a:xfrm>
+            <a:off x="4776697" y="825090"/>
+            <a:ext cx="2306866" cy="670037"/>
+          </a:xfrm>
+          <a:prstGeom prst="chevron">
+            <a:avLst/>
+          </a:prstGeom>
+          <a:solidFill>
+            <a:schemeClr val="bg2">
+              <a:lumMod val="20000"/>
+              <a:lumOff val="80000"/>
+            </a:schemeClr>
+          </a:solidFill>
+          <a:ln>
+            <a:solidFill>
+              <a:schemeClr val="bg2">
+                <a:lumMod val="20000"/>
+                <a:lumOff val="80000"/>
+              </a:schemeClr>
+            </a:solidFill>
+            <a:headEnd/>
+            <a:tailEnd/>
+          </a:ln>
+        </p:spPr>
+        <p:style>
+          <a:lnRef idx="1">
+            <a:schemeClr val="accent1"/>
+          </a:lnRef>
+          <a:fillRef idx="2">
+            <a:schemeClr val="accent1"/>
+          </a:fillRef>
+          <a:effectRef idx="1">
+            <a:schemeClr val="accent1"/>
+          </a:effectRef>
+          <a:fontRef idx="minor">
+            <a:schemeClr val="dk1"/>
+          </a:fontRef>
+        </p:style>
+        <p:txBody>
+          <a:bodyPr lIns="106061" tIns="53031" rIns="106061" bIns="53031" anchor="ctr"/>
+          <a:lstStyle/>
+          <a:p>
+            <a:pPr algn="ctr" defTabSz="1484121">
+              <a:defRPr/>
+            </a:pPr>
+            <a:r>
+              <a:rPr lang="zh-CN" altLang="en-US" dirty="0">
+                <a:solidFill>
+                  <a:srgbClr val="A6A6A6"/>
+                </a:solidFill>
+                <a:latin typeface="微软雅黑" pitchFamily="34" charset="-122"/>
+                <a:ea typeface="微软雅黑" pitchFamily="34" charset="-122"/>
+              </a:rPr>
+              <a:t>应用集成</a:t>
+            </a:r>
+          </a:p>
+        </p:txBody>
+      </p:sp>
+      <p:sp>
+        <p:nvSpPr>
+          <p:cNvPr id="20" name="燕尾形 19"/>
+          <p:cNvSpPr/>
+          <p:nvPr/>
+        </p:nvSpPr>
+        <p:spPr bwMode="auto">
+          <a:xfrm>
+            <a:off x="8992549" y="804786"/>
+            <a:ext cx="2321681" cy="670040"/>
+          </a:xfrm>
+          <a:prstGeom prst="chevron">
+            <a:avLst/>
+          </a:prstGeom>
+          <a:solidFill>
+            <a:schemeClr val="bg2">
+              <a:lumMod val="20000"/>
+              <a:lumOff val="80000"/>
+            </a:schemeClr>
+          </a:solidFill>
+          <a:ln>
+            <a:solidFill>
+              <a:schemeClr val="bg2">
+                <a:lumMod val="20000"/>
+                <a:lumOff val="80000"/>
+              </a:schemeClr>
+            </a:solidFill>
+            <a:headEnd/>
+            <a:tailEnd/>
+          </a:ln>
+        </p:spPr>
+        <p:style>
+          <a:lnRef idx="1">
+            <a:schemeClr val="accent1"/>
+          </a:lnRef>
+          <a:fillRef idx="2">
+            <a:schemeClr val="accent1"/>
+          </a:fillRef>
+          <a:effectRef idx="1">
+            <a:schemeClr val="accent1"/>
+          </a:effectRef>
+          <a:fontRef idx="minor">
+            <a:schemeClr val="dk1"/>
+          </a:fontRef>
+        </p:style>
+        <p:txBody>
+          <a:bodyPr lIns="106061" tIns="53031" rIns="106061" bIns="53031" anchor="ctr"/>
+          <a:lstStyle/>
+          <a:p>
+            <a:pPr algn="ctr" defTabSz="1484121">
+              <a:defRPr/>
+            </a:pPr>
+            <a:r>
+              <a:rPr lang="zh-CN" altLang="en-US" dirty="0">
+                <a:solidFill>
+                  <a:srgbClr val="A6A6A6"/>
+                </a:solidFill>
+                <a:latin typeface="微软雅黑" pitchFamily="34" charset="-122"/>
+                <a:ea typeface="微软雅黑" pitchFamily="34" charset="-122"/>
+              </a:rPr>
+              <a:t>场景演示</a:t>
+            </a:r>
+            <a:endParaRPr lang="en-US" altLang="zh-CN" dirty="0">
+              <a:solidFill>
+                <a:srgbClr val="A6A6A6"/>
+              </a:solidFill>
+              <a:latin typeface="微软雅黑" pitchFamily="34" charset="-122"/>
+              <a:ea typeface="微软雅黑" pitchFamily="34" charset="-122"/>
+            </a:endParaRPr>
+          </a:p>
+        </p:txBody>
+      </p:sp>
+    </p:spTree>
+    <p:extLst>
+      <p:ext uri="{BB962C8B-B14F-4D97-AF65-F5344CB8AC3E}">
+        <p14:creationId xmlns:p14="http://schemas.microsoft.com/office/powerpoint/2010/main" val="3450642140"/>
       </p:ext>
     </p:extLst>
   </p:cSld>
